--- a/final MSC/Report/carbon tax.pptx
+++ b/final MSC/Report/carbon tax.pptx
@@ -6,6 +6,7 @@
   </p:sldMasterIdLst>
   <p:sldIdLst>
     <p:sldId id="256" r:id="rId2"/>
+    <p:sldId id="257" r:id="rId3"/>
   </p:sldIdLst>
   <p:sldSz cx="12192000" cy="6858000"/>
   <p:notesSz cx="6858000" cy="9144000"/>
@@ -110,6 +111,18 @@
     </p:ext>
   </p:extLst>
 </p:presentation>
+</file>
+
+<file path=ppt/commentAuthors.xml><?xml version="1.0" encoding="utf-8"?>
+<p:cmAuthorLst xmlns:a="http://schemas.openxmlformats.org/drawingml/2006/main" xmlns:r="http://schemas.openxmlformats.org/officeDocument/2006/relationships" xmlns:p="http://schemas.openxmlformats.org/presentationml/2006/main">
+  <p:cmAuthor id="1" name="Amir Minaei" initials="AM" lastIdx="1" clrIdx="0">
+    <p:extLst>
+      <p:ext uri="{19B8F6BF-5375-455C-9EA6-DF929625EA0E}">
+        <p15:presenceInfo xmlns:p15="http://schemas.microsoft.com/office/powerpoint/2012/main" userId="2826f15e25d62ae4" providerId="Windows Live"/>
+      </p:ext>
+    </p:extLst>
+  </p:cmAuthor>
+</p:cmAuthorLst>
 </file>
 
 <file path=ppt/charts/chart1.xml><?xml version="1.0" encoding="utf-8"?>
@@ -263,7 +276,7 @@
                 <a:cs typeface="+mn-cs"/>
               </a:defRPr>
             </a:pPr>
-            <a:endParaRPr lang="fa-IR"/>
+            <a:endParaRPr lang="ar-BH"/>
           </a:p>
         </c:txPr>
         <c:crossAx val="358723368"/>
@@ -309,7 +322,7 @@
                 <a:cs typeface="+mn-cs"/>
               </a:defRPr>
             </a:pPr>
-            <a:endParaRPr lang="fa-IR"/>
+            <a:endParaRPr lang="ar-BH"/>
           </a:p>
         </c:txPr>
         <c:crossAx val="358725336"/>
@@ -343,7 +356,7 @@
       <a:pPr>
         <a:defRPr/>
       </a:pPr>
-      <a:endParaRPr lang="fa-IR"/>
+      <a:endParaRPr lang="ar-BH"/>
     </a:p>
   </c:txPr>
   <c:externalData r:id="rId3">
@@ -950,7 +963,7 @@
           </a:lstStyle>
           <a:p>
             <a:r>
-              <a:rPr lang="en-US" smtClean="0"/>
+              <a:rPr lang="en-US"/>
               <a:t>Click to edit Master title style</a:t>
             </a:r>
             <a:endParaRPr lang="fa-IR"/>
@@ -1015,7 +1028,7 @@
           </a:lstStyle>
           <a:p>
             <a:r>
-              <a:rPr lang="en-US" smtClean="0"/>
+              <a:rPr lang="en-US"/>
               <a:t>Click to edit Master subtitle style</a:t>
             </a:r>
             <a:endParaRPr lang="fa-IR"/>
@@ -1039,7 +1052,7 @@
           <a:p>
             <a:fld id="{BD89B7F4-12CD-4985-BF37-E3F80B0C96EA}" type="datetimeFigureOut">
               <a:rPr lang="fa-IR" smtClean="0"/>
-              <a:t>15/02/1441</a:t>
+              <a:t>08/03/1441</a:t>
             </a:fld>
             <a:endParaRPr lang="fa-IR"/>
           </a:p>
@@ -1133,7 +1146,7 @@
           <a:lstStyle/>
           <a:p>
             <a:r>
-              <a:rPr lang="en-US" smtClean="0"/>
+              <a:rPr lang="en-US"/>
               <a:t>Click to edit Master title style</a:t>
             </a:r>
             <a:endParaRPr lang="fa-IR"/>
@@ -1157,35 +1170,35 @@
           <a:p>
             <a:pPr lvl="0"/>
             <a:r>
-              <a:rPr lang="en-US" smtClean="0"/>
+              <a:rPr lang="en-US"/>
               <a:t>Edit Master text styles</a:t>
             </a:r>
           </a:p>
           <a:p>
             <a:pPr lvl="1"/>
             <a:r>
-              <a:rPr lang="en-US" smtClean="0"/>
+              <a:rPr lang="en-US"/>
               <a:t>Second level</a:t>
             </a:r>
           </a:p>
           <a:p>
             <a:pPr lvl="2"/>
             <a:r>
-              <a:rPr lang="en-US" smtClean="0"/>
+              <a:rPr lang="en-US"/>
               <a:t>Third level</a:t>
             </a:r>
           </a:p>
           <a:p>
             <a:pPr lvl="3"/>
             <a:r>
-              <a:rPr lang="en-US" smtClean="0"/>
+              <a:rPr lang="en-US"/>
               <a:t>Fourth level</a:t>
             </a:r>
           </a:p>
           <a:p>
             <a:pPr lvl="4"/>
             <a:r>
-              <a:rPr lang="en-US" smtClean="0"/>
+              <a:rPr lang="en-US"/>
               <a:t>Fifth level</a:t>
             </a:r>
             <a:endParaRPr lang="fa-IR"/>
@@ -1209,7 +1222,7 @@
           <a:p>
             <a:fld id="{BD89B7F4-12CD-4985-BF37-E3F80B0C96EA}" type="datetimeFigureOut">
               <a:rPr lang="fa-IR" smtClean="0"/>
-              <a:t>15/02/1441</a:t>
+              <a:t>08/03/1441</a:t>
             </a:fld>
             <a:endParaRPr lang="fa-IR"/>
           </a:p>
@@ -1308,7 +1321,7 @@
           <a:lstStyle/>
           <a:p>
             <a:r>
-              <a:rPr lang="en-US" smtClean="0"/>
+              <a:rPr lang="en-US"/>
               <a:t>Click to edit Master title style</a:t>
             </a:r>
             <a:endParaRPr lang="fa-IR"/>
@@ -1337,35 +1350,35 @@
           <a:p>
             <a:pPr lvl="0"/>
             <a:r>
-              <a:rPr lang="en-US" smtClean="0"/>
+              <a:rPr lang="en-US"/>
               <a:t>Edit Master text styles</a:t>
             </a:r>
           </a:p>
           <a:p>
             <a:pPr lvl="1"/>
             <a:r>
-              <a:rPr lang="en-US" smtClean="0"/>
+              <a:rPr lang="en-US"/>
               <a:t>Second level</a:t>
             </a:r>
           </a:p>
           <a:p>
             <a:pPr lvl="2"/>
             <a:r>
-              <a:rPr lang="en-US" smtClean="0"/>
+              <a:rPr lang="en-US"/>
               <a:t>Third level</a:t>
             </a:r>
           </a:p>
           <a:p>
             <a:pPr lvl="3"/>
             <a:r>
-              <a:rPr lang="en-US" smtClean="0"/>
+              <a:rPr lang="en-US"/>
               <a:t>Fourth level</a:t>
             </a:r>
           </a:p>
           <a:p>
             <a:pPr lvl="4"/>
             <a:r>
-              <a:rPr lang="en-US" smtClean="0"/>
+              <a:rPr lang="en-US"/>
               <a:t>Fifth level</a:t>
             </a:r>
             <a:endParaRPr lang="fa-IR"/>
@@ -1389,7 +1402,7 @@
           <a:p>
             <a:fld id="{BD89B7F4-12CD-4985-BF37-E3F80B0C96EA}" type="datetimeFigureOut">
               <a:rPr lang="fa-IR" smtClean="0"/>
-              <a:t>15/02/1441</a:t>
+              <a:t>08/03/1441</a:t>
             </a:fld>
             <a:endParaRPr lang="fa-IR"/>
           </a:p>
@@ -1483,7 +1496,7 @@
           <a:lstStyle/>
           <a:p>
             <a:r>
-              <a:rPr lang="en-US" smtClean="0"/>
+              <a:rPr lang="en-US"/>
               <a:t>Click to edit Master title style</a:t>
             </a:r>
             <a:endParaRPr lang="fa-IR"/>
@@ -1507,35 +1520,35 @@
           <a:p>
             <a:pPr lvl="0"/>
             <a:r>
-              <a:rPr lang="en-US" smtClean="0"/>
+              <a:rPr lang="en-US"/>
               <a:t>Edit Master text styles</a:t>
             </a:r>
           </a:p>
           <a:p>
             <a:pPr lvl="1"/>
             <a:r>
-              <a:rPr lang="en-US" smtClean="0"/>
+              <a:rPr lang="en-US"/>
               <a:t>Second level</a:t>
             </a:r>
           </a:p>
           <a:p>
             <a:pPr lvl="2"/>
             <a:r>
-              <a:rPr lang="en-US" smtClean="0"/>
+              <a:rPr lang="en-US"/>
               <a:t>Third level</a:t>
             </a:r>
           </a:p>
           <a:p>
             <a:pPr lvl="3"/>
             <a:r>
-              <a:rPr lang="en-US" smtClean="0"/>
+              <a:rPr lang="en-US"/>
               <a:t>Fourth level</a:t>
             </a:r>
           </a:p>
           <a:p>
             <a:pPr lvl="4"/>
             <a:r>
-              <a:rPr lang="en-US" smtClean="0"/>
+              <a:rPr lang="en-US"/>
               <a:t>Fifth level</a:t>
             </a:r>
             <a:endParaRPr lang="fa-IR"/>
@@ -1559,7 +1572,7 @@
           <a:p>
             <a:fld id="{BD89B7F4-12CD-4985-BF37-E3F80B0C96EA}" type="datetimeFigureOut">
               <a:rPr lang="fa-IR" smtClean="0"/>
-              <a:t>15/02/1441</a:t>
+              <a:t>08/03/1441</a:t>
             </a:fld>
             <a:endParaRPr lang="fa-IR"/>
           </a:p>
@@ -1662,7 +1675,7 @@
           </a:lstStyle>
           <a:p>
             <a:r>
-              <a:rPr lang="en-US" smtClean="0"/>
+              <a:rPr lang="en-US"/>
               <a:t>Click to edit Master title style</a:t>
             </a:r>
             <a:endParaRPr lang="fa-IR"/>
@@ -1782,7 +1795,7 @@
           <a:p>
             <a:pPr lvl="0"/>
             <a:r>
-              <a:rPr lang="en-US" smtClean="0"/>
+              <a:rPr lang="en-US"/>
               <a:t>Edit Master text styles</a:t>
             </a:r>
           </a:p>
@@ -1805,7 +1818,7 @@
           <a:p>
             <a:fld id="{BD89B7F4-12CD-4985-BF37-E3F80B0C96EA}" type="datetimeFigureOut">
               <a:rPr lang="fa-IR" smtClean="0"/>
-              <a:t>15/02/1441</a:t>
+              <a:t>08/03/1441</a:t>
             </a:fld>
             <a:endParaRPr lang="fa-IR"/>
           </a:p>
@@ -1899,7 +1912,7 @@
           <a:lstStyle/>
           <a:p>
             <a:r>
-              <a:rPr lang="en-US" smtClean="0"/>
+              <a:rPr lang="en-US"/>
               <a:t>Click to edit Master title style</a:t>
             </a:r>
             <a:endParaRPr lang="fa-IR"/>
@@ -1928,35 +1941,35 @@
           <a:p>
             <a:pPr lvl="0"/>
             <a:r>
-              <a:rPr lang="en-US" smtClean="0"/>
+              <a:rPr lang="en-US"/>
               <a:t>Edit Master text styles</a:t>
             </a:r>
           </a:p>
           <a:p>
             <a:pPr lvl="1"/>
             <a:r>
-              <a:rPr lang="en-US" smtClean="0"/>
+              <a:rPr lang="en-US"/>
               <a:t>Second level</a:t>
             </a:r>
           </a:p>
           <a:p>
             <a:pPr lvl="2"/>
             <a:r>
-              <a:rPr lang="en-US" smtClean="0"/>
+              <a:rPr lang="en-US"/>
               <a:t>Third level</a:t>
             </a:r>
           </a:p>
           <a:p>
             <a:pPr lvl="3"/>
             <a:r>
-              <a:rPr lang="en-US" smtClean="0"/>
+              <a:rPr lang="en-US"/>
               <a:t>Fourth level</a:t>
             </a:r>
           </a:p>
           <a:p>
             <a:pPr lvl="4"/>
             <a:r>
-              <a:rPr lang="en-US" smtClean="0"/>
+              <a:rPr lang="en-US"/>
               <a:t>Fifth level</a:t>
             </a:r>
             <a:endParaRPr lang="fa-IR"/>
@@ -1985,35 +1998,35 @@
           <a:p>
             <a:pPr lvl="0"/>
             <a:r>
-              <a:rPr lang="en-US" smtClean="0"/>
+              <a:rPr lang="en-US"/>
               <a:t>Edit Master text styles</a:t>
             </a:r>
           </a:p>
           <a:p>
             <a:pPr lvl="1"/>
             <a:r>
-              <a:rPr lang="en-US" smtClean="0"/>
+              <a:rPr lang="en-US"/>
               <a:t>Second level</a:t>
             </a:r>
           </a:p>
           <a:p>
             <a:pPr lvl="2"/>
             <a:r>
-              <a:rPr lang="en-US" smtClean="0"/>
+              <a:rPr lang="en-US"/>
               <a:t>Third level</a:t>
             </a:r>
           </a:p>
           <a:p>
             <a:pPr lvl="3"/>
             <a:r>
-              <a:rPr lang="en-US" smtClean="0"/>
+              <a:rPr lang="en-US"/>
               <a:t>Fourth level</a:t>
             </a:r>
           </a:p>
           <a:p>
             <a:pPr lvl="4"/>
             <a:r>
-              <a:rPr lang="en-US" smtClean="0"/>
+              <a:rPr lang="en-US"/>
               <a:t>Fifth level</a:t>
             </a:r>
             <a:endParaRPr lang="fa-IR"/>
@@ -2037,7 +2050,7 @@
           <a:p>
             <a:fld id="{BD89B7F4-12CD-4985-BF37-E3F80B0C96EA}" type="datetimeFigureOut">
               <a:rPr lang="fa-IR" smtClean="0"/>
-              <a:t>15/02/1441</a:t>
+              <a:t>08/03/1441</a:t>
             </a:fld>
             <a:endParaRPr lang="fa-IR"/>
           </a:p>
@@ -2136,7 +2149,7 @@
           <a:lstStyle/>
           <a:p>
             <a:r>
-              <a:rPr lang="en-US" smtClean="0"/>
+              <a:rPr lang="en-US"/>
               <a:t>Click to edit Master title style</a:t>
             </a:r>
             <a:endParaRPr lang="fa-IR"/>
@@ -2202,7 +2215,7 @@
           <a:p>
             <a:pPr lvl="0"/>
             <a:r>
-              <a:rPr lang="en-US" smtClean="0"/>
+              <a:rPr lang="en-US"/>
               <a:t>Edit Master text styles</a:t>
             </a:r>
           </a:p>
@@ -2230,35 +2243,35 @@
           <a:p>
             <a:pPr lvl="0"/>
             <a:r>
-              <a:rPr lang="en-US" smtClean="0"/>
+              <a:rPr lang="en-US"/>
               <a:t>Edit Master text styles</a:t>
             </a:r>
           </a:p>
           <a:p>
             <a:pPr lvl="1"/>
             <a:r>
-              <a:rPr lang="en-US" smtClean="0"/>
+              <a:rPr lang="en-US"/>
               <a:t>Second level</a:t>
             </a:r>
           </a:p>
           <a:p>
             <a:pPr lvl="2"/>
             <a:r>
-              <a:rPr lang="en-US" smtClean="0"/>
+              <a:rPr lang="en-US"/>
               <a:t>Third level</a:t>
             </a:r>
           </a:p>
           <a:p>
             <a:pPr lvl="3"/>
             <a:r>
-              <a:rPr lang="en-US" smtClean="0"/>
+              <a:rPr lang="en-US"/>
               <a:t>Fourth level</a:t>
             </a:r>
           </a:p>
           <a:p>
             <a:pPr lvl="4"/>
             <a:r>
-              <a:rPr lang="en-US" smtClean="0"/>
+              <a:rPr lang="en-US"/>
               <a:t>Fifth level</a:t>
             </a:r>
             <a:endParaRPr lang="fa-IR"/>
@@ -2324,7 +2337,7 @@
           <a:p>
             <a:pPr lvl="0"/>
             <a:r>
-              <a:rPr lang="en-US" smtClean="0"/>
+              <a:rPr lang="en-US"/>
               <a:t>Edit Master text styles</a:t>
             </a:r>
           </a:p>
@@ -2352,35 +2365,35 @@
           <a:p>
             <a:pPr lvl="0"/>
             <a:r>
-              <a:rPr lang="en-US" smtClean="0"/>
+              <a:rPr lang="en-US"/>
               <a:t>Edit Master text styles</a:t>
             </a:r>
           </a:p>
           <a:p>
             <a:pPr lvl="1"/>
             <a:r>
-              <a:rPr lang="en-US" smtClean="0"/>
+              <a:rPr lang="en-US"/>
               <a:t>Second level</a:t>
             </a:r>
           </a:p>
           <a:p>
             <a:pPr lvl="2"/>
             <a:r>
-              <a:rPr lang="en-US" smtClean="0"/>
+              <a:rPr lang="en-US"/>
               <a:t>Third level</a:t>
             </a:r>
           </a:p>
           <a:p>
             <a:pPr lvl="3"/>
             <a:r>
-              <a:rPr lang="en-US" smtClean="0"/>
+              <a:rPr lang="en-US"/>
               <a:t>Fourth level</a:t>
             </a:r>
           </a:p>
           <a:p>
             <a:pPr lvl="4"/>
             <a:r>
-              <a:rPr lang="en-US" smtClean="0"/>
+              <a:rPr lang="en-US"/>
               <a:t>Fifth level</a:t>
             </a:r>
             <a:endParaRPr lang="fa-IR"/>
@@ -2404,7 +2417,7 @@
           <a:p>
             <a:fld id="{BD89B7F4-12CD-4985-BF37-E3F80B0C96EA}" type="datetimeFigureOut">
               <a:rPr lang="fa-IR" smtClean="0"/>
-              <a:t>15/02/1441</a:t>
+              <a:t>08/03/1441</a:t>
             </a:fld>
             <a:endParaRPr lang="fa-IR"/>
           </a:p>
@@ -2498,7 +2511,7 @@
           <a:lstStyle/>
           <a:p>
             <a:r>
-              <a:rPr lang="en-US" smtClean="0"/>
+              <a:rPr lang="en-US"/>
               <a:t>Click to edit Master title style</a:t>
             </a:r>
             <a:endParaRPr lang="fa-IR"/>
@@ -2522,7 +2535,7 @@
           <a:p>
             <a:fld id="{BD89B7F4-12CD-4985-BF37-E3F80B0C96EA}" type="datetimeFigureOut">
               <a:rPr lang="fa-IR" smtClean="0"/>
-              <a:t>15/02/1441</a:t>
+              <a:t>08/03/1441</a:t>
             </a:fld>
             <a:endParaRPr lang="fa-IR"/>
           </a:p>
@@ -2617,7 +2630,7 @@
           <a:p>
             <a:fld id="{BD89B7F4-12CD-4985-BF37-E3F80B0C96EA}" type="datetimeFigureOut">
               <a:rPr lang="fa-IR" smtClean="0"/>
-              <a:t>15/02/1441</a:t>
+              <a:t>08/03/1441</a:t>
             </a:fld>
             <a:endParaRPr lang="fa-IR"/>
           </a:p>
@@ -2720,7 +2733,7 @@
           </a:lstStyle>
           <a:p>
             <a:r>
-              <a:rPr lang="en-US" smtClean="0"/>
+              <a:rPr lang="en-US"/>
               <a:t>Click to edit Master title style</a:t>
             </a:r>
             <a:endParaRPr lang="fa-IR"/>
@@ -2777,35 +2790,35 @@
           <a:p>
             <a:pPr lvl="0"/>
             <a:r>
-              <a:rPr lang="en-US" smtClean="0"/>
+              <a:rPr lang="en-US"/>
               <a:t>Edit Master text styles</a:t>
             </a:r>
           </a:p>
           <a:p>
             <a:pPr lvl="1"/>
             <a:r>
-              <a:rPr lang="en-US" smtClean="0"/>
+              <a:rPr lang="en-US"/>
               <a:t>Second level</a:t>
             </a:r>
           </a:p>
           <a:p>
             <a:pPr lvl="2"/>
             <a:r>
-              <a:rPr lang="en-US" smtClean="0"/>
+              <a:rPr lang="en-US"/>
               <a:t>Third level</a:t>
             </a:r>
           </a:p>
           <a:p>
             <a:pPr lvl="3"/>
             <a:r>
-              <a:rPr lang="en-US" smtClean="0"/>
+              <a:rPr lang="en-US"/>
               <a:t>Fourth level</a:t>
             </a:r>
           </a:p>
           <a:p>
             <a:pPr lvl="4"/>
             <a:r>
-              <a:rPr lang="en-US" smtClean="0"/>
+              <a:rPr lang="en-US"/>
               <a:t>Fifth level</a:t>
             </a:r>
             <a:endParaRPr lang="fa-IR"/>
@@ -2871,7 +2884,7 @@
           <a:p>
             <a:pPr lvl="0"/>
             <a:r>
-              <a:rPr lang="en-US" smtClean="0"/>
+              <a:rPr lang="en-US"/>
               <a:t>Edit Master text styles</a:t>
             </a:r>
           </a:p>
@@ -2894,7 +2907,7 @@
           <a:p>
             <a:fld id="{BD89B7F4-12CD-4985-BF37-E3F80B0C96EA}" type="datetimeFigureOut">
               <a:rPr lang="fa-IR" smtClean="0"/>
-              <a:t>15/02/1441</a:t>
+              <a:t>08/03/1441</a:t>
             </a:fld>
             <a:endParaRPr lang="fa-IR"/>
           </a:p>
@@ -2997,7 +3010,7 @@
           </a:lstStyle>
           <a:p>
             <a:r>
-              <a:rPr lang="en-US" smtClean="0"/>
+              <a:rPr lang="en-US"/>
               <a:t>Click to edit Master title style</a:t>
             </a:r>
             <a:endParaRPr lang="fa-IR"/>
@@ -3124,7 +3137,7 @@
           <a:p>
             <a:pPr lvl="0"/>
             <a:r>
-              <a:rPr lang="en-US" smtClean="0"/>
+              <a:rPr lang="en-US"/>
               <a:t>Edit Master text styles</a:t>
             </a:r>
           </a:p>
@@ -3147,7 +3160,7 @@
           <a:p>
             <a:fld id="{BD89B7F4-12CD-4985-BF37-E3F80B0C96EA}" type="datetimeFigureOut">
               <a:rPr lang="fa-IR" smtClean="0"/>
-              <a:t>15/02/1441</a:t>
+              <a:t>08/03/1441</a:t>
             </a:fld>
             <a:endParaRPr lang="fa-IR"/>
           </a:p>
@@ -3256,7 +3269,7 @@
           <a:lstStyle/>
           <a:p>
             <a:r>
-              <a:rPr lang="en-US" smtClean="0"/>
+              <a:rPr lang="en-US"/>
               <a:t>Click to edit Master title style</a:t>
             </a:r>
             <a:endParaRPr lang="fa-IR"/>
@@ -3290,35 +3303,35 @@
           <a:p>
             <a:pPr lvl="0"/>
             <a:r>
-              <a:rPr lang="en-US" smtClean="0"/>
+              <a:rPr lang="en-US"/>
               <a:t>Edit Master text styles</a:t>
             </a:r>
           </a:p>
           <a:p>
             <a:pPr lvl="1"/>
             <a:r>
-              <a:rPr lang="en-US" smtClean="0"/>
+              <a:rPr lang="en-US"/>
               <a:t>Second level</a:t>
             </a:r>
           </a:p>
           <a:p>
             <a:pPr lvl="2"/>
             <a:r>
-              <a:rPr lang="en-US" smtClean="0"/>
+              <a:rPr lang="en-US"/>
               <a:t>Third level</a:t>
             </a:r>
           </a:p>
           <a:p>
             <a:pPr lvl="3"/>
             <a:r>
-              <a:rPr lang="en-US" smtClean="0"/>
+              <a:rPr lang="en-US"/>
               <a:t>Fourth level</a:t>
             </a:r>
           </a:p>
           <a:p>
             <a:pPr lvl="4"/>
             <a:r>
-              <a:rPr lang="en-US" smtClean="0"/>
+              <a:rPr lang="en-US"/>
               <a:t>Fifth level</a:t>
             </a:r>
             <a:endParaRPr lang="fa-IR"/>
@@ -3360,7 +3373,7 @@
           <a:p>
             <a:fld id="{BD89B7F4-12CD-4985-BF37-E3F80B0C96EA}" type="datetimeFigureOut">
               <a:rPr lang="fa-IR" smtClean="0"/>
-              <a:t>15/02/1441</a:t>
+              <a:t>08/03/1441</a:t>
             </a:fld>
             <a:endParaRPr lang="fa-IR"/>
           </a:p>
@@ -4625,7 +4638,7 @@
               <a:lstStyle/>
               <a:p>
                 <a:r>
-                  <a:rPr lang="en-US" dirty="0" smtClean="0">
+                  <a:rPr lang="en-US" dirty="0">
                     <a:solidFill>
                       <a:schemeClr val="tx1"/>
                     </a:solidFill>
@@ -4636,7 +4649,7 @@
               </a:p>
               <a:p>
                 <a:r>
-                  <a:rPr lang="en-US" dirty="0" smtClean="0">
+                  <a:rPr lang="en-US" dirty="0">
                     <a:solidFill>
                       <a:schemeClr val="tx1"/>
                     </a:solidFill>
@@ -4711,7 +4724,7 @@
             <a:lstStyle/>
             <a:p>
               <a:r>
-                <a:rPr lang="en-US" dirty="0" smtClean="0">
+                <a:rPr lang="en-US" dirty="0">
                   <a:cs typeface="+mj-cs"/>
                 </a:rPr>
                 <a:t>Tax</a:t>
@@ -4727,6 +4740,3712 @@
     <p:extLst>
       <p:ext uri="{BB962C8B-B14F-4D97-AF65-F5344CB8AC3E}">
         <p14:creationId xmlns:p14="http://schemas.microsoft.com/office/powerpoint/2010/main" val="935327719"/>
+      </p:ext>
+    </p:extLst>
+  </p:cSld>
+  <p:clrMapOvr>
+    <a:masterClrMapping/>
+  </p:clrMapOvr>
+</p:sld>
+</file>
+
+<file path=ppt/slides/slide2.xml><?xml version="1.0" encoding="utf-8"?>
+<p:sld xmlns:a="http://schemas.openxmlformats.org/drawingml/2006/main" xmlns:r="http://schemas.openxmlformats.org/officeDocument/2006/relationships" xmlns:p="http://schemas.openxmlformats.org/presentationml/2006/main">
+  <p:cSld>
+    <p:spTree>
+      <p:nvGrpSpPr>
+        <p:cNvPr id="1" name=""/>
+        <p:cNvGrpSpPr/>
+        <p:nvPr/>
+      </p:nvGrpSpPr>
+      <p:grpSpPr>
+        <a:xfrm>
+          <a:off x="0" y="0"/>
+          <a:ext cx="0" cy="0"/>
+          <a:chOff x="0" y="0"/>
+          <a:chExt cx="0" cy="0"/>
+        </a:xfrm>
+      </p:grpSpPr>
+      <p:sp>
+        <p:nvSpPr>
+          <p:cNvPr id="5" name="TextBox 4">
+            <a:extLst>
+              <a:ext uri="{FF2B5EF4-FFF2-40B4-BE49-F238E27FC236}">
+                <a16:creationId xmlns:a16="http://schemas.microsoft.com/office/drawing/2014/main" id="{30812A57-E6AB-4595-951B-808BC4253737}"/>
+              </a:ext>
+            </a:extLst>
+          </p:cNvPr>
+          <p:cNvSpPr txBox="1"/>
+          <p:nvPr/>
+        </p:nvSpPr>
+        <p:spPr>
+          <a:xfrm>
+            <a:off x="815624" y="912167"/>
+            <a:ext cx="1822935" cy="338554"/>
+          </a:xfrm>
+          <a:prstGeom prst="rect">
+            <a:avLst/>
+          </a:prstGeom>
+          <a:noFill/>
+        </p:spPr>
+        <p:txBody>
+          <a:bodyPr wrap="none" rtlCol="0">
+            <a:spAutoFit/>
+          </a:bodyPr>
+          <a:lstStyle>
+            <a:defPPr>
+              <a:defRPr lang="en-US"/>
+            </a:defPPr>
+            <a:lvl1pPr>
+              <a:defRPr sz="2000" b="1">
+                <a:solidFill>
+                  <a:schemeClr val="tx1">
+                    <a:lumMod val="65000"/>
+                    <a:lumOff val="35000"/>
+                  </a:schemeClr>
+                </a:solidFill>
+                <a:latin typeface="Arial" pitchFamily="34" charset="0"/>
+                <a:cs typeface="Arial" pitchFamily="34" charset="0"/>
+              </a:defRPr>
+            </a:lvl1pPr>
+          </a:lstStyle>
+          <a:p>
+            <a:pPr algn="ctr"/>
+            <a:r>
+              <a:rPr lang="en-US" sz="1600" dirty="0">
+                <a:solidFill>
+                  <a:schemeClr val="bg1"/>
+                </a:solidFill>
+                <a:latin typeface="Times New Roman" panose="02020603050405020304" pitchFamily="18" charset="0"/>
+                <a:cs typeface="Times New Roman" panose="02020603050405020304" pitchFamily="18" charset="0"/>
+              </a:rPr>
+              <a:t>INTRODUCTION</a:t>
+            </a:r>
+          </a:p>
+        </p:txBody>
+      </p:sp>
+      <p:sp>
+        <p:nvSpPr>
+          <p:cNvPr id="6" name="TextBox 5">
+            <a:extLst>
+              <a:ext uri="{FF2B5EF4-FFF2-40B4-BE49-F238E27FC236}">
+                <a16:creationId xmlns:a16="http://schemas.microsoft.com/office/drawing/2014/main" id="{6B4E4EB1-1E8E-42FC-BC66-424E5CC6725A}"/>
+              </a:ext>
+            </a:extLst>
+          </p:cNvPr>
+          <p:cNvSpPr txBox="1"/>
+          <p:nvPr/>
+        </p:nvSpPr>
+        <p:spPr>
+          <a:xfrm>
+            <a:off x="3354492" y="838200"/>
+            <a:ext cx="1154483" cy="338554"/>
+          </a:xfrm>
+          <a:prstGeom prst="rect">
+            <a:avLst/>
+          </a:prstGeom>
+          <a:noFill/>
+        </p:spPr>
+        <p:txBody>
+          <a:bodyPr wrap="none" rtlCol="0">
+            <a:spAutoFit/>
+          </a:bodyPr>
+          <a:lstStyle>
+            <a:defPPr>
+              <a:defRPr lang="en-US"/>
+            </a:defPPr>
+            <a:lvl1pPr>
+              <a:defRPr sz="2000" b="1">
+                <a:solidFill>
+                  <a:schemeClr val="tx1">
+                    <a:lumMod val="65000"/>
+                    <a:lumOff val="35000"/>
+                  </a:schemeClr>
+                </a:solidFill>
+                <a:latin typeface="Arial" pitchFamily="34" charset="0"/>
+                <a:cs typeface="Arial" pitchFamily="34" charset="0"/>
+              </a:defRPr>
+            </a:lvl1pPr>
+          </a:lstStyle>
+          <a:p>
+            <a:pPr algn="ctr"/>
+            <a:r>
+              <a:rPr lang="en-US" sz="1600" dirty="0">
+                <a:solidFill>
+                  <a:schemeClr val="bg1"/>
+                </a:solidFill>
+                <a:latin typeface="Times New Roman" panose="02020603050405020304" pitchFamily="18" charset="0"/>
+                <a:cs typeface="Times New Roman" panose="02020603050405020304" pitchFamily="18" charset="0"/>
+              </a:rPr>
+              <a:t>GROWTH</a:t>
+            </a:r>
+          </a:p>
+        </p:txBody>
+      </p:sp>
+      <p:sp>
+        <p:nvSpPr>
+          <p:cNvPr id="7" name="TextBox 6">
+            <a:extLst>
+              <a:ext uri="{FF2B5EF4-FFF2-40B4-BE49-F238E27FC236}">
+                <a16:creationId xmlns:a16="http://schemas.microsoft.com/office/drawing/2014/main" id="{24AB21B6-43F8-4D04-931E-B55F4C8F5917}"/>
+              </a:ext>
+            </a:extLst>
+          </p:cNvPr>
+          <p:cNvSpPr txBox="1"/>
+          <p:nvPr/>
+        </p:nvSpPr>
+        <p:spPr>
+          <a:xfrm>
+            <a:off x="5594962" y="916024"/>
+            <a:ext cx="1305935" cy="338554"/>
+          </a:xfrm>
+          <a:prstGeom prst="rect">
+            <a:avLst/>
+          </a:prstGeom>
+          <a:noFill/>
+        </p:spPr>
+        <p:txBody>
+          <a:bodyPr wrap="none" rtlCol="0">
+            <a:spAutoFit/>
+          </a:bodyPr>
+          <a:lstStyle>
+            <a:defPPr>
+              <a:defRPr lang="en-US"/>
+            </a:defPPr>
+            <a:lvl1pPr>
+              <a:defRPr sz="2000" b="1">
+                <a:solidFill>
+                  <a:schemeClr val="tx1">
+                    <a:lumMod val="65000"/>
+                    <a:lumOff val="35000"/>
+                  </a:schemeClr>
+                </a:solidFill>
+                <a:latin typeface="Arial" pitchFamily="34" charset="0"/>
+                <a:cs typeface="Arial" pitchFamily="34" charset="0"/>
+              </a:defRPr>
+            </a:lvl1pPr>
+          </a:lstStyle>
+          <a:p>
+            <a:pPr algn="ctr"/>
+            <a:r>
+              <a:rPr lang="en-US" sz="1600" dirty="0">
+                <a:solidFill>
+                  <a:schemeClr val="bg1"/>
+                </a:solidFill>
+                <a:latin typeface="Times New Roman" panose="02020603050405020304" pitchFamily="18" charset="0"/>
+                <a:cs typeface="Times New Roman" panose="02020603050405020304" pitchFamily="18" charset="0"/>
+              </a:rPr>
+              <a:t>MATURITY</a:t>
+            </a:r>
+          </a:p>
+        </p:txBody>
+      </p:sp>
+      <p:sp>
+        <p:nvSpPr>
+          <p:cNvPr id="8" name="TextBox 7">
+            <a:extLst>
+              <a:ext uri="{FF2B5EF4-FFF2-40B4-BE49-F238E27FC236}">
+                <a16:creationId xmlns:a16="http://schemas.microsoft.com/office/drawing/2014/main" id="{7E336925-FD1C-48B8-B0B0-A58D733F3FE4}"/>
+              </a:ext>
+            </a:extLst>
+          </p:cNvPr>
+          <p:cNvSpPr txBox="1"/>
+          <p:nvPr/>
+        </p:nvSpPr>
+        <p:spPr>
+          <a:xfrm>
+            <a:off x="8550787" y="916024"/>
+            <a:ext cx="1116011" cy="338554"/>
+          </a:xfrm>
+          <a:prstGeom prst="rect">
+            <a:avLst/>
+          </a:prstGeom>
+          <a:noFill/>
+        </p:spPr>
+        <p:txBody>
+          <a:bodyPr wrap="none" rtlCol="0">
+            <a:spAutoFit/>
+          </a:bodyPr>
+          <a:lstStyle>
+            <a:defPPr>
+              <a:defRPr lang="en-US"/>
+            </a:defPPr>
+            <a:lvl1pPr>
+              <a:defRPr sz="2000" b="1">
+                <a:solidFill>
+                  <a:schemeClr val="tx1">
+                    <a:lumMod val="65000"/>
+                    <a:lumOff val="35000"/>
+                  </a:schemeClr>
+                </a:solidFill>
+                <a:latin typeface="Arial" pitchFamily="34" charset="0"/>
+                <a:cs typeface="Arial" pitchFamily="34" charset="0"/>
+              </a:defRPr>
+            </a:lvl1pPr>
+          </a:lstStyle>
+          <a:p>
+            <a:pPr algn="ctr"/>
+            <a:r>
+              <a:rPr lang="en-US" sz="1600" dirty="0">
+                <a:solidFill>
+                  <a:schemeClr val="bg1"/>
+                </a:solidFill>
+                <a:latin typeface="Times New Roman" panose="02020603050405020304" pitchFamily="18" charset="0"/>
+                <a:cs typeface="Times New Roman" panose="02020603050405020304" pitchFamily="18" charset="0"/>
+              </a:rPr>
+              <a:t>DECLINE</a:t>
+            </a:r>
+          </a:p>
+        </p:txBody>
+      </p:sp>
+      <p:cxnSp>
+        <p:nvCxnSpPr>
+          <p:cNvPr id="9" name="Straight Arrow Connector 8">
+            <a:extLst>
+              <a:ext uri="{FF2B5EF4-FFF2-40B4-BE49-F238E27FC236}">
+                <a16:creationId xmlns:a16="http://schemas.microsoft.com/office/drawing/2014/main" id="{E7E9CE45-C5AF-45D2-9183-82F1923C396A}"/>
+              </a:ext>
+            </a:extLst>
+          </p:cNvPr>
+          <p:cNvCxnSpPr>
+            <a:cxnSpLocks/>
+          </p:cNvCxnSpPr>
+          <p:nvPr/>
+        </p:nvCxnSpPr>
+        <p:spPr>
+          <a:xfrm flipV="1">
+            <a:off x="425135" y="5951744"/>
+            <a:ext cx="10764425" cy="75537"/>
+          </a:xfrm>
+          <a:prstGeom prst="straightConnector1">
+            <a:avLst/>
+          </a:prstGeom>
+          <a:ln w="22225" cap="rnd">
+            <a:solidFill>
+              <a:schemeClr val="bg1"/>
+            </a:solidFill>
+            <a:tailEnd type="arrow"/>
+          </a:ln>
+        </p:spPr>
+        <p:style>
+          <a:lnRef idx="1">
+            <a:schemeClr val="accent1"/>
+          </a:lnRef>
+          <a:fillRef idx="0">
+            <a:schemeClr val="accent1"/>
+          </a:fillRef>
+          <a:effectRef idx="0">
+            <a:schemeClr val="accent1"/>
+          </a:effectRef>
+          <a:fontRef idx="minor">
+            <a:schemeClr val="tx1"/>
+          </a:fontRef>
+        </p:style>
+      </p:cxnSp>
+      <p:cxnSp>
+        <p:nvCxnSpPr>
+          <p:cNvPr id="10" name="Straight Arrow Connector 9">
+            <a:extLst>
+              <a:ext uri="{FF2B5EF4-FFF2-40B4-BE49-F238E27FC236}">
+                <a16:creationId xmlns:a16="http://schemas.microsoft.com/office/drawing/2014/main" id="{04250197-2E2B-43CC-9E4A-9AC48AA200BD}"/>
+              </a:ext>
+            </a:extLst>
+          </p:cNvPr>
+          <p:cNvCxnSpPr>
+            <a:cxnSpLocks/>
+            <a:endCxn id="12" idx="3"/>
+          </p:cNvCxnSpPr>
+          <p:nvPr/>
+        </p:nvCxnSpPr>
+        <p:spPr>
+          <a:xfrm flipH="1" flipV="1">
+            <a:off x="407378" y="1092703"/>
+            <a:ext cx="2" cy="4927096"/>
+          </a:xfrm>
+          <a:prstGeom prst="straightConnector1">
+            <a:avLst/>
+          </a:prstGeom>
+          <a:ln w="22225" cap="rnd">
+            <a:solidFill>
+              <a:schemeClr val="bg1"/>
+            </a:solidFill>
+            <a:tailEnd type="arrow"/>
+          </a:ln>
+        </p:spPr>
+        <p:style>
+          <a:lnRef idx="1">
+            <a:schemeClr val="accent1"/>
+          </a:lnRef>
+          <a:fillRef idx="0">
+            <a:schemeClr val="accent1"/>
+          </a:fillRef>
+          <a:effectRef idx="0">
+            <a:schemeClr val="accent1"/>
+          </a:effectRef>
+          <a:fontRef idx="minor">
+            <a:schemeClr val="tx1"/>
+          </a:fontRef>
+        </p:style>
+      </p:cxnSp>
+      <p:sp>
+        <p:nvSpPr>
+          <p:cNvPr id="12" name="TextBox 11">
+            <a:extLst>
+              <a:ext uri="{FF2B5EF4-FFF2-40B4-BE49-F238E27FC236}">
+                <a16:creationId xmlns:a16="http://schemas.microsoft.com/office/drawing/2014/main" id="{051C1551-9425-4587-AA7C-B34BE24349A7}"/>
+              </a:ext>
+            </a:extLst>
+          </p:cNvPr>
+          <p:cNvSpPr txBox="1"/>
+          <p:nvPr/>
+        </p:nvSpPr>
+        <p:spPr>
+          <a:xfrm rot="5400000">
+            <a:off x="-74004" y="426655"/>
+            <a:ext cx="962763" cy="369332"/>
+          </a:xfrm>
+          <a:prstGeom prst="rect">
+            <a:avLst/>
+          </a:prstGeom>
+          <a:noFill/>
+        </p:spPr>
+        <p:txBody>
+          <a:bodyPr wrap="none" rtlCol="0">
+            <a:spAutoFit/>
+          </a:bodyPr>
+          <a:lstStyle>
+            <a:defPPr>
+              <a:defRPr lang="en-US"/>
+            </a:defPPr>
+            <a:lvl1pPr>
+              <a:defRPr sz="2000" b="1">
+                <a:solidFill>
+                  <a:schemeClr val="tx1">
+                    <a:lumMod val="65000"/>
+                    <a:lumOff val="35000"/>
+                  </a:schemeClr>
+                </a:solidFill>
+                <a:latin typeface="Arial" pitchFamily="34" charset="0"/>
+                <a:cs typeface="Arial" pitchFamily="34" charset="0"/>
+              </a:defRPr>
+            </a:lvl1pPr>
+          </a:lstStyle>
+          <a:p>
+            <a:pPr algn="ctr"/>
+            <a:r>
+              <a:rPr lang="en-US" sz="1800" dirty="0">
+                <a:solidFill>
+                  <a:schemeClr val="bg1"/>
+                </a:solidFill>
+                <a:latin typeface="Times New Roman" panose="02020603050405020304" pitchFamily="18" charset="0"/>
+                <a:cs typeface="Times New Roman" panose="02020603050405020304" pitchFamily="18" charset="0"/>
+              </a:rPr>
+              <a:t>product</a:t>
+            </a:r>
+          </a:p>
+        </p:txBody>
+      </p:sp>
+      <p:sp>
+        <p:nvSpPr>
+          <p:cNvPr id="13" name="Oval 7">
+            <a:extLst>
+              <a:ext uri="{FF2B5EF4-FFF2-40B4-BE49-F238E27FC236}">
+                <a16:creationId xmlns:a16="http://schemas.microsoft.com/office/drawing/2014/main" id="{4AAE1A12-3D26-4F49-B83C-0CB87150B96D}"/>
+              </a:ext>
+            </a:extLst>
+          </p:cNvPr>
+          <p:cNvSpPr/>
+          <p:nvPr/>
+        </p:nvSpPr>
+        <p:spPr>
+          <a:xfrm>
+            <a:off x="2101539" y="1665475"/>
+            <a:ext cx="8669040" cy="4321511"/>
+          </a:xfrm>
+          <a:custGeom>
+            <a:avLst/>
+            <a:gdLst>
+              <a:gd name="connsiteX0" fmla="*/ 0 w 1676400"/>
+              <a:gd name="connsiteY0" fmla="*/ 865824 h 1731647"/>
+              <a:gd name="connsiteX1" fmla="*/ 838200 w 1676400"/>
+              <a:gd name="connsiteY1" fmla="*/ 0 h 1731647"/>
+              <a:gd name="connsiteX2" fmla="*/ 1676400 w 1676400"/>
+              <a:gd name="connsiteY2" fmla="*/ 865824 h 1731647"/>
+              <a:gd name="connsiteX3" fmla="*/ 838200 w 1676400"/>
+              <a:gd name="connsiteY3" fmla="*/ 1731648 h 1731647"/>
+              <a:gd name="connsiteX4" fmla="*/ 0 w 1676400"/>
+              <a:gd name="connsiteY4" fmla="*/ 865824 h 1731647"/>
+              <a:gd name="connsiteX0" fmla="*/ 838200 w 1676400"/>
+              <a:gd name="connsiteY0" fmla="*/ 1731648 h 1823088"/>
+              <a:gd name="connsiteX1" fmla="*/ 0 w 1676400"/>
+              <a:gd name="connsiteY1" fmla="*/ 865824 h 1823088"/>
+              <a:gd name="connsiteX2" fmla="*/ 838200 w 1676400"/>
+              <a:gd name="connsiteY2" fmla="*/ 0 h 1823088"/>
+              <a:gd name="connsiteX3" fmla="*/ 1676400 w 1676400"/>
+              <a:gd name="connsiteY3" fmla="*/ 865824 h 1823088"/>
+              <a:gd name="connsiteX4" fmla="*/ 929640 w 1676400"/>
+              <a:gd name="connsiteY4" fmla="*/ 1823088 h 1823088"/>
+              <a:gd name="connsiteX0" fmla="*/ 45180 w 5210054"/>
+              <a:gd name="connsiteY0" fmla="*/ 2556839 h 2556839"/>
+              <a:gd name="connsiteX1" fmla="*/ 3533654 w 5210054"/>
+              <a:gd name="connsiteY1" fmla="*/ 865824 h 2556839"/>
+              <a:gd name="connsiteX2" fmla="*/ 4371854 w 5210054"/>
+              <a:gd name="connsiteY2" fmla="*/ 0 h 2556839"/>
+              <a:gd name="connsiteX3" fmla="*/ 5210054 w 5210054"/>
+              <a:gd name="connsiteY3" fmla="*/ 865824 h 2556839"/>
+              <a:gd name="connsiteX4" fmla="*/ 4463294 w 5210054"/>
+              <a:gd name="connsiteY4" fmla="*/ 1823088 h 2556839"/>
+              <a:gd name="connsiteX0" fmla="*/ 0 w 5164874"/>
+              <a:gd name="connsiteY0" fmla="*/ 2556839 h 2556839"/>
+              <a:gd name="connsiteX1" fmla="*/ 3488474 w 5164874"/>
+              <a:gd name="connsiteY1" fmla="*/ 865824 h 2556839"/>
+              <a:gd name="connsiteX2" fmla="*/ 4326674 w 5164874"/>
+              <a:gd name="connsiteY2" fmla="*/ 0 h 2556839"/>
+              <a:gd name="connsiteX3" fmla="*/ 5164874 w 5164874"/>
+              <a:gd name="connsiteY3" fmla="*/ 865824 h 2556839"/>
+              <a:gd name="connsiteX4" fmla="*/ 4418114 w 5164874"/>
+              <a:gd name="connsiteY4" fmla="*/ 1823088 h 2556839"/>
+              <a:gd name="connsiteX0" fmla="*/ 0 w 5164874"/>
+              <a:gd name="connsiteY0" fmla="*/ 2556839 h 2556839"/>
+              <a:gd name="connsiteX1" fmla="*/ 3488474 w 5164874"/>
+              <a:gd name="connsiteY1" fmla="*/ 865824 h 2556839"/>
+              <a:gd name="connsiteX2" fmla="*/ 4326674 w 5164874"/>
+              <a:gd name="connsiteY2" fmla="*/ 0 h 2556839"/>
+              <a:gd name="connsiteX3" fmla="*/ 5164874 w 5164874"/>
+              <a:gd name="connsiteY3" fmla="*/ 865824 h 2556839"/>
+              <a:gd name="connsiteX4" fmla="*/ 4418114 w 5164874"/>
+              <a:gd name="connsiteY4" fmla="*/ 1823088 h 2556839"/>
+              <a:gd name="connsiteX0" fmla="*/ 0 w 5164874"/>
+              <a:gd name="connsiteY0" fmla="*/ 2556839 h 2556839"/>
+              <a:gd name="connsiteX1" fmla="*/ 2651754 w 5164874"/>
+              <a:gd name="connsiteY1" fmla="*/ 1180491 h 2556839"/>
+              <a:gd name="connsiteX2" fmla="*/ 3488474 w 5164874"/>
+              <a:gd name="connsiteY2" fmla="*/ 865824 h 2556839"/>
+              <a:gd name="connsiteX3" fmla="*/ 4326674 w 5164874"/>
+              <a:gd name="connsiteY3" fmla="*/ 0 h 2556839"/>
+              <a:gd name="connsiteX4" fmla="*/ 5164874 w 5164874"/>
+              <a:gd name="connsiteY4" fmla="*/ 865824 h 2556839"/>
+              <a:gd name="connsiteX5" fmla="*/ 4418114 w 5164874"/>
+              <a:gd name="connsiteY5" fmla="*/ 1823088 h 2556839"/>
+              <a:gd name="connsiteX0" fmla="*/ 0 w 5164874"/>
+              <a:gd name="connsiteY0" fmla="*/ 2556839 h 2556839"/>
+              <a:gd name="connsiteX1" fmla="*/ 2234503 w 5164874"/>
+              <a:gd name="connsiteY1" fmla="*/ 1482332 h 2556839"/>
+              <a:gd name="connsiteX2" fmla="*/ 3488474 w 5164874"/>
+              <a:gd name="connsiteY2" fmla="*/ 865824 h 2556839"/>
+              <a:gd name="connsiteX3" fmla="*/ 4326674 w 5164874"/>
+              <a:gd name="connsiteY3" fmla="*/ 0 h 2556839"/>
+              <a:gd name="connsiteX4" fmla="*/ 5164874 w 5164874"/>
+              <a:gd name="connsiteY4" fmla="*/ 865824 h 2556839"/>
+              <a:gd name="connsiteX5" fmla="*/ 4418114 w 5164874"/>
+              <a:gd name="connsiteY5" fmla="*/ 1823088 h 2556839"/>
+              <a:gd name="connsiteX0" fmla="*/ 0 w 5164874"/>
+              <a:gd name="connsiteY0" fmla="*/ 2556839 h 2556839"/>
+              <a:gd name="connsiteX1" fmla="*/ 2234503 w 5164874"/>
+              <a:gd name="connsiteY1" fmla="*/ 1482332 h 2556839"/>
+              <a:gd name="connsiteX2" fmla="*/ 3488474 w 5164874"/>
+              <a:gd name="connsiteY2" fmla="*/ 865824 h 2556839"/>
+              <a:gd name="connsiteX3" fmla="*/ 4326674 w 5164874"/>
+              <a:gd name="connsiteY3" fmla="*/ 0 h 2556839"/>
+              <a:gd name="connsiteX4" fmla="*/ 5164874 w 5164874"/>
+              <a:gd name="connsiteY4" fmla="*/ 865824 h 2556839"/>
+              <a:gd name="connsiteX5" fmla="*/ 4418114 w 5164874"/>
+              <a:gd name="connsiteY5" fmla="*/ 1823088 h 2556839"/>
+              <a:gd name="connsiteX0" fmla="*/ 0 w 5164874"/>
+              <a:gd name="connsiteY0" fmla="*/ 2556839 h 2556839"/>
+              <a:gd name="connsiteX1" fmla="*/ 2234503 w 5164874"/>
+              <a:gd name="connsiteY1" fmla="*/ 1482332 h 2556839"/>
+              <a:gd name="connsiteX2" fmla="*/ 3488474 w 5164874"/>
+              <a:gd name="connsiteY2" fmla="*/ 865824 h 2556839"/>
+              <a:gd name="connsiteX3" fmla="*/ 4326674 w 5164874"/>
+              <a:gd name="connsiteY3" fmla="*/ 0 h 2556839"/>
+              <a:gd name="connsiteX4" fmla="*/ 5164874 w 5164874"/>
+              <a:gd name="connsiteY4" fmla="*/ 865824 h 2556839"/>
+              <a:gd name="connsiteX5" fmla="*/ 4418114 w 5164874"/>
+              <a:gd name="connsiteY5" fmla="*/ 1823088 h 2556839"/>
+              <a:gd name="connsiteX0" fmla="*/ 0 w 5164874"/>
+              <a:gd name="connsiteY0" fmla="*/ 2556839 h 2556839"/>
+              <a:gd name="connsiteX1" fmla="*/ 2234503 w 5164874"/>
+              <a:gd name="connsiteY1" fmla="*/ 1482332 h 2556839"/>
+              <a:gd name="connsiteX2" fmla="*/ 4326674 w 5164874"/>
+              <a:gd name="connsiteY2" fmla="*/ 0 h 2556839"/>
+              <a:gd name="connsiteX3" fmla="*/ 5164874 w 5164874"/>
+              <a:gd name="connsiteY3" fmla="*/ 865824 h 2556839"/>
+              <a:gd name="connsiteX4" fmla="*/ 4418114 w 5164874"/>
+              <a:gd name="connsiteY4" fmla="*/ 1823088 h 2556839"/>
+              <a:gd name="connsiteX0" fmla="*/ 0 w 5164874"/>
+              <a:gd name="connsiteY0" fmla="*/ 2876435 h 2876435"/>
+              <a:gd name="connsiteX1" fmla="*/ 2234503 w 5164874"/>
+              <a:gd name="connsiteY1" fmla="*/ 1801928 h 2876435"/>
+              <a:gd name="connsiteX2" fmla="*/ 4317797 w 5164874"/>
+              <a:gd name="connsiteY2" fmla="*/ 0 h 2876435"/>
+              <a:gd name="connsiteX3" fmla="*/ 5164874 w 5164874"/>
+              <a:gd name="connsiteY3" fmla="*/ 1185420 h 2876435"/>
+              <a:gd name="connsiteX4" fmla="*/ 4418114 w 5164874"/>
+              <a:gd name="connsiteY4" fmla="*/ 2142684 h 2876435"/>
+              <a:gd name="connsiteX0" fmla="*/ 0 w 5164874"/>
+              <a:gd name="connsiteY0" fmla="*/ 2883790 h 2883790"/>
+              <a:gd name="connsiteX1" fmla="*/ 2110216 w 5164874"/>
+              <a:gd name="connsiteY1" fmla="*/ 1747140 h 2883790"/>
+              <a:gd name="connsiteX2" fmla="*/ 4317797 w 5164874"/>
+              <a:gd name="connsiteY2" fmla="*/ 7355 h 2883790"/>
+              <a:gd name="connsiteX3" fmla="*/ 5164874 w 5164874"/>
+              <a:gd name="connsiteY3" fmla="*/ 1192775 h 2883790"/>
+              <a:gd name="connsiteX4" fmla="*/ 4418114 w 5164874"/>
+              <a:gd name="connsiteY4" fmla="*/ 2150039 h 2883790"/>
+              <a:gd name="connsiteX0" fmla="*/ 0 w 5164874"/>
+              <a:gd name="connsiteY0" fmla="*/ 2857388 h 2857388"/>
+              <a:gd name="connsiteX1" fmla="*/ 2110216 w 5164874"/>
+              <a:gd name="connsiteY1" fmla="*/ 1720738 h 2857388"/>
+              <a:gd name="connsiteX2" fmla="*/ 4442085 w 5164874"/>
+              <a:gd name="connsiteY2" fmla="*/ 7586 h 2857388"/>
+              <a:gd name="connsiteX3" fmla="*/ 5164874 w 5164874"/>
+              <a:gd name="connsiteY3" fmla="*/ 1166373 h 2857388"/>
+              <a:gd name="connsiteX4" fmla="*/ 4418114 w 5164874"/>
+              <a:gd name="connsiteY4" fmla="*/ 2123637 h 2857388"/>
+              <a:gd name="connsiteX0" fmla="*/ 0 w 5963864"/>
+              <a:gd name="connsiteY0" fmla="*/ 2866842 h 2866842"/>
+              <a:gd name="connsiteX1" fmla="*/ 2110216 w 5963864"/>
+              <a:gd name="connsiteY1" fmla="*/ 1730192 h 2866842"/>
+              <a:gd name="connsiteX2" fmla="*/ 4442085 w 5963864"/>
+              <a:gd name="connsiteY2" fmla="*/ 17040 h 2866842"/>
+              <a:gd name="connsiteX3" fmla="*/ 5963864 w 5963864"/>
+              <a:gd name="connsiteY3" fmla="*/ 971640 h 2866842"/>
+              <a:gd name="connsiteX4" fmla="*/ 4418114 w 5963864"/>
+              <a:gd name="connsiteY4" fmla="*/ 2133091 h 2866842"/>
+              <a:gd name="connsiteX0" fmla="*/ 0 w 7021215"/>
+              <a:gd name="connsiteY0" fmla="*/ 2866842 h 2866842"/>
+              <a:gd name="connsiteX1" fmla="*/ 2110216 w 7021215"/>
+              <a:gd name="connsiteY1" fmla="*/ 1730192 h 2866842"/>
+              <a:gd name="connsiteX2" fmla="*/ 4442085 w 7021215"/>
+              <a:gd name="connsiteY2" fmla="*/ 17040 h 2866842"/>
+              <a:gd name="connsiteX3" fmla="*/ 5963864 w 7021215"/>
+              <a:gd name="connsiteY3" fmla="*/ 971640 h 2866842"/>
+              <a:gd name="connsiteX4" fmla="*/ 6957128 w 7021215"/>
+              <a:gd name="connsiteY4" fmla="*/ 1458388 h 2866842"/>
+              <a:gd name="connsiteX0" fmla="*/ 0 w 7021215"/>
+              <a:gd name="connsiteY0" fmla="*/ 2866842 h 2866842"/>
+              <a:gd name="connsiteX1" fmla="*/ 2110216 w 7021215"/>
+              <a:gd name="connsiteY1" fmla="*/ 1730192 h 2866842"/>
+              <a:gd name="connsiteX2" fmla="*/ 4442085 w 7021215"/>
+              <a:gd name="connsiteY2" fmla="*/ 17040 h 2866842"/>
+              <a:gd name="connsiteX3" fmla="*/ 5963864 w 7021215"/>
+              <a:gd name="connsiteY3" fmla="*/ 971640 h 2866842"/>
+              <a:gd name="connsiteX4" fmla="*/ 6957128 w 7021215"/>
+              <a:gd name="connsiteY4" fmla="*/ 1458388 h 2866842"/>
+              <a:gd name="connsiteX0" fmla="*/ 0 w 6957128"/>
+              <a:gd name="connsiteY0" fmla="*/ 2866842 h 2866842"/>
+              <a:gd name="connsiteX1" fmla="*/ 2110216 w 6957128"/>
+              <a:gd name="connsiteY1" fmla="*/ 1730192 h 2866842"/>
+              <a:gd name="connsiteX2" fmla="*/ 4442085 w 6957128"/>
+              <a:gd name="connsiteY2" fmla="*/ 17040 h 2866842"/>
+              <a:gd name="connsiteX3" fmla="*/ 5963864 w 6957128"/>
+              <a:gd name="connsiteY3" fmla="*/ 971640 h 2866842"/>
+              <a:gd name="connsiteX4" fmla="*/ 6957128 w 6957128"/>
+              <a:gd name="connsiteY4" fmla="*/ 1458388 h 2866842"/>
+              <a:gd name="connsiteX0" fmla="*/ 0 w 6957128"/>
+              <a:gd name="connsiteY0" fmla="*/ 2879635 h 2879635"/>
+              <a:gd name="connsiteX1" fmla="*/ 2110216 w 6957128"/>
+              <a:gd name="connsiteY1" fmla="*/ 1742985 h 2879635"/>
+              <a:gd name="connsiteX2" fmla="*/ 4442085 w 6957128"/>
+              <a:gd name="connsiteY2" fmla="*/ 29833 h 2879635"/>
+              <a:gd name="connsiteX3" fmla="*/ 5448220 w 6957128"/>
+              <a:gd name="connsiteY3" fmla="*/ 677663 h 2879635"/>
+              <a:gd name="connsiteX4" fmla="*/ 5963864 w 6957128"/>
+              <a:gd name="connsiteY4" fmla="*/ 984433 h 2879635"/>
+              <a:gd name="connsiteX5" fmla="*/ 6957128 w 6957128"/>
+              <a:gd name="connsiteY5" fmla="*/ 1471181 h 2879635"/>
+              <a:gd name="connsiteX0" fmla="*/ 0 w 6957128"/>
+              <a:gd name="connsiteY0" fmla="*/ 2888186 h 2888186"/>
+              <a:gd name="connsiteX1" fmla="*/ 2110216 w 6957128"/>
+              <a:gd name="connsiteY1" fmla="*/ 1751536 h 2888186"/>
+              <a:gd name="connsiteX2" fmla="*/ 4388819 w 6957128"/>
+              <a:gd name="connsiteY2" fmla="*/ 29506 h 2888186"/>
+              <a:gd name="connsiteX3" fmla="*/ 5448220 w 6957128"/>
+              <a:gd name="connsiteY3" fmla="*/ 686214 h 2888186"/>
+              <a:gd name="connsiteX4" fmla="*/ 5963864 w 6957128"/>
+              <a:gd name="connsiteY4" fmla="*/ 992984 h 2888186"/>
+              <a:gd name="connsiteX5" fmla="*/ 6957128 w 6957128"/>
+              <a:gd name="connsiteY5" fmla="*/ 1479732 h 2888186"/>
+              <a:gd name="connsiteX0" fmla="*/ 0 w 6957128"/>
+              <a:gd name="connsiteY0" fmla="*/ 2858866 h 2858866"/>
+              <a:gd name="connsiteX1" fmla="*/ 2110216 w 6957128"/>
+              <a:gd name="connsiteY1" fmla="*/ 1722216 h 2858866"/>
+              <a:gd name="connsiteX2" fmla="*/ 4388819 w 6957128"/>
+              <a:gd name="connsiteY2" fmla="*/ 186 h 2858866"/>
+              <a:gd name="connsiteX3" fmla="*/ 5448220 w 6957128"/>
+              <a:gd name="connsiteY3" fmla="*/ 656894 h 2858866"/>
+              <a:gd name="connsiteX4" fmla="*/ 5963864 w 6957128"/>
+              <a:gd name="connsiteY4" fmla="*/ 963664 h 2858866"/>
+              <a:gd name="connsiteX5" fmla="*/ 6957128 w 6957128"/>
+              <a:gd name="connsiteY5" fmla="*/ 1450412 h 2858866"/>
+              <a:gd name="connsiteX0" fmla="*/ 0 w 6957128"/>
+              <a:gd name="connsiteY0" fmla="*/ 2871449 h 2871449"/>
+              <a:gd name="connsiteX1" fmla="*/ 2110216 w 6957128"/>
+              <a:gd name="connsiteY1" fmla="*/ 1734799 h 2871449"/>
+              <a:gd name="connsiteX2" fmla="*/ 4388819 w 6957128"/>
+              <a:gd name="connsiteY2" fmla="*/ 12769 h 2871449"/>
+              <a:gd name="connsiteX3" fmla="*/ 5963864 w 6957128"/>
+              <a:gd name="connsiteY3" fmla="*/ 976247 h 2871449"/>
+              <a:gd name="connsiteX4" fmla="*/ 6957128 w 6957128"/>
+              <a:gd name="connsiteY4" fmla="*/ 1462995 h 2871449"/>
+              <a:gd name="connsiteX0" fmla="*/ 0 w 6957128"/>
+              <a:gd name="connsiteY0" fmla="*/ 2870745 h 2870745"/>
+              <a:gd name="connsiteX1" fmla="*/ 2110216 w 6957128"/>
+              <a:gd name="connsiteY1" fmla="*/ 1734095 h 2870745"/>
+              <a:gd name="connsiteX2" fmla="*/ 4388819 w 6957128"/>
+              <a:gd name="connsiteY2" fmla="*/ 12065 h 2870745"/>
+              <a:gd name="connsiteX3" fmla="*/ 5963864 w 6957128"/>
+              <a:gd name="connsiteY3" fmla="*/ 975543 h 2870745"/>
+              <a:gd name="connsiteX4" fmla="*/ 6957128 w 6957128"/>
+              <a:gd name="connsiteY4" fmla="*/ 1462291 h 2870745"/>
+              <a:gd name="connsiteX0" fmla="*/ 0 w 6957128"/>
+              <a:gd name="connsiteY0" fmla="*/ 2870745 h 2870745"/>
+              <a:gd name="connsiteX1" fmla="*/ 2110216 w 6957128"/>
+              <a:gd name="connsiteY1" fmla="*/ 1734095 h 2870745"/>
+              <a:gd name="connsiteX2" fmla="*/ 4388819 w 6957128"/>
+              <a:gd name="connsiteY2" fmla="*/ 12065 h 2870745"/>
+              <a:gd name="connsiteX3" fmla="*/ 5963864 w 6957128"/>
+              <a:gd name="connsiteY3" fmla="*/ 975543 h 2870745"/>
+              <a:gd name="connsiteX4" fmla="*/ 6957128 w 6957128"/>
+              <a:gd name="connsiteY4" fmla="*/ 1462291 h 2870745"/>
+              <a:gd name="connsiteX0" fmla="*/ 0 w 6957128"/>
+              <a:gd name="connsiteY0" fmla="*/ 2870745 h 2870745"/>
+              <a:gd name="connsiteX1" fmla="*/ 2110216 w 6957128"/>
+              <a:gd name="connsiteY1" fmla="*/ 1734095 h 2870745"/>
+              <a:gd name="connsiteX2" fmla="*/ 4388819 w 6957128"/>
+              <a:gd name="connsiteY2" fmla="*/ 12065 h 2870745"/>
+              <a:gd name="connsiteX3" fmla="*/ 5963864 w 6957128"/>
+              <a:gd name="connsiteY3" fmla="*/ 975543 h 2870745"/>
+              <a:gd name="connsiteX4" fmla="*/ 6957128 w 6957128"/>
+              <a:gd name="connsiteY4" fmla="*/ 1462291 h 2870745"/>
+              <a:gd name="connsiteX0" fmla="*/ 0 w 6957128"/>
+              <a:gd name="connsiteY0" fmla="*/ 2872556 h 2872556"/>
+              <a:gd name="connsiteX1" fmla="*/ 2278891 w 6957128"/>
+              <a:gd name="connsiteY1" fmla="*/ 1798050 h 2872556"/>
+              <a:gd name="connsiteX2" fmla="*/ 4388819 w 6957128"/>
+              <a:gd name="connsiteY2" fmla="*/ 13876 h 2872556"/>
+              <a:gd name="connsiteX3" fmla="*/ 5963864 w 6957128"/>
+              <a:gd name="connsiteY3" fmla="*/ 977354 h 2872556"/>
+              <a:gd name="connsiteX4" fmla="*/ 6957128 w 6957128"/>
+              <a:gd name="connsiteY4" fmla="*/ 1464102 h 2872556"/>
+              <a:gd name="connsiteX0" fmla="*/ 0 w 6957128"/>
+              <a:gd name="connsiteY0" fmla="*/ 2872556 h 2872556"/>
+              <a:gd name="connsiteX1" fmla="*/ 2278891 w 6957128"/>
+              <a:gd name="connsiteY1" fmla="*/ 1798050 h 2872556"/>
+              <a:gd name="connsiteX2" fmla="*/ 4388819 w 6957128"/>
+              <a:gd name="connsiteY2" fmla="*/ 13876 h 2872556"/>
+              <a:gd name="connsiteX3" fmla="*/ 5963864 w 6957128"/>
+              <a:gd name="connsiteY3" fmla="*/ 977354 h 2872556"/>
+              <a:gd name="connsiteX4" fmla="*/ 6957128 w 6957128"/>
+              <a:gd name="connsiteY4" fmla="*/ 1464102 h 2872556"/>
+              <a:gd name="connsiteX0" fmla="*/ 0 w 6957128"/>
+              <a:gd name="connsiteY0" fmla="*/ 2872556 h 2872556"/>
+              <a:gd name="connsiteX1" fmla="*/ 2278891 w 6957128"/>
+              <a:gd name="connsiteY1" fmla="*/ 1798050 h 2872556"/>
+              <a:gd name="connsiteX2" fmla="*/ 4388819 w 6957128"/>
+              <a:gd name="connsiteY2" fmla="*/ 13876 h 2872556"/>
+              <a:gd name="connsiteX3" fmla="*/ 5963864 w 6957128"/>
+              <a:gd name="connsiteY3" fmla="*/ 977354 h 2872556"/>
+              <a:gd name="connsiteX4" fmla="*/ 6957128 w 6957128"/>
+              <a:gd name="connsiteY4" fmla="*/ 1464102 h 2872556"/>
+              <a:gd name="connsiteX0" fmla="*/ 0 w 6957128"/>
+              <a:gd name="connsiteY0" fmla="*/ 2858680 h 2858680"/>
+              <a:gd name="connsiteX1" fmla="*/ 2278891 w 6957128"/>
+              <a:gd name="connsiteY1" fmla="*/ 1784174 h 2858680"/>
+              <a:gd name="connsiteX2" fmla="*/ 4388819 w 6957128"/>
+              <a:gd name="connsiteY2" fmla="*/ 0 h 2858680"/>
+              <a:gd name="connsiteX3" fmla="*/ 5963864 w 6957128"/>
+              <a:gd name="connsiteY3" fmla="*/ 963478 h 2858680"/>
+              <a:gd name="connsiteX4" fmla="*/ 6957128 w 6957128"/>
+              <a:gd name="connsiteY4" fmla="*/ 1450226 h 2858680"/>
+              <a:gd name="connsiteX0" fmla="*/ 0 w 6957128"/>
+              <a:gd name="connsiteY0" fmla="*/ 2858680 h 2858680"/>
+              <a:gd name="connsiteX1" fmla="*/ 2278891 w 6957128"/>
+              <a:gd name="connsiteY1" fmla="*/ 1784174 h 2858680"/>
+              <a:gd name="connsiteX2" fmla="*/ 4388819 w 6957128"/>
+              <a:gd name="connsiteY2" fmla="*/ 0 h 2858680"/>
+              <a:gd name="connsiteX3" fmla="*/ 5963864 w 6957128"/>
+              <a:gd name="connsiteY3" fmla="*/ 963478 h 2858680"/>
+              <a:gd name="connsiteX4" fmla="*/ 6957128 w 6957128"/>
+              <a:gd name="connsiteY4" fmla="*/ 1450226 h 2858680"/>
+              <a:gd name="connsiteX0" fmla="*/ 0 w 6957128"/>
+              <a:gd name="connsiteY0" fmla="*/ 2858680 h 2858680"/>
+              <a:gd name="connsiteX1" fmla="*/ 2278891 w 6957128"/>
+              <a:gd name="connsiteY1" fmla="*/ 1784174 h 2858680"/>
+              <a:gd name="connsiteX2" fmla="*/ 4388819 w 6957128"/>
+              <a:gd name="connsiteY2" fmla="*/ 0 h 2858680"/>
+              <a:gd name="connsiteX3" fmla="*/ 5963864 w 6957128"/>
+              <a:gd name="connsiteY3" fmla="*/ 963478 h 2858680"/>
+              <a:gd name="connsiteX4" fmla="*/ 6957128 w 6957128"/>
+              <a:gd name="connsiteY4" fmla="*/ 1450226 h 2858680"/>
+              <a:gd name="connsiteX0" fmla="*/ 0 w 6957128"/>
+              <a:gd name="connsiteY0" fmla="*/ 2858680 h 2858680"/>
+              <a:gd name="connsiteX1" fmla="*/ 2278891 w 6957128"/>
+              <a:gd name="connsiteY1" fmla="*/ 1784174 h 2858680"/>
+              <a:gd name="connsiteX2" fmla="*/ 4388819 w 6957128"/>
+              <a:gd name="connsiteY2" fmla="*/ 0 h 2858680"/>
+              <a:gd name="connsiteX3" fmla="*/ 5963864 w 6957128"/>
+              <a:gd name="connsiteY3" fmla="*/ 963478 h 2858680"/>
+              <a:gd name="connsiteX4" fmla="*/ 6957128 w 6957128"/>
+              <a:gd name="connsiteY4" fmla="*/ 1450226 h 2858680"/>
+              <a:gd name="connsiteX0" fmla="*/ 0 w 6957128"/>
+              <a:gd name="connsiteY0" fmla="*/ 2858694 h 2858694"/>
+              <a:gd name="connsiteX1" fmla="*/ 2278891 w 6957128"/>
+              <a:gd name="connsiteY1" fmla="*/ 1784188 h 2858694"/>
+              <a:gd name="connsiteX2" fmla="*/ 4388819 w 6957128"/>
+              <a:gd name="connsiteY2" fmla="*/ 14 h 2858694"/>
+              <a:gd name="connsiteX3" fmla="*/ 5963864 w 6957128"/>
+              <a:gd name="connsiteY3" fmla="*/ 963492 h 2858694"/>
+              <a:gd name="connsiteX4" fmla="*/ 6957128 w 6957128"/>
+              <a:gd name="connsiteY4" fmla="*/ 1450240 h 2858694"/>
+              <a:gd name="connsiteX0" fmla="*/ 0 w 6957128"/>
+              <a:gd name="connsiteY0" fmla="*/ 2858696 h 2858696"/>
+              <a:gd name="connsiteX1" fmla="*/ 2278891 w 6957128"/>
+              <a:gd name="connsiteY1" fmla="*/ 1784190 h 2858696"/>
+              <a:gd name="connsiteX2" fmla="*/ 4388819 w 6957128"/>
+              <a:gd name="connsiteY2" fmla="*/ 16 h 2858696"/>
+              <a:gd name="connsiteX3" fmla="*/ 5963864 w 6957128"/>
+              <a:gd name="connsiteY3" fmla="*/ 963494 h 2858696"/>
+              <a:gd name="connsiteX4" fmla="*/ 6957128 w 6957128"/>
+              <a:gd name="connsiteY4" fmla="*/ 1450242 h 2858696"/>
+              <a:gd name="connsiteX0" fmla="*/ 0 w 6957128"/>
+              <a:gd name="connsiteY0" fmla="*/ 2860548 h 2860548"/>
+              <a:gd name="connsiteX1" fmla="*/ 2278891 w 6957128"/>
+              <a:gd name="connsiteY1" fmla="*/ 1786042 h 2860548"/>
+              <a:gd name="connsiteX2" fmla="*/ 4388819 w 6957128"/>
+              <a:gd name="connsiteY2" fmla="*/ 1868 h 2860548"/>
+              <a:gd name="connsiteX3" fmla="*/ 6957128 w 6957128"/>
+              <a:gd name="connsiteY3" fmla="*/ 1452094 h 2860548"/>
+              <a:gd name="connsiteX0" fmla="*/ 0 w 6957128"/>
+              <a:gd name="connsiteY0" fmla="*/ 2860619 h 2860619"/>
+              <a:gd name="connsiteX1" fmla="*/ 2278891 w 6957128"/>
+              <a:gd name="connsiteY1" fmla="*/ 1786113 h 2860619"/>
+              <a:gd name="connsiteX2" fmla="*/ 4388819 w 6957128"/>
+              <a:gd name="connsiteY2" fmla="*/ 1939 h 2860619"/>
+              <a:gd name="connsiteX3" fmla="*/ 6957128 w 6957128"/>
+              <a:gd name="connsiteY3" fmla="*/ 1452165 h 2860619"/>
+              <a:gd name="connsiteX0" fmla="*/ 0 w 6957128"/>
+              <a:gd name="connsiteY0" fmla="*/ 2860634 h 2860634"/>
+              <a:gd name="connsiteX1" fmla="*/ 2278891 w 6957128"/>
+              <a:gd name="connsiteY1" fmla="*/ 1786128 h 2860634"/>
+              <a:gd name="connsiteX2" fmla="*/ 4388819 w 6957128"/>
+              <a:gd name="connsiteY2" fmla="*/ 1954 h 2860634"/>
+              <a:gd name="connsiteX3" fmla="*/ 6957128 w 6957128"/>
+              <a:gd name="connsiteY3" fmla="*/ 1452180 h 2860634"/>
+              <a:gd name="connsiteX0" fmla="*/ 0 w 6957128"/>
+              <a:gd name="connsiteY0" fmla="*/ 2858747 h 2858747"/>
+              <a:gd name="connsiteX1" fmla="*/ 2278891 w 6957128"/>
+              <a:gd name="connsiteY1" fmla="*/ 1784241 h 2858747"/>
+              <a:gd name="connsiteX2" fmla="*/ 4388819 w 6957128"/>
+              <a:gd name="connsiteY2" fmla="*/ 67 h 2858747"/>
+              <a:gd name="connsiteX3" fmla="*/ 6957128 w 6957128"/>
+              <a:gd name="connsiteY3" fmla="*/ 1450293 h 2858747"/>
+              <a:gd name="connsiteX0" fmla="*/ 0 w 6957128"/>
+              <a:gd name="connsiteY0" fmla="*/ 2858723 h 2858723"/>
+              <a:gd name="connsiteX1" fmla="*/ 2278891 w 6957128"/>
+              <a:gd name="connsiteY1" fmla="*/ 1784217 h 2858723"/>
+              <a:gd name="connsiteX2" fmla="*/ 4388819 w 6957128"/>
+              <a:gd name="connsiteY2" fmla="*/ 43 h 2858723"/>
+              <a:gd name="connsiteX3" fmla="*/ 6957128 w 6957128"/>
+              <a:gd name="connsiteY3" fmla="*/ 1450269 h 2858723"/>
+              <a:gd name="connsiteX0" fmla="*/ 0 w 6957128"/>
+              <a:gd name="connsiteY0" fmla="*/ 2858721 h 2858721"/>
+              <a:gd name="connsiteX1" fmla="*/ 2278891 w 6957128"/>
+              <a:gd name="connsiteY1" fmla="*/ 1784215 h 2858721"/>
+              <a:gd name="connsiteX2" fmla="*/ 4388819 w 6957128"/>
+              <a:gd name="connsiteY2" fmla="*/ 41 h 2858721"/>
+              <a:gd name="connsiteX3" fmla="*/ 6957128 w 6957128"/>
+              <a:gd name="connsiteY3" fmla="*/ 1450267 h 2858721"/>
+              <a:gd name="connsiteX0" fmla="*/ 0 w 6957128"/>
+              <a:gd name="connsiteY0" fmla="*/ 2858727 h 2858727"/>
+              <a:gd name="connsiteX1" fmla="*/ 2278891 w 6957128"/>
+              <a:gd name="connsiteY1" fmla="*/ 1784221 h 2858727"/>
+              <a:gd name="connsiteX2" fmla="*/ 4388819 w 6957128"/>
+              <a:gd name="connsiteY2" fmla="*/ 47 h 2858727"/>
+              <a:gd name="connsiteX3" fmla="*/ 6957128 w 6957128"/>
+              <a:gd name="connsiteY3" fmla="*/ 1450273 h 2858727"/>
+              <a:gd name="connsiteX0" fmla="*/ 0 w 6957128"/>
+              <a:gd name="connsiteY0" fmla="*/ 2858727 h 2858727"/>
+              <a:gd name="connsiteX1" fmla="*/ 2278891 w 6957128"/>
+              <a:gd name="connsiteY1" fmla="*/ 1784221 h 2858727"/>
+              <a:gd name="connsiteX2" fmla="*/ 4388819 w 6957128"/>
+              <a:gd name="connsiteY2" fmla="*/ 47 h 2858727"/>
+              <a:gd name="connsiteX3" fmla="*/ 6957128 w 6957128"/>
+              <a:gd name="connsiteY3" fmla="*/ 1450273 h 2858727"/>
+              <a:gd name="connsiteX0" fmla="*/ 0 w 6957128"/>
+              <a:gd name="connsiteY0" fmla="*/ 2858727 h 2858727"/>
+              <a:gd name="connsiteX1" fmla="*/ 2278891 w 6957128"/>
+              <a:gd name="connsiteY1" fmla="*/ 1784221 h 2858727"/>
+              <a:gd name="connsiteX2" fmla="*/ 4388819 w 6957128"/>
+              <a:gd name="connsiteY2" fmla="*/ 47 h 2858727"/>
+              <a:gd name="connsiteX3" fmla="*/ 6957128 w 6957128"/>
+              <a:gd name="connsiteY3" fmla="*/ 1450273 h 2858727"/>
+              <a:gd name="connsiteX4" fmla="*/ 0 w 6957128"/>
+              <a:gd name="connsiteY4" fmla="*/ 2858727 h 2858727"/>
+              <a:gd name="connsiteX0" fmla="*/ 0 w 6957328"/>
+              <a:gd name="connsiteY0" fmla="*/ 2858727 h 2858727"/>
+              <a:gd name="connsiteX1" fmla="*/ 2278891 w 6957328"/>
+              <a:gd name="connsiteY1" fmla="*/ 1784221 h 2858727"/>
+              <a:gd name="connsiteX2" fmla="*/ 4388819 w 6957328"/>
+              <a:gd name="connsiteY2" fmla="*/ 47 h 2858727"/>
+              <a:gd name="connsiteX3" fmla="*/ 6957128 w 6957328"/>
+              <a:gd name="connsiteY3" fmla="*/ 1450273 h 2858727"/>
+              <a:gd name="connsiteX4" fmla="*/ 4261321 w 6957328"/>
+              <a:gd name="connsiteY4" fmla="*/ 1998140 h 2858727"/>
+              <a:gd name="connsiteX5" fmla="*/ 0 w 6957328"/>
+              <a:gd name="connsiteY5" fmla="*/ 2858727 h 2858727"/>
+              <a:gd name="connsiteX0" fmla="*/ 0 w 6957328"/>
+              <a:gd name="connsiteY0" fmla="*/ 2858727 h 2858727"/>
+              <a:gd name="connsiteX1" fmla="*/ 2278891 w 6957328"/>
+              <a:gd name="connsiteY1" fmla="*/ 1784221 h 2858727"/>
+              <a:gd name="connsiteX2" fmla="*/ 4388819 w 6957328"/>
+              <a:gd name="connsiteY2" fmla="*/ 47 h 2858727"/>
+              <a:gd name="connsiteX3" fmla="*/ 6957128 w 6957328"/>
+              <a:gd name="connsiteY3" fmla="*/ 1450273 h 2858727"/>
+              <a:gd name="connsiteX4" fmla="*/ 4261321 w 6957328"/>
+              <a:gd name="connsiteY4" fmla="*/ 1998140 h 2858727"/>
+              <a:gd name="connsiteX5" fmla="*/ 2420348 w 6957328"/>
+              <a:gd name="connsiteY5" fmla="*/ 2373354 h 2858727"/>
+              <a:gd name="connsiteX6" fmla="*/ 0 w 6957328"/>
+              <a:gd name="connsiteY6" fmla="*/ 2858727 h 2858727"/>
+              <a:gd name="connsiteX0" fmla="*/ 0 w 6957128"/>
+              <a:gd name="connsiteY0" fmla="*/ 2858727 h 2858727"/>
+              <a:gd name="connsiteX1" fmla="*/ 2278891 w 6957128"/>
+              <a:gd name="connsiteY1" fmla="*/ 1784221 h 2858727"/>
+              <a:gd name="connsiteX2" fmla="*/ 4388819 w 6957128"/>
+              <a:gd name="connsiteY2" fmla="*/ 47 h 2858727"/>
+              <a:gd name="connsiteX3" fmla="*/ 6957128 w 6957128"/>
+              <a:gd name="connsiteY3" fmla="*/ 1450273 h 2858727"/>
+              <a:gd name="connsiteX4" fmla="*/ 4860953 w 6957128"/>
+              <a:gd name="connsiteY4" fmla="*/ 1851715 h 2858727"/>
+              <a:gd name="connsiteX5" fmla="*/ 4261321 w 6957128"/>
+              <a:gd name="connsiteY5" fmla="*/ 1998140 h 2858727"/>
+              <a:gd name="connsiteX6" fmla="*/ 2420348 w 6957128"/>
+              <a:gd name="connsiteY6" fmla="*/ 2373354 h 2858727"/>
+              <a:gd name="connsiteX7" fmla="*/ 0 w 6957128"/>
+              <a:gd name="connsiteY7" fmla="*/ 2858727 h 2858727"/>
+              <a:gd name="connsiteX0" fmla="*/ 0 w 6957128"/>
+              <a:gd name="connsiteY0" fmla="*/ 2858727 h 2858727"/>
+              <a:gd name="connsiteX1" fmla="*/ 2278891 w 6957128"/>
+              <a:gd name="connsiteY1" fmla="*/ 1784221 h 2858727"/>
+              <a:gd name="connsiteX2" fmla="*/ 4388819 w 6957128"/>
+              <a:gd name="connsiteY2" fmla="*/ 47 h 2858727"/>
+              <a:gd name="connsiteX3" fmla="*/ 6957128 w 6957128"/>
+              <a:gd name="connsiteY3" fmla="*/ 1450273 h 2858727"/>
+              <a:gd name="connsiteX4" fmla="*/ 4261321 w 6957128"/>
+              <a:gd name="connsiteY4" fmla="*/ 1998140 h 2858727"/>
+              <a:gd name="connsiteX5" fmla="*/ 2420348 w 6957128"/>
+              <a:gd name="connsiteY5" fmla="*/ 2373354 h 2858727"/>
+              <a:gd name="connsiteX6" fmla="*/ 0 w 6957128"/>
+              <a:gd name="connsiteY6" fmla="*/ 2858727 h 2858727"/>
+              <a:gd name="connsiteX0" fmla="*/ 0 w 6957128"/>
+              <a:gd name="connsiteY0" fmla="*/ 2858727 h 2858727"/>
+              <a:gd name="connsiteX1" fmla="*/ 2278891 w 6957128"/>
+              <a:gd name="connsiteY1" fmla="*/ 1784221 h 2858727"/>
+              <a:gd name="connsiteX2" fmla="*/ 4388819 w 6957128"/>
+              <a:gd name="connsiteY2" fmla="*/ 47 h 2858727"/>
+              <a:gd name="connsiteX3" fmla="*/ 6957128 w 6957128"/>
+              <a:gd name="connsiteY3" fmla="*/ 1450273 h 2858727"/>
+              <a:gd name="connsiteX4" fmla="*/ 4261321 w 6957128"/>
+              <a:gd name="connsiteY4" fmla="*/ 1998140 h 2858727"/>
+              <a:gd name="connsiteX5" fmla="*/ 0 w 6957128"/>
+              <a:gd name="connsiteY5" fmla="*/ 2858727 h 2858727"/>
+              <a:gd name="connsiteX0" fmla="*/ 0 w 7038562"/>
+              <a:gd name="connsiteY0" fmla="*/ 2858727 h 3288510"/>
+              <a:gd name="connsiteX1" fmla="*/ 2278891 w 7038562"/>
+              <a:gd name="connsiteY1" fmla="*/ 1784221 h 3288510"/>
+              <a:gd name="connsiteX2" fmla="*/ 4388819 w 7038562"/>
+              <a:gd name="connsiteY2" fmla="*/ 47 h 3288510"/>
+              <a:gd name="connsiteX3" fmla="*/ 6957128 w 7038562"/>
+              <a:gd name="connsiteY3" fmla="*/ 1450273 h 3288510"/>
+              <a:gd name="connsiteX4" fmla="*/ 7038562 w 7038562"/>
+              <a:gd name="connsiteY4" fmla="*/ 3288510 h 3288510"/>
+              <a:gd name="connsiteX5" fmla="*/ 0 w 7038562"/>
+              <a:gd name="connsiteY5" fmla="*/ 2858727 h 3288510"/>
+              <a:gd name="connsiteX0" fmla="*/ 0 w 7038562"/>
+              <a:gd name="connsiteY0" fmla="*/ 2858727 h 3288510"/>
+              <a:gd name="connsiteX1" fmla="*/ 2278891 w 7038562"/>
+              <a:gd name="connsiteY1" fmla="*/ 1784221 h 3288510"/>
+              <a:gd name="connsiteX2" fmla="*/ 4388819 w 7038562"/>
+              <a:gd name="connsiteY2" fmla="*/ 47 h 3288510"/>
+              <a:gd name="connsiteX3" fmla="*/ 6957128 w 7038562"/>
+              <a:gd name="connsiteY3" fmla="*/ 1450273 h 3288510"/>
+              <a:gd name="connsiteX4" fmla="*/ 7038562 w 7038562"/>
+              <a:gd name="connsiteY4" fmla="*/ 3288510 h 3288510"/>
+              <a:gd name="connsiteX5" fmla="*/ 1052767 w 7038562"/>
+              <a:gd name="connsiteY5" fmla="*/ 2931599 h 3288510"/>
+              <a:gd name="connsiteX6" fmla="*/ 0 w 7038562"/>
+              <a:gd name="connsiteY6" fmla="*/ 2858727 h 3288510"/>
+              <a:gd name="connsiteX0" fmla="*/ 609369 w 7647931"/>
+              <a:gd name="connsiteY0" fmla="*/ 2858727 h 3380025"/>
+              <a:gd name="connsiteX1" fmla="*/ 2888260 w 7647931"/>
+              <a:gd name="connsiteY1" fmla="*/ 1784221 h 3380025"/>
+              <a:gd name="connsiteX2" fmla="*/ 4998188 w 7647931"/>
+              <a:gd name="connsiteY2" fmla="*/ 47 h 3380025"/>
+              <a:gd name="connsiteX3" fmla="*/ 7566497 w 7647931"/>
+              <a:gd name="connsiteY3" fmla="*/ 1450273 h 3380025"/>
+              <a:gd name="connsiteX4" fmla="*/ 7647931 w 7647931"/>
+              <a:gd name="connsiteY4" fmla="*/ 3288510 h 3380025"/>
+              <a:gd name="connsiteX5" fmla="*/ 0 w 7647931"/>
+              <a:gd name="connsiteY5" fmla="*/ 3380025 h 3380025"/>
+              <a:gd name="connsiteX6" fmla="*/ 609369 w 7647931"/>
+              <a:gd name="connsiteY6" fmla="*/ 2858727 h 3380025"/>
+              <a:gd name="connsiteX0" fmla="*/ 609369 w 7647931"/>
+              <a:gd name="connsiteY0" fmla="*/ 2858727 h 3380025"/>
+              <a:gd name="connsiteX1" fmla="*/ 2888260 w 7647931"/>
+              <a:gd name="connsiteY1" fmla="*/ 1784221 h 3380025"/>
+              <a:gd name="connsiteX2" fmla="*/ 4998188 w 7647931"/>
+              <a:gd name="connsiteY2" fmla="*/ 47 h 3380025"/>
+              <a:gd name="connsiteX3" fmla="*/ 7566497 w 7647931"/>
+              <a:gd name="connsiteY3" fmla="*/ 1450273 h 3380025"/>
+              <a:gd name="connsiteX4" fmla="*/ 7647931 w 7647931"/>
+              <a:gd name="connsiteY4" fmla="*/ 3288510 h 3380025"/>
+              <a:gd name="connsiteX5" fmla="*/ 0 w 7647931"/>
+              <a:gd name="connsiteY5" fmla="*/ 3380025 h 3380025"/>
+              <a:gd name="connsiteX6" fmla="*/ 609369 w 7647931"/>
+              <a:gd name="connsiteY6" fmla="*/ 2858727 h 3380025"/>
+              <a:gd name="connsiteX0" fmla="*/ 609369 w 7647931"/>
+              <a:gd name="connsiteY0" fmla="*/ 2858727 h 3380025"/>
+              <a:gd name="connsiteX1" fmla="*/ 2888260 w 7647931"/>
+              <a:gd name="connsiteY1" fmla="*/ 1784221 h 3380025"/>
+              <a:gd name="connsiteX2" fmla="*/ 4998188 w 7647931"/>
+              <a:gd name="connsiteY2" fmla="*/ 47 h 3380025"/>
+              <a:gd name="connsiteX3" fmla="*/ 7566497 w 7647931"/>
+              <a:gd name="connsiteY3" fmla="*/ 1450273 h 3380025"/>
+              <a:gd name="connsiteX4" fmla="*/ 7647931 w 7647931"/>
+              <a:gd name="connsiteY4" fmla="*/ 3288510 h 3380025"/>
+              <a:gd name="connsiteX5" fmla="*/ 0 w 7647931"/>
+              <a:gd name="connsiteY5" fmla="*/ 3380025 h 3380025"/>
+              <a:gd name="connsiteX6" fmla="*/ 609369 w 7647931"/>
+              <a:gd name="connsiteY6" fmla="*/ 2858727 h 3380025"/>
+              <a:gd name="connsiteX0" fmla="*/ 609369 w 7647931"/>
+              <a:gd name="connsiteY0" fmla="*/ 2858727 h 3380025"/>
+              <a:gd name="connsiteX1" fmla="*/ 2888260 w 7647931"/>
+              <a:gd name="connsiteY1" fmla="*/ 1784221 h 3380025"/>
+              <a:gd name="connsiteX2" fmla="*/ 4998188 w 7647931"/>
+              <a:gd name="connsiteY2" fmla="*/ 47 h 3380025"/>
+              <a:gd name="connsiteX3" fmla="*/ 7566497 w 7647931"/>
+              <a:gd name="connsiteY3" fmla="*/ 1450273 h 3380025"/>
+              <a:gd name="connsiteX4" fmla="*/ 7647931 w 7647931"/>
+              <a:gd name="connsiteY4" fmla="*/ 3288510 h 3380025"/>
+              <a:gd name="connsiteX5" fmla="*/ 0 w 7647931"/>
+              <a:gd name="connsiteY5" fmla="*/ 3380025 h 3380025"/>
+              <a:gd name="connsiteX6" fmla="*/ 609369 w 7647931"/>
+              <a:gd name="connsiteY6" fmla="*/ 2858727 h 3380025"/>
+              <a:gd name="connsiteX0" fmla="*/ 7647931 w 7734194"/>
+              <a:gd name="connsiteY0" fmla="*/ 3288510 h 3380025"/>
+              <a:gd name="connsiteX1" fmla="*/ 0 w 7734194"/>
+              <a:gd name="connsiteY1" fmla="*/ 3380025 h 3380025"/>
+              <a:gd name="connsiteX2" fmla="*/ 609369 w 7734194"/>
+              <a:gd name="connsiteY2" fmla="*/ 2858727 h 3380025"/>
+              <a:gd name="connsiteX3" fmla="*/ 2888260 w 7734194"/>
+              <a:gd name="connsiteY3" fmla="*/ 1784221 h 3380025"/>
+              <a:gd name="connsiteX4" fmla="*/ 4998188 w 7734194"/>
+              <a:gd name="connsiteY4" fmla="*/ 47 h 3380025"/>
+              <a:gd name="connsiteX5" fmla="*/ 7566497 w 7734194"/>
+              <a:gd name="connsiteY5" fmla="*/ 1450273 h 3380025"/>
+              <a:gd name="connsiteX6" fmla="*/ 7734194 w 7734194"/>
+              <a:gd name="connsiteY6" fmla="*/ 3363553 h 3380025"/>
+              <a:gd name="connsiteX0" fmla="*/ 7647931 w 7647931"/>
+              <a:gd name="connsiteY0" fmla="*/ 3288510 h 3380025"/>
+              <a:gd name="connsiteX1" fmla="*/ 0 w 7647931"/>
+              <a:gd name="connsiteY1" fmla="*/ 3380025 h 3380025"/>
+              <a:gd name="connsiteX2" fmla="*/ 609369 w 7647931"/>
+              <a:gd name="connsiteY2" fmla="*/ 2858727 h 3380025"/>
+              <a:gd name="connsiteX3" fmla="*/ 2888260 w 7647931"/>
+              <a:gd name="connsiteY3" fmla="*/ 1784221 h 3380025"/>
+              <a:gd name="connsiteX4" fmla="*/ 4998188 w 7647931"/>
+              <a:gd name="connsiteY4" fmla="*/ 47 h 3380025"/>
+              <a:gd name="connsiteX5" fmla="*/ 7566497 w 7647931"/>
+              <a:gd name="connsiteY5" fmla="*/ 1450273 h 3380025"/>
+              <a:gd name="connsiteX0" fmla="*/ 0 w 7566497"/>
+              <a:gd name="connsiteY0" fmla="*/ 3380025 h 3380025"/>
+              <a:gd name="connsiteX1" fmla="*/ 609369 w 7566497"/>
+              <a:gd name="connsiteY1" fmla="*/ 2858727 h 3380025"/>
+              <a:gd name="connsiteX2" fmla="*/ 2888260 w 7566497"/>
+              <a:gd name="connsiteY2" fmla="*/ 1784221 h 3380025"/>
+              <a:gd name="connsiteX3" fmla="*/ 4998188 w 7566497"/>
+              <a:gd name="connsiteY3" fmla="*/ 47 h 3380025"/>
+              <a:gd name="connsiteX4" fmla="*/ 7566497 w 7566497"/>
+              <a:gd name="connsiteY4" fmla="*/ 1450273 h 3380025"/>
+              <a:gd name="connsiteX0" fmla="*/ 0 w 6957128"/>
+              <a:gd name="connsiteY0" fmla="*/ 2858727 h 2858727"/>
+              <a:gd name="connsiteX1" fmla="*/ 2278891 w 6957128"/>
+              <a:gd name="connsiteY1" fmla="*/ 1784221 h 2858727"/>
+              <a:gd name="connsiteX2" fmla="*/ 4388819 w 6957128"/>
+              <a:gd name="connsiteY2" fmla="*/ 47 h 2858727"/>
+              <a:gd name="connsiteX3" fmla="*/ 6957128 w 6957128"/>
+              <a:gd name="connsiteY3" fmla="*/ 1450273 h 2858727"/>
+            </a:gdLst>
+            <a:ahLst/>
+            <a:cxnLst>
+              <a:cxn ang="0">
+                <a:pos x="connsiteX0" y="connsiteY0"/>
+              </a:cxn>
+              <a:cxn ang="0">
+                <a:pos x="connsiteX1" y="connsiteY1"/>
+              </a:cxn>
+              <a:cxn ang="0">
+                <a:pos x="connsiteX2" y="connsiteY2"/>
+              </a:cxn>
+              <a:cxn ang="0">
+                <a:pos x="connsiteX3" y="connsiteY3"/>
+              </a:cxn>
+            </a:cxnLst>
+            <a:rect l="l" t="t" r="r" b="b"/>
+            <a:pathLst>
+              <a:path w="6957128" h="2858727">
+                <a:moveTo>
+                  <a:pt x="0" y="2858727"/>
+                </a:moveTo>
+                <a:cubicBezTo>
+                  <a:pt x="789222" y="2766887"/>
+                  <a:pt x="1579339" y="2459536"/>
+                  <a:pt x="2278891" y="1784221"/>
+                </a:cubicBezTo>
+                <a:cubicBezTo>
+                  <a:pt x="2978443" y="1108906"/>
+                  <a:pt x="3472354" y="-8355"/>
+                  <a:pt x="4388819" y="47"/>
+                </a:cubicBezTo>
+                <a:cubicBezTo>
+                  <a:pt x="5305284" y="8449"/>
+                  <a:pt x="5336404" y="1068907"/>
+                  <a:pt x="6957128" y="1450273"/>
+                </a:cubicBezTo>
+              </a:path>
+            </a:pathLst>
+          </a:custGeom>
+          <a:ln w="28575" cmpd="sng">
+            <a:solidFill>
+              <a:schemeClr val="bg1"/>
+            </a:solidFill>
+            <a:prstDash val="dash"/>
+          </a:ln>
+        </p:spPr>
+        <p:style>
+          <a:lnRef idx="1">
+            <a:schemeClr val="accent2"/>
+          </a:lnRef>
+          <a:fillRef idx="0">
+            <a:schemeClr val="accent2"/>
+          </a:fillRef>
+          <a:effectRef idx="0">
+            <a:schemeClr val="accent2"/>
+          </a:effectRef>
+          <a:fontRef idx="minor">
+            <a:schemeClr val="tx1"/>
+          </a:fontRef>
+        </p:style>
+        <p:txBody>
+          <a:bodyPr rtlCol="0" anchor="ctr"/>
+          <a:lstStyle/>
+          <a:p>
+            <a:pPr algn="ctr"/>
+            <a:endParaRPr lang="en-US">
+              <a:solidFill>
+                <a:schemeClr val="bg1"/>
+              </a:solidFill>
+              <a:latin typeface="Times New Roman" panose="02020603050405020304" pitchFamily="18" charset="0"/>
+              <a:cs typeface="Times New Roman" panose="02020603050405020304" pitchFamily="18" charset="0"/>
+            </a:endParaRPr>
+          </a:p>
+        </p:txBody>
+      </p:sp>
+      <p:cxnSp>
+        <p:nvCxnSpPr>
+          <p:cNvPr id="14" name="Straight Arrow Connector 13">
+            <a:extLst>
+              <a:ext uri="{FF2B5EF4-FFF2-40B4-BE49-F238E27FC236}">
+                <a16:creationId xmlns:a16="http://schemas.microsoft.com/office/drawing/2014/main" id="{4CCB8C47-7FF3-44F1-B470-BB5D23E2BBA2}"/>
+              </a:ext>
+            </a:extLst>
+          </p:cNvPr>
+          <p:cNvCxnSpPr>
+            <a:cxnSpLocks/>
+          </p:cNvCxnSpPr>
+          <p:nvPr/>
+        </p:nvCxnSpPr>
+        <p:spPr>
+          <a:xfrm flipH="1" flipV="1">
+            <a:off x="2998177" y="1219200"/>
+            <a:ext cx="2" cy="4797156"/>
+          </a:xfrm>
+          <a:prstGeom prst="straightConnector1">
+            <a:avLst/>
+          </a:prstGeom>
+          <a:ln w="25400" cap="rnd" cmpd="sng">
+            <a:solidFill>
+              <a:schemeClr val="bg1"/>
+            </a:solidFill>
+            <a:prstDash val="sysDot"/>
+            <a:headEnd type="none"/>
+            <a:tailEnd type="none"/>
+          </a:ln>
+        </p:spPr>
+        <p:style>
+          <a:lnRef idx="1">
+            <a:schemeClr val="accent1"/>
+          </a:lnRef>
+          <a:fillRef idx="0">
+            <a:schemeClr val="accent1"/>
+          </a:fillRef>
+          <a:effectRef idx="0">
+            <a:schemeClr val="accent1"/>
+          </a:effectRef>
+          <a:fontRef idx="minor">
+            <a:schemeClr val="tx1"/>
+          </a:fontRef>
+        </p:style>
+      </p:cxnSp>
+      <p:cxnSp>
+        <p:nvCxnSpPr>
+          <p:cNvPr id="15" name="Straight Arrow Connector 14">
+            <a:extLst>
+              <a:ext uri="{FF2B5EF4-FFF2-40B4-BE49-F238E27FC236}">
+                <a16:creationId xmlns:a16="http://schemas.microsoft.com/office/drawing/2014/main" id="{9ABE535A-9045-491F-91F2-1EFFD8DAE885}"/>
+              </a:ext>
+            </a:extLst>
+          </p:cNvPr>
+          <p:cNvCxnSpPr>
+            <a:cxnSpLocks/>
+          </p:cNvCxnSpPr>
+          <p:nvPr/>
+        </p:nvCxnSpPr>
+        <p:spPr>
+          <a:xfrm flipV="1">
+            <a:off x="5051968" y="1222644"/>
+            <a:ext cx="3609" cy="4775267"/>
+          </a:xfrm>
+          <a:prstGeom prst="straightConnector1">
+            <a:avLst/>
+          </a:prstGeom>
+          <a:ln w="25400" cap="rnd" cmpd="sng">
+            <a:solidFill>
+              <a:schemeClr val="bg1"/>
+            </a:solidFill>
+            <a:prstDash val="sysDot"/>
+            <a:headEnd type="none"/>
+            <a:tailEnd type="none"/>
+          </a:ln>
+        </p:spPr>
+        <p:style>
+          <a:lnRef idx="1">
+            <a:schemeClr val="accent1"/>
+          </a:lnRef>
+          <a:fillRef idx="0">
+            <a:schemeClr val="accent1"/>
+          </a:fillRef>
+          <a:effectRef idx="0">
+            <a:schemeClr val="accent1"/>
+          </a:effectRef>
+          <a:fontRef idx="minor">
+            <a:schemeClr val="tx1"/>
+          </a:fontRef>
+        </p:style>
+      </p:cxnSp>
+      <p:cxnSp>
+        <p:nvCxnSpPr>
+          <p:cNvPr id="16" name="Straight Arrow Connector 15">
+            <a:extLst>
+              <a:ext uri="{FF2B5EF4-FFF2-40B4-BE49-F238E27FC236}">
+                <a16:creationId xmlns:a16="http://schemas.microsoft.com/office/drawing/2014/main" id="{2C9D345A-0EFD-4482-844A-DA5625888AC0}"/>
+              </a:ext>
+            </a:extLst>
+          </p:cNvPr>
+          <p:cNvCxnSpPr>
+            <a:cxnSpLocks/>
+          </p:cNvCxnSpPr>
+          <p:nvPr/>
+        </p:nvCxnSpPr>
+        <p:spPr>
+          <a:xfrm flipV="1">
+            <a:off x="7265377" y="1222645"/>
+            <a:ext cx="0" cy="4720955"/>
+          </a:xfrm>
+          <a:prstGeom prst="straightConnector1">
+            <a:avLst/>
+          </a:prstGeom>
+          <a:ln w="25400" cap="rnd" cmpd="sng">
+            <a:solidFill>
+              <a:schemeClr val="bg1"/>
+            </a:solidFill>
+            <a:prstDash val="sysDot"/>
+            <a:headEnd type="none"/>
+            <a:tailEnd type="none"/>
+          </a:ln>
+        </p:spPr>
+        <p:style>
+          <a:lnRef idx="1">
+            <a:schemeClr val="accent1"/>
+          </a:lnRef>
+          <a:fillRef idx="0">
+            <a:schemeClr val="accent1"/>
+          </a:fillRef>
+          <a:effectRef idx="0">
+            <a:schemeClr val="accent1"/>
+          </a:effectRef>
+          <a:fontRef idx="minor">
+            <a:schemeClr val="tx1"/>
+          </a:fontRef>
+        </p:style>
+      </p:cxnSp>
+      <p:cxnSp>
+        <p:nvCxnSpPr>
+          <p:cNvPr id="17" name="Straight Connector 16">
+            <a:extLst>
+              <a:ext uri="{FF2B5EF4-FFF2-40B4-BE49-F238E27FC236}">
+                <a16:creationId xmlns:a16="http://schemas.microsoft.com/office/drawing/2014/main" id="{98F758CA-8338-43FB-BF59-539722290247}"/>
+              </a:ext>
+            </a:extLst>
+          </p:cNvPr>
+          <p:cNvCxnSpPr>
+            <a:cxnSpLocks/>
+          </p:cNvCxnSpPr>
+          <p:nvPr/>
+        </p:nvCxnSpPr>
+        <p:spPr>
+          <a:xfrm flipH="1">
+            <a:off x="407352" y="6074111"/>
+            <a:ext cx="27" cy="326689"/>
+          </a:xfrm>
+          <a:prstGeom prst="line">
+            <a:avLst/>
+          </a:prstGeom>
+          <a:ln>
+            <a:solidFill>
+              <a:schemeClr val="bg1"/>
+            </a:solidFill>
+          </a:ln>
+        </p:spPr>
+        <p:style>
+          <a:lnRef idx="1">
+            <a:schemeClr val="accent1"/>
+          </a:lnRef>
+          <a:fillRef idx="0">
+            <a:schemeClr val="accent1"/>
+          </a:fillRef>
+          <a:effectRef idx="0">
+            <a:schemeClr val="accent1"/>
+          </a:effectRef>
+          <a:fontRef idx="minor">
+            <a:schemeClr val="tx1"/>
+          </a:fontRef>
+        </p:style>
+      </p:cxnSp>
+      <p:cxnSp>
+        <p:nvCxnSpPr>
+          <p:cNvPr id="18" name="Straight Connector 17">
+            <a:extLst>
+              <a:ext uri="{FF2B5EF4-FFF2-40B4-BE49-F238E27FC236}">
+                <a16:creationId xmlns:a16="http://schemas.microsoft.com/office/drawing/2014/main" id="{CA7B7DF3-E4B3-4DCB-B9A3-628AA369DC06}"/>
+              </a:ext>
+            </a:extLst>
+          </p:cNvPr>
+          <p:cNvCxnSpPr>
+            <a:cxnSpLocks/>
+          </p:cNvCxnSpPr>
+          <p:nvPr/>
+        </p:nvCxnSpPr>
+        <p:spPr>
+          <a:xfrm flipH="1">
+            <a:off x="2083787" y="6074111"/>
+            <a:ext cx="2646" cy="326689"/>
+          </a:xfrm>
+          <a:prstGeom prst="line">
+            <a:avLst/>
+          </a:prstGeom>
+          <a:ln>
+            <a:solidFill>
+              <a:schemeClr val="bg1"/>
+            </a:solidFill>
+          </a:ln>
+        </p:spPr>
+        <p:style>
+          <a:lnRef idx="1">
+            <a:schemeClr val="accent1"/>
+          </a:lnRef>
+          <a:fillRef idx="0">
+            <a:schemeClr val="accent1"/>
+          </a:fillRef>
+          <a:effectRef idx="0">
+            <a:schemeClr val="accent1"/>
+          </a:effectRef>
+          <a:fontRef idx="minor">
+            <a:schemeClr val="tx1"/>
+          </a:fontRef>
+        </p:style>
+      </p:cxnSp>
+      <p:cxnSp>
+        <p:nvCxnSpPr>
+          <p:cNvPr id="19" name="Straight Arrow Connector 18">
+            <a:extLst>
+              <a:ext uri="{FF2B5EF4-FFF2-40B4-BE49-F238E27FC236}">
+                <a16:creationId xmlns:a16="http://schemas.microsoft.com/office/drawing/2014/main" id="{4119A759-17B9-4466-94F3-FA82A2D3330C}"/>
+              </a:ext>
+            </a:extLst>
+          </p:cNvPr>
+          <p:cNvCxnSpPr/>
+          <p:nvPr/>
+        </p:nvCxnSpPr>
+        <p:spPr>
+          <a:xfrm>
+            <a:off x="401394" y="6237455"/>
+            <a:ext cx="1682385" cy="10945"/>
+          </a:xfrm>
+          <a:prstGeom prst="straightConnector1">
+            <a:avLst/>
+          </a:prstGeom>
+          <a:ln>
+            <a:solidFill>
+              <a:schemeClr val="bg1"/>
+            </a:solidFill>
+            <a:headEnd type="triangle"/>
+            <a:tailEnd type="triangle"/>
+          </a:ln>
+        </p:spPr>
+        <p:style>
+          <a:lnRef idx="1">
+            <a:schemeClr val="accent1"/>
+          </a:lnRef>
+          <a:fillRef idx="0">
+            <a:schemeClr val="accent1"/>
+          </a:fillRef>
+          <a:effectRef idx="0">
+            <a:schemeClr val="accent1"/>
+          </a:effectRef>
+          <a:fontRef idx="minor">
+            <a:schemeClr val="tx1"/>
+          </a:fontRef>
+        </p:style>
+      </p:cxnSp>
+      <p:sp>
+        <p:nvSpPr>
+          <p:cNvPr id="20" name="Rectangle 19">
+            <a:extLst>
+              <a:ext uri="{FF2B5EF4-FFF2-40B4-BE49-F238E27FC236}">
+                <a16:creationId xmlns:a16="http://schemas.microsoft.com/office/drawing/2014/main" id="{04EF3A78-10FF-4727-B0BC-97CDB63EF509}"/>
+              </a:ext>
+            </a:extLst>
+          </p:cNvPr>
+          <p:cNvSpPr/>
+          <p:nvPr/>
+        </p:nvSpPr>
+        <p:spPr>
+          <a:xfrm>
+            <a:off x="592044" y="6251040"/>
+            <a:ext cx="1106393" cy="369332"/>
+          </a:xfrm>
+          <a:prstGeom prst="rect">
+            <a:avLst/>
+          </a:prstGeom>
+        </p:spPr>
+        <p:txBody>
+          <a:bodyPr wrap="none">
+            <a:spAutoFit/>
+          </a:bodyPr>
+          <a:lstStyle/>
+          <a:p>
+            <a:r>
+              <a:rPr lang="en-US" dirty="0">
+                <a:solidFill>
+                  <a:schemeClr val="bg1"/>
+                </a:solidFill>
+              </a:rPr>
+              <a:t>Lifespan</a:t>
+            </a:r>
+            <a:endParaRPr lang="ar-BH" dirty="0">
+              <a:solidFill>
+                <a:schemeClr val="bg1"/>
+              </a:solidFill>
+            </a:endParaRPr>
+          </a:p>
+        </p:txBody>
+      </p:sp>
+      <p:sp>
+        <p:nvSpPr>
+          <p:cNvPr id="21" name="Oval 7">
+            <a:extLst>
+              <a:ext uri="{FF2B5EF4-FFF2-40B4-BE49-F238E27FC236}">
+                <a16:creationId xmlns:a16="http://schemas.microsoft.com/office/drawing/2014/main" id="{31265067-5768-4B45-A262-28A8D66C6B9C}"/>
+              </a:ext>
+            </a:extLst>
+          </p:cNvPr>
+          <p:cNvSpPr/>
+          <p:nvPr/>
+        </p:nvSpPr>
+        <p:spPr>
+          <a:xfrm>
+            <a:off x="576595" y="1592151"/>
+            <a:ext cx="9144000" cy="4572000"/>
+          </a:xfrm>
+          <a:custGeom>
+            <a:avLst/>
+            <a:gdLst>
+              <a:gd name="connsiteX0" fmla="*/ 0 w 1676400"/>
+              <a:gd name="connsiteY0" fmla="*/ 865824 h 1731647"/>
+              <a:gd name="connsiteX1" fmla="*/ 838200 w 1676400"/>
+              <a:gd name="connsiteY1" fmla="*/ 0 h 1731647"/>
+              <a:gd name="connsiteX2" fmla="*/ 1676400 w 1676400"/>
+              <a:gd name="connsiteY2" fmla="*/ 865824 h 1731647"/>
+              <a:gd name="connsiteX3" fmla="*/ 838200 w 1676400"/>
+              <a:gd name="connsiteY3" fmla="*/ 1731648 h 1731647"/>
+              <a:gd name="connsiteX4" fmla="*/ 0 w 1676400"/>
+              <a:gd name="connsiteY4" fmla="*/ 865824 h 1731647"/>
+              <a:gd name="connsiteX0" fmla="*/ 838200 w 1676400"/>
+              <a:gd name="connsiteY0" fmla="*/ 1731648 h 1823088"/>
+              <a:gd name="connsiteX1" fmla="*/ 0 w 1676400"/>
+              <a:gd name="connsiteY1" fmla="*/ 865824 h 1823088"/>
+              <a:gd name="connsiteX2" fmla="*/ 838200 w 1676400"/>
+              <a:gd name="connsiteY2" fmla="*/ 0 h 1823088"/>
+              <a:gd name="connsiteX3" fmla="*/ 1676400 w 1676400"/>
+              <a:gd name="connsiteY3" fmla="*/ 865824 h 1823088"/>
+              <a:gd name="connsiteX4" fmla="*/ 929640 w 1676400"/>
+              <a:gd name="connsiteY4" fmla="*/ 1823088 h 1823088"/>
+              <a:gd name="connsiteX0" fmla="*/ 45180 w 5210054"/>
+              <a:gd name="connsiteY0" fmla="*/ 2556839 h 2556839"/>
+              <a:gd name="connsiteX1" fmla="*/ 3533654 w 5210054"/>
+              <a:gd name="connsiteY1" fmla="*/ 865824 h 2556839"/>
+              <a:gd name="connsiteX2" fmla="*/ 4371854 w 5210054"/>
+              <a:gd name="connsiteY2" fmla="*/ 0 h 2556839"/>
+              <a:gd name="connsiteX3" fmla="*/ 5210054 w 5210054"/>
+              <a:gd name="connsiteY3" fmla="*/ 865824 h 2556839"/>
+              <a:gd name="connsiteX4" fmla="*/ 4463294 w 5210054"/>
+              <a:gd name="connsiteY4" fmla="*/ 1823088 h 2556839"/>
+              <a:gd name="connsiteX0" fmla="*/ 0 w 5164874"/>
+              <a:gd name="connsiteY0" fmla="*/ 2556839 h 2556839"/>
+              <a:gd name="connsiteX1" fmla="*/ 3488474 w 5164874"/>
+              <a:gd name="connsiteY1" fmla="*/ 865824 h 2556839"/>
+              <a:gd name="connsiteX2" fmla="*/ 4326674 w 5164874"/>
+              <a:gd name="connsiteY2" fmla="*/ 0 h 2556839"/>
+              <a:gd name="connsiteX3" fmla="*/ 5164874 w 5164874"/>
+              <a:gd name="connsiteY3" fmla="*/ 865824 h 2556839"/>
+              <a:gd name="connsiteX4" fmla="*/ 4418114 w 5164874"/>
+              <a:gd name="connsiteY4" fmla="*/ 1823088 h 2556839"/>
+              <a:gd name="connsiteX0" fmla="*/ 0 w 5164874"/>
+              <a:gd name="connsiteY0" fmla="*/ 2556839 h 2556839"/>
+              <a:gd name="connsiteX1" fmla="*/ 3488474 w 5164874"/>
+              <a:gd name="connsiteY1" fmla="*/ 865824 h 2556839"/>
+              <a:gd name="connsiteX2" fmla="*/ 4326674 w 5164874"/>
+              <a:gd name="connsiteY2" fmla="*/ 0 h 2556839"/>
+              <a:gd name="connsiteX3" fmla="*/ 5164874 w 5164874"/>
+              <a:gd name="connsiteY3" fmla="*/ 865824 h 2556839"/>
+              <a:gd name="connsiteX4" fmla="*/ 4418114 w 5164874"/>
+              <a:gd name="connsiteY4" fmla="*/ 1823088 h 2556839"/>
+              <a:gd name="connsiteX0" fmla="*/ 0 w 5164874"/>
+              <a:gd name="connsiteY0" fmla="*/ 2556839 h 2556839"/>
+              <a:gd name="connsiteX1" fmla="*/ 2651754 w 5164874"/>
+              <a:gd name="connsiteY1" fmla="*/ 1180491 h 2556839"/>
+              <a:gd name="connsiteX2" fmla="*/ 3488474 w 5164874"/>
+              <a:gd name="connsiteY2" fmla="*/ 865824 h 2556839"/>
+              <a:gd name="connsiteX3" fmla="*/ 4326674 w 5164874"/>
+              <a:gd name="connsiteY3" fmla="*/ 0 h 2556839"/>
+              <a:gd name="connsiteX4" fmla="*/ 5164874 w 5164874"/>
+              <a:gd name="connsiteY4" fmla="*/ 865824 h 2556839"/>
+              <a:gd name="connsiteX5" fmla="*/ 4418114 w 5164874"/>
+              <a:gd name="connsiteY5" fmla="*/ 1823088 h 2556839"/>
+              <a:gd name="connsiteX0" fmla="*/ 0 w 5164874"/>
+              <a:gd name="connsiteY0" fmla="*/ 2556839 h 2556839"/>
+              <a:gd name="connsiteX1" fmla="*/ 2234503 w 5164874"/>
+              <a:gd name="connsiteY1" fmla="*/ 1482332 h 2556839"/>
+              <a:gd name="connsiteX2" fmla="*/ 3488474 w 5164874"/>
+              <a:gd name="connsiteY2" fmla="*/ 865824 h 2556839"/>
+              <a:gd name="connsiteX3" fmla="*/ 4326674 w 5164874"/>
+              <a:gd name="connsiteY3" fmla="*/ 0 h 2556839"/>
+              <a:gd name="connsiteX4" fmla="*/ 5164874 w 5164874"/>
+              <a:gd name="connsiteY4" fmla="*/ 865824 h 2556839"/>
+              <a:gd name="connsiteX5" fmla="*/ 4418114 w 5164874"/>
+              <a:gd name="connsiteY5" fmla="*/ 1823088 h 2556839"/>
+              <a:gd name="connsiteX0" fmla="*/ 0 w 5164874"/>
+              <a:gd name="connsiteY0" fmla="*/ 2556839 h 2556839"/>
+              <a:gd name="connsiteX1" fmla="*/ 2234503 w 5164874"/>
+              <a:gd name="connsiteY1" fmla="*/ 1482332 h 2556839"/>
+              <a:gd name="connsiteX2" fmla="*/ 3488474 w 5164874"/>
+              <a:gd name="connsiteY2" fmla="*/ 865824 h 2556839"/>
+              <a:gd name="connsiteX3" fmla="*/ 4326674 w 5164874"/>
+              <a:gd name="connsiteY3" fmla="*/ 0 h 2556839"/>
+              <a:gd name="connsiteX4" fmla="*/ 5164874 w 5164874"/>
+              <a:gd name="connsiteY4" fmla="*/ 865824 h 2556839"/>
+              <a:gd name="connsiteX5" fmla="*/ 4418114 w 5164874"/>
+              <a:gd name="connsiteY5" fmla="*/ 1823088 h 2556839"/>
+              <a:gd name="connsiteX0" fmla="*/ 0 w 5164874"/>
+              <a:gd name="connsiteY0" fmla="*/ 2556839 h 2556839"/>
+              <a:gd name="connsiteX1" fmla="*/ 2234503 w 5164874"/>
+              <a:gd name="connsiteY1" fmla="*/ 1482332 h 2556839"/>
+              <a:gd name="connsiteX2" fmla="*/ 3488474 w 5164874"/>
+              <a:gd name="connsiteY2" fmla="*/ 865824 h 2556839"/>
+              <a:gd name="connsiteX3" fmla="*/ 4326674 w 5164874"/>
+              <a:gd name="connsiteY3" fmla="*/ 0 h 2556839"/>
+              <a:gd name="connsiteX4" fmla="*/ 5164874 w 5164874"/>
+              <a:gd name="connsiteY4" fmla="*/ 865824 h 2556839"/>
+              <a:gd name="connsiteX5" fmla="*/ 4418114 w 5164874"/>
+              <a:gd name="connsiteY5" fmla="*/ 1823088 h 2556839"/>
+              <a:gd name="connsiteX0" fmla="*/ 0 w 5164874"/>
+              <a:gd name="connsiteY0" fmla="*/ 2556839 h 2556839"/>
+              <a:gd name="connsiteX1" fmla="*/ 2234503 w 5164874"/>
+              <a:gd name="connsiteY1" fmla="*/ 1482332 h 2556839"/>
+              <a:gd name="connsiteX2" fmla="*/ 4326674 w 5164874"/>
+              <a:gd name="connsiteY2" fmla="*/ 0 h 2556839"/>
+              <a:gd name="connsiteX3" fmla="*/ 5164874 w 5164874"/>
+              <a:gd name="connsiteY3" fmla="*/ 865824 h 2556839"/>
+              <a:gd name="connsiteX4" fmla="*/ 4418114 w 5164874"/>
+              <a:gd name="connsiteY4" fmla="*/ 1823088 h 2556839"/>
+              <a:gd name="connsiteX0" fmla="*/ 0 w 5164874"/>
+              <a:gd name="connsiteY0" fmla="*/ 2876435 h 2876435"/>
+              <a:gd name="connsiteX1" fmla="*/ 2234503 w 5164874"/>
+              <a:gd name="connsiteY1" fmla="*/ 1801928 h 2876435"/>
+              <a:gd name="connsiteX2" fmla="*/ 4317797 w 5164874"/>
+              <a:gd name="connsiteY2" fmla="*/ 0 h 2876435"/>
+              <a:gd name="connsiteX3" fmla="*/ 5164874 w 5164874"/>
+              <a:gd name="connsiteY3" fmla="*/ 1185420 h 2876435"/>
+              <a:gd name="connsiteX4" fmla="*/ 4418114 w 5164874"/>
+              <a:gd name="connsiteY4" fmla="*/ 2142684 h 2876435"/>
+              <a:gd name="connsiteX0" fmla="*/ 0 w 5164874"/>
+              <a:gd name="connsiteY0" fmla="*/ 2883790 h 2883790"/>
+              <a:gd name="connsiteX1" fmla="*/ 2110216 w 5164874"/>
+              <a:gd name="connsiteY1" fmla="*/ 1747140 h 2883790"/>
+              <a:gd name="connsiteX2" fmla="*/ 4317797 w 5164874"/>
+              <a:gd name="connsiteY2" fmla="*/ 7355 h 2883790"/>
+              <a:gd name="connsiteX3" fmla="*/ 5164874 w 5164874"/>
+              <a:gd name="connsiteY3" fmla="*/ 1192775 h 2883790"/>
+              <a:gd name="connsiteX4" fmla="*/ 4418114 w 5164874"/>
+              <a:gd name="connsiteY4" fmla="*/ 2150039 h 2883790"/>
+              <a:gd name="connsiteX0" fmla="*/ 0 w 5164874"/>
+              <a:gd name="connsiteY0" fmla="*/ 2857388 h 2857388"/>
+              <a:gd name="connsiteX1" fmla="*/ 2110216 w 5164874"/>
+              <a:gd name="connsiteY1" fmla="*/ 1720738 h 2857388"/>
+              <a:gd name="connsiteX2" fmla="*/ 4442085 w 5164874"/>
+              <a:gd name="connsiteY2" fmla="*/ 7586 h 2857388"/>
+              <a:gd name="connsiteX3" fmla="*/ 5164874 w 5164874"/>
+              <a:gd name="connsiteY3" fmla="*/ 1166373 h 2857388"/>
+              <a:gd name="connsiteX4" fmla="*/ 4418114 w 5164874"/>
+              <a:gd name="connsiteY4" fmla="*/ 2123637 h 2857388"/>
+              <a:gd name="connsiteX0" fmla="*/ 0 w 5963864"/>
+              <a:gd name="connsiteY0" fmla="*/ 2866842 h 2866842"/>
+              <a:gd name="connsiteX1" fmla="*/ 2110216 w 5963864"/>
+              <a:gd name="connsiteY1" fmla="*/ 1730192 h 2866842"/>
+              <a:gd name="connsiteX2" fmla="*/ 4442085 w 5963864"/>
+              <a:gd name="connsiteY2" fmla="*/ 17040 h 2866842"/>
+              <a:gd name="connsiteX3" fmla="*/ 5963864 w 5963864"/>
+              <a:gd name="connsiteY3" fmla="*/ 971640 h 2866842"/>
+              <a:gd name="connsiteX4" fmla="*/ 4418114 w 5963864"/>
+              <a:gd name="connsiteY4" fmla="*/ 2133091 h 2866842"/>
+              <a:gd name="connsiteX0" fmla="*/ 0 w 7021215"/>
+              <a:gd name="connsiteY0" fmla="*/ 2866842 h 2866842"/>
+              <a:gd name="connsiteX1" fmla="*/ 2110216 w 7021215"/>
+              <a:gd name="connsiteY1" fmla="*/ 1730192 h 2866842"/>
+              <a:gd name="connsiteX2" fmla="*/ 4442085 w 7021215"/>
+              <a:gd name="connsiteY2" fmla="*/ 17040 h 2866842"/>
+              <a:gd name="connsiteX3" fmla="*/ 5963864 w 7021215"/>
+              <a:gd name="connsiteY3" fmla="*/ 971640 h 2866842"/>
+              <a:gd name="connsiteX4" fmla="*/ 6957128 w 7021215"/>
+              <a:gd name="connsiteY4" fmla="*/ 1458388 h 2866842"/>
+              <a:gd name="connsiteX0" fmla="*/ 0 w 7021215"/>
+              <a:gd name="connsiteY0" fmla="*/ 2866842 h 2866842"/>
+              <a:gd name="connsiteX1" fmla="*/ 2110216 w 7021215"/>
+              <a:gd name="connsiteY1" fmla="*/ 1730192 h 2866842"/>
+              <a:gd name="connsiteX2" fmla="*/ 4442085 w 7021215"/>
+              <a:gd name="connsiteY2" fmla="*/ 17040 h 2866842"/>
+              <a:gd name="connsiteX3" fmla="*/ 5963864 w 7021215"/>
+              <a:gd name="connsiteY3" fmla="*/ 971640 h 2866842"/>
+              <a:gd name="connsiteX4" fmla="*/ 6957128 w 7021215"/>
+              <a:gd name="connsiteY4" fmla="*/ 1458388 h 2866842"/>
+              <a:gd name="connsiteX0" fmla="*/ 0 w 6957128"/>
+              <a:gd name="connsiteY0" fmla="*/ 2866842 h 2866842"/>
+              <a:gd name="connsiteX1" fmla="*/ 2110216 w 6957128"/>
+              <a:gd name="connsiteY1" fmla="*/ 1730192 h 2866842"/>
+              <a:gd name="connsiteX2" fmla="*/ 4442085 w 6957128"/>
+              <a:gd name="connsiteY2" fmla="*/ 17040 h 2866842"/>
+              <a:gd name="connsiteX3" fmla="*/ 5963864 w 6957128"/>
+              <a:gd name="connsiteY3" fmla="*/ 971640 h 2866842"/>
+              <a:gd name="connsiteX4" fmla="*/ 6957128 w 6957128"/>
+              <a:gd name="connsiteY4" fmla="*/ 1458388 h 2866842"/>
+              <a:gd name="connsiteX0" fmla="*/ 0 w 6957128"/>
+              <a:gd name="connsiteY0" fmla="*/ 2879635 h 2879635"/>
+              <a:gd name="connsiteX1" fmla="*/ 2110216 w 6957128"/>
+              <a:gd name="connsiteY1" fmla="*/ 1742985 h 2879635"/>
+              <a:gd name="connsiteX2" fmla="*/ 4442085 w 6957128"/>
+              <a:gd name="connsiteY2" fmla="*/ 29833 h 2879635"/>
+              <a:gd name="connsiteX3" fmla="*/ 5448220 w 6957128"/>
+              <a:gd name="connsiteY3" fmla="*/ 677663 h 2879635"/>
+              <a:gd name="connsiteX4" fmla="*/ 5963864 w 6957128"/>
+              <a:gd name="connsiteY4" fmla="*/ 984433 h 2879635"/>
+              <a:gd name="connsiteX5" fmla="*/ 6957128 w 6957128"/>
+              <a:gd name="connsiteY5" fmla="*/ 1471181 h 2879635"/>
+              <a:gd name="connsiteX0" fmla="*/ 0 w 6957128"/>
+              <a:gd name="connsiteY0" fmla="*/ 2888186 h 2888186"/>
+              <a:gd name="connsiteX1" fmla="*/ 2110216 w 6957128"/>
+              <a:gd name="connsiteY1" fmla="*/ 1751536 h 2888186"/>
+              <a:gd name="connsiteX2" fmla="*/ 4388819 w 6957128"/>
+              <a:gd name="connsiteY2" fmla="*/ 29506 h 2888186"/>
+              <a:gd name="connsiteX3" fmla="*/ 5448220 w 6957128"/>
+              <a:gd name="connsiteY3" fmla="*/ 686214 h 2888186"/>
+              <a:gd name="connsiteX4" fmla="*/ 5963864 w 6957128"/>
+              <a:gd name="connsiteY4" fmla="*/ 992984 h 2888186"/>
+              <a:gd name="connsiteX5" fmla="*/ 6957128 w 6957128"/>
+              <a:gd name="connsiteY5" fmla="*/ 1479732 h 2888186"/>
+              <a:gd name="connsiteX0" fmla="*/ 0 w 6957128"/>
+              <a:gd name="connsiteY0" fmla="*/ 2858866 h 2858866"/>
+              <a:gd name="connsiteX1" fmla="*/ 2110216 w 6957128"/>
+              <a:gd name="connsiteY1" fmla="*/ 1722216 h 2858866"/>
+              <a:gd name="connsiteX2" fmla="*/ 4388819 w 6957128"/>
+              <a:gd name="connsiteY2" fmla="*/ 186 h 2858866"/>
+              <a:gd name="connsiteX3" fmla="*/ 5448220 w 6957128"/>
+              <a:gd name="connsiteY3" fmla="*/ 656894 h 2858866"/>
+              <a:gd name="connsiteX4" fmla="*/ 5963864 w 6957128"/>
+              <a:gd name="connsiteY4" fmla="*/ 963664 h 2858866"/>
+              <a:gd name="connsiteX5" fmla="*/ 6957128 w 6957128"/>
+              <a:gd name="connsiteY5" fmla="*/ 1450412 h 2858866"/>
+              <a:gd name="connsiteX0" fmla="*/ 0 w 6957128"/>
+              <a:gd name="connsiteY0" fmla="*/ 2871449 h 2871449"/>
+              <a:gd name="connsiteX1" fmla="*/ 2110216 w 6957128"/>
+              <a:gd name="connsiteY1" fmla="*/ 1734799 h 2871449"/>
+              <a:gd name="connsiteX2" fmla="*/ 4388819 w 6957128"/>
+              <a:gd name="connsiteY2" fmla="*/ 12769 h 2871449"/>
+              <a:gd name="connsiteX3" fmla="*/ 5963864 w 6957128"/>
+              <a:gd name="connsiteY3" fmla="*/ 976247 h 2871449"/>
+              <a:gd name="connsiteX4" fmla="*/ 6957128 w 6957128"/>
+              <a:gd name="connsiteY4" fmla="*/ 1462995 h 2871449"/>
+              <a:gd name="connsiteX0" fmla="*/ 0 w 6957128"/>
+              <a:gd name="connsiteY0" fmla="*/ 2870745 h 2870745"/>
+              <a:gd name="connsiteX1" fmla="*/ 2110216 w 6957128"/>
+              <a:gd name="connsiteY1" fmla="*/ 1734095 h 2870745"/>
+              <a:gd name="connsiteX2" fmla="*/ 4388819 w 6957128"/>
+              <a:gd name="connsiteY2" fmla="*/ 12065 h 2870745"/>
+              <a:gd name="connsiteX3" fmla="*/ 5963864 w 6957128"/>
+              <a:gd name="connsiteY3" fmla="*/ 975543 h 2870745"/>
+              <a:gd name="connsiteX4" fmla="*/ 6957128 w 6957128"/>
+              <a:gd name="connsiteY4" fmla="*/ 1462291 h 2870745"/>
+              <a:gd name="connsiteX0" fmla="*/ 0 w 6957128"/>
+              <a:gd name="connsiteY0" fmla="*/ 2870745 h 2870745"/>
+              <a:gd name="connsiteX1" fmla="*/ 2110216 w 6957128"/>
+              <a:gd name="connsiteY1" fmla="*/ 1734095 h 2870745"/>
+              <a:gd name="connsiteX2" fmla="*/ 4388819 w 6957128"/>
+              <a:gd name="connsiteY2" fmla="*/ 12065 h 2870745"/>
+              <a:gd name="connsiteX3" fmla="*/ 5963864 w 6957128"/>
+              <a:gd name="connsiteY3" fmla="*/ 975543 h 2870745"/>
+              <a:gd name="connsiteX4" fmla="*/ 6957128 w 6957128"/>
+              <a:gd name="connsiteY4" fmla="*/ 1462291 h 2870745"/>
+              <a:gd name="connsiteX0" fmla="*/ 0 w 6957128"/>
+              <a:gd name="connsiteY0" fmla="*/ 2870745 h 2870745"/>
+              <a:gd name="connsiteX1" fmla="*/ 2110216 w 6957128"/>
+              <a:gd name="connsiteY1" fmla="*/ 1734095 h 2870745"/>
+              <a:gd name="connsiteX2" fmla="*/ 4388819 w 6957128"/>
+              <a:gd name="connsiteY2" fmla="*/ 12065 h 2870745"/>
+              <a:gd name="connsiteX3" fmla="*/ 5963864 w 6957128"/>
+              <a:gd name="connsiteY3" fmla="*/ 975543 h 2870745"/>
+              <a:gd name="connsiteX4" fmla="*/ 6957128 w 6957128"/>
+              <a:gd name="connsiteY4" fmla="*/ 1462291 h 2870745"/>
+              <a:gd name="connsiteX0" fmla="*/ 0 w 6957128"/>
+              <a:gd name="connsiteY0" fmla="*/ 2872556 h 2872556"/>
+              <a:gd name="connsiteX1" fmla="*/ 2278891 w 6957128"/>
+              <a:gd name="connsiteY1" fmla="*/ 1798050 h 2872556"/>
+              <a:gd name="connsiteX2" fmla="*/ 4388819 w 6957128"/>
+              <a:gd name="connsiteY2" fmla="*/ 13876 h 2872556"/>
+              <a:gd name="connsiteX3" fmla="*/ 5963864 w 6957128"/>
+              <a:gd name="connsiteY3" fmla="*/ 977354 h 2872556"/>
+              <a:gd name="connsiteX4" fmla="*/ 6957128 w 6957128"/>
+              <a:gd name="connsiteY4" fmla="*/ 1464102 h 2872556"/>
+              <a:gd name="connsiteX0" fmla="*/ 0 w 6957128"/>
+              <a:gd name="connsiteY0" fmla="*/ 2872556 h 2872556"/>
+              <a:gd name="connsiteX1" fmla="*/ 2278891 w 6957128"/>
+              <a:gd name="connsiteY1" fmla="*/ 1798050 h 2872556"/>
+              <a:gd name="connsiteX2" fmla="*/ 4388819 w 6957128"/>
+              <a:gd name="connsiteY2" fmla="*/ 13876 h 2872556"/>
+              <a:gd name="connsiteX3" fmla="*/ 5963864 w 6957128"/>
+              <a:gd name="connsiteY3" fmla="*/ 977354 h 2872556"/>
+              <a:gd name="connsiteX4" fmla="*/ 6957128 w 6957128"/>
+              <a:gd name="connsiteY4" fmla="*/ 1464102 h 2872556"/>
+              <a:gd name="connsiteX0" fmla="*/ 0 w 6957128"/>
+              <a:gd name="connsiteY0" fmla="*/ 2872556 h 2872556"/>
+              <a:gd name="connsiteX1" fmla="*/ 2278891 w 6957128"/>
+              <a:gd name="connsiteY1" fmla="*/ 1798050 h 2872556"/>
+              <a:gd name="connsiteX2" fmla="*/ 4388819 w 6957128"/>
+              <a:gd name="connsiteY2" fmla="*/ 13876 h 2872556"/>
+              <a:gd name="connsiteX3" fmla="*/ 5963864 w 6957128"/>
+              <a:gd name="connsiteY3" fmla="*/ 977354 h 2872556"/>
+              <a:gd name="connsiteX4" fmla="*/ 6957128 w 6957128"/>
+              <a:gd name="connsiteY4" fmla="*/ 1464102 h 2872556"/>
+              <a:gd name="connsiteX0" fmla="*/ 0 w 6957128"/>
+              <a:gd name="connsiteY0" fmla="*/ 2858680 h 2858680"/>
+              <a:gd name="connsiteX1" fmla="*/ 2278891 w 6957128"/>
+              <a:gd name="connsiteY1" fmla="*/ 1784174 h 2858680"/>
+              <a:gd name="connsiteX2" fmla="*/ 4388819 w 6957128"/>
+              <a:gd name="connsiteY2" fmla="*/ 0 h 2858680"/>
+              <a:gd name="connsiteX3" fmla="*/ 5963864 w 6957128"/>
+              <a:gd name="connsiteY3" fmla="*/ 963478 h 2858680"/>
+              <a:gd name="connsiteX4" fmla="*/ 6957128 w 6957128"/>
+              <a:gd name="connsiteY4" fmla="*/ 1450226 h 2858680"/>
+              <a:gd name="connsiteX0" fmla="*/ 0 w 6957128"/>
+              <a:gd name="connsiteY0" fmla="*/ 2858680 h 2858680"/>
+              <a:gd name="connsiteX1" fmla="*/ 2278891 w 6957128"/>
+              <a:gd name="connsiteY1" fmla="*/ 1784174 h 2858680"/>
+              <a:gd name="connsiteX2" fmla="*/ 4388819 w 6957128"/>
+              <a:gd name="connsiteY2" fmla="*/ 0 h 2858680"/>
+              <a:gd name="connsiteX3" fmla="*/ 5963864 w 6957128"/>
+              <a:gd name="connsiteY3" fmla="*/ 963478 h 2858680"/>
+              <a:gd name="connsiteX4" fmla="*/ 6957128 w 6957128"/>
+              <a:gd name="connsiteY4" fmla="*/ 1450226 h 2858680"/>
+              <a:gd name="connsiteX0" fmla="*/ 0 w 6957128"/>
+              <a:gd name="connsiteY0" fmla="*/ 2858680 h 2858680"/>
+              <a:gd name="connsiteX1" fmla="*/ 2278891 w 6957128"/>
+              <a:gd name="connsiteY1" fmla="*/ 1784174 h 2858680"/>
+              <a:gd name="connsiteX2" fmla="*/ 4388819 w 6957128"/>
+              <a:gd name="connsiteY2" fmla="*/ 0 h 2858680"/>
+              <a:gd name="connsiteX3" fmla="*/ 5963864 w 6957128"/>
+              <a:gd name="connsiteY3" fmla="*/ 963478 h 2858680"/>
+              <a:gd name="connsiteX4" fmla="*/ 6957128 w 6957128"/>
+              <a:gd name="connsiteY4" fmla="*/ 1450226 h 2858680"/>
+              <a:gd name="connsiteX0" fmla="*/ 0 w 6957128"/>
+              <a:gd name="connsiteY0" fmla="*/ 2858680 h 2858680"/>
+              <a:gd name="connsiteX1" fmla="*/ 2278891 w 6957128"/>
+              <a:gd name="connsiteY1" fmla="*/ 1784174 h 2858680"/>
+              <a:gd name="connsiteX2" fmla="*/ 4388819 w 6957128"/>
+              <a:gd name="connsiteY2" fmla="*/ 0 h 2858680"/>
+              <a:gd name="connsiteX3" fmla="*/ 5963864 w 6957128"/>
+              <a:gd name="connsiteY3" fmla="*/ 963478 h 2858680"/>
+              <a:gd name="connsiteX4" fmla="*/ 6957128 w 6957128"/>
+              <a:gd name="connsiteY4" fmla="*/ 1450226 h 2858680"/>
+              <a:gd name="connsiteX0" fmla="*/ 0 w 6957128"/>
+              <a:gd name="connsiteY0" fmla="*/ 2858694 h 2858694"/>
+              <a:gd name="connsiteX1" fmla="*/ 2278891 w 6957128"/>
+              <a:gd name="connsiteY1" fmla="*/ 1784188 h 2858694"/>
+              <a:gd name="connsiteX2" fmla="*/ 4388819 w 6957128"/>
+              <a:gd name="connsiteY2" fmla="*/ 14 h 2858694"/>
+              <a:gd name="connsiteX3" fmla="*/ 5963864 w 6957128"/>
+              <a:gd name="connsiteY3" fmla="*/ 963492 h 2858694"/>
+              <a:gd name="connsiteX4" fmla="*/ 6957128 w 6957128"/>
+              <a:gd name="connsiteY4" fmla="*/ 1450240 h 2858694"/>
+              <a:gd name="connsiteX0" fmla="*/ 0 w 6957128"/>
+              <a:gd name="connsiteY0" fmla="*/ 2858696 h 2858696"/>
+              <a:gd name="connsiteX1" fmla="*/ 2278891 w 6957128"/>
+              <a:gd name="connsiteY1" fmla="*/ 1784190 h 2858696"/>
+              <a:gd name="connsiteX2" fmla="*/ 4388819 w 6957128"/>
+              <a:gd name="connsiteY2" fmla="*/ 16 h 2858696"/>
+              <a:gd name="connsiteX3" fmla="*/ 5963864 w 6957128"/>
+              <a:gd name="connsiteY3" fmla="*/ 963494 h 2858696"/>
+              <a:gd name="connsiteX4" fmla="*/ 6957128 w 6957128"/>
+              <a:gd name="connsiteY4" fmla="*/ 1450242 h 2858696"/>
+              <a:gd name="connsiteX0" fmla="*/ 0 w 6957128"/>
+              <a:gd name="connsiteY0" fmla="*/ 2860548 h 2860548"/>
+              <a:gd name="connsiteX1" fmla="*/ 2278891 w 6957128"/>
+              <a:gd name="connsiteY1" fmla="*/ 1786042 h 2860548"/>
+              <a:gd name="connsiteX2" fmla="*/ 4388819 w 6957128"/>
+              <a:gd name="connsiteY2" fmla="*/ 1868 h 2860548"/>
+              <a:gd name="connsiteX3" fmla="*/ 6957128 w 6957128"/>
+              <a:gd name="connsiteY3" fmla="*/ 1452094 h 2860548"/>
+              <a:gd name="connsiteX0" fmla="*/ 0 w 6957128"/>
+              <a:gd name="connsiteY0" fmla="*/ 2860619 h 2860619"/>
+              <a:gd name="connsiteX1" fmla="*/ 2278891 w 6957128"/>
+              <a:gd name="connsiteY1" fmla="*/ 1786113 h 2860619"/>
+              <a:gd name="connsiteX2" fmla="*/ 4388819 w 6957128"/>
+              <a:gd name="connsiteY2" fmla="*/ 1939 h 2860619"/>
+              <a:gd name="connsiteX3" fmla="*/ 6957128 w 6957128"/>
+              <a:gd name="connsiteY3" fmla="*/ 1452165 h 2860619"/>
+              <a:gd name="connsiteX0" fmla="*/ 0 w 6957128"/>
+              <a:gd name="connsiteY0" fmla="*/ 2860634 h 2860634"/>
+              <a:gd name="connsiteX1" fmla="*/ 2278891 w 6957128"/>
+              <a:gd name="connsiteY1" fmla="*/ 1786128 h 2860634"/>
+              <a:gd name="connsiteX2" fmla="*/ 4388819 w 6957128"/>
+              <a:gd name="connsiteY2" fmla="*/ 1954 h 2860634"/>
+              <a:gd name="connsiteX3" fmla="*/ 6957128 w 6957128"/>
+              <a:gd name="connsiteY3" fmla="*/ 1452180 h 2860634"/>
+              <a:gd name="connsiteX0" fmla="*/ 0 w 6957128"/>
+              <a:gd name="connsiteY0" fmla="*/ 2858747 h 2858747"/>
+              <a:gd name="connsiteX1" fmla="*/ 2278891 w 6957128"/>
+              <a:gd name="connsiteY1" fmla="*/ 1784241 h 2858747"/>
+              <a:gd name="connsiteX2" fmla="*/ 4388819 w 6957128"/>
+              <a:gd name="connsiteY2" fmla="*/ 67 h 2858747"/>
+              <a:gd name="connsiteX3" fmla="*/ 6957128 w 6957128"/>
+              <a:gd name="connsiteY3" fmla="*/ 1450293 h 2858747"/>
+              <a:gd name="connsiteX0" fmla="*/ 0 w 6957128"/>
+              <a:gd name="connsiteY0" fmla="*/ 2858723 h 2858723"/>
+              <a:gd name="connsiteX1" fmla="*/ 2278891 w 6957128"/>
+              <a:gd name="connsiteY1" fmla="*/ 1784217 h 2858723"/>
+              <a:gd name="connsiteX2" fmla="*/ 4388819 w 6957128"/>
+              <a:gd name="connsiteY2" fmla="*/ 43 h 2858723"/>
+              <a:gd name="connsiteX3" fmla="*/ 6957128 w 6957128"/>
+              <a:gd name="connsiteY3" fmla="*/ 1450269 h 2858723"/>
+              <a:gd name="connsiteX0" fmla="*/ 0 w 6957128"/>
+              <a:gd name="connsiteY0" fmla="*/ 2858721 h 2858721"/>
+              <a:gd name="connsiteX1" fmla="*/ 2278891 w 6957128"/>
+              <a:gd name="connsiteY1" fmla="*/ 1784215 h 2858721"/>
+              <a:gd name="connsiteX2" fmla="*/ 4388819 w 6957128"/>
+              <a:gd name="connsiteY2" fmla="*/ 41 h 2858721"/>
+              <a:gd name="connsiteX3" fmla="*/ 6957128 w 6957128"/>
+              <a:gd name="connsiteY3" fmla="*/ 1450267 h 2858721"/>
+              <a:gd name="connsiteX0" fmla="*/ 0 w 6957128"/>
+              <a:gd name="connsiteY0" fmla="*/ 2858727 h 2858727"/>
+              <a:gd name="connsiteX1" fmla="*/ 2278891 w 6957128"/>
+              <a:gd name="connsiteY1" fmla="*/ 1784221 h 2858727"/>
+              <a:gd name="connsiteX2" fmla="*/ 4388819 w 6957128"/>
+              <a:gd name="connsiteY2" fmla="*/ 47 h 2858727"/>
+              <a:gd name="connsiteX3" fmla="*/ 6957128 w 6957128"/>
+              <a:gd name="connsiteY3" fmla="*/ 1450273 h 2858727"/>
+              <a:gd name="connsiteX0" fmla="*/ 0 w 6957128"/>
+              <a:gd name="connsiteY0" fmla="*/ 2858727 h 2858727"/>
+              <a:gd name="connsiteX1" fmla="*/ 2278891 w 6957128"/>
+              <a:gd name="connsiteY1" fmla="*/ 1784221 h 2858727"/>
+              <a:gd name="connsiteX2" fmla="*/ 4388819 w 6957128"/>
+              <a:gd name="connsiteY2" fmla="*/ 47 h 2858727"/>
+              <a:gd name="connsiteX3" fmla="*/ 6957128 w 6957128"/>
+              <a:gd name="connsiteY3" fmla="*/ 1450273 h 2858727"/>
+              <a:gd name="connsiteX0" fmla="*/ 0 w 6957128"/>
+              <a:gd name="connsiteY0" fmla="*/ 2858727 h 2858727"/>
+              <a:gd name="connsiteX1" fmla="*/ 2278891 w 6957128"/>
+              <a:gd name="connsiteY1" fmla="*/ 1784221 h 2858727"/>
+              <a:gd name="connsiteX2" fmla="*/ 4388819 w 6957128"/>
+              <a:gd name="connsiteY2" fmla="*/ 47 h 2858727"/>
+              <a:gd name="connsiteX3" fmla="*/ 6957128 w 6957128"/>
+              <a:gd name="connsiteY3" fmla="*/ 1450273 h 2858727"/>
+              <a:gd name="connsiteX4" fmla="*/ 0 w 6957128"/>
+              <a:gd name="connsiteY4" fmla="*/ 2858727 h 2858727"/>
+              <a:gd name="connsiteX0" fmla="*/ 0 w 6957328"/>
+              <a:gd name="connsiteY0" fmla="*/ 2858727 h 2858727"/>
+              <a:gd name="connsiteX1" fmla="*/ 2278891 w 6957328"/>
+              <a:gd name="connsiteY1" fmla="*/ 1784221 h 2858727"/>
+              <a:gd name="connsiteX2" fmla="*/ 4388819 w 6957328"/>
+              <a:gd name="connsiteY2" fmla="*/ 47 h 2858727"/>
+              <a:gd name="connsiteX3" fmla="*/ 6957128 w 6957328"/>
+              <a:gd name="connsiteY3" fmla="*/ 1450273 h 2858727"/>
+              <a:gd name="connsiteX4" fmla="*/ 4261321 w 6957328"/>
+              <a:gd name="connsiteY4" fmla="*/ 1998140 h 2858727"/>
+              <a:gd name="connsiteX5" fmla="*/ 0 w 6957328"/>
+              <a:gd name="connsiteY5" fmla="*/ 2858727 h 2858727"/>
+              <a:gd name="connsiteX0" fmla="*/ 0 w 6957328"/>
+              <a:gd name="connsiteY0" fmla="*/ 2858727 h 2858727"/>
+              <a:gd name="connsiteX1" fmla="*/ 2278891 w 6957328"/>
+              <a:gd name="connsiteY1" fmla="*/ 1784221 h 2858727"/>
+              <a:gd name="connsiteX2" fmla="*/ 4388819 w 6957328"/>
+              <a:gd name="connsiteY2" fmla="*/ 47 h 2858727"/>
+              <a:gd name="connsiteX3" fmla="*/ 6957128 w 6957328"/>
+              <a:gd name="connsiteY3" fmla="*/ 1450273 h 2858727"/>
+              <a:gd name="connsiteX4" fmla="*/ 4261321 w 6957328"/>
+              <a:gd name="connsiteY4" fmla="*/ 1998140 h 2858727"/>
+              <a:gd name="connsiteX5" fmla="*/ 2420348 w 6957328"/>
+              <a:gd name="connsiteY5" fmla="*/ 2373354 h 2858727"/>
+              <a:gd name="connsiteX6" fmla="*/ 0 w 6957328"/>
+              <a:gd name="connsiteY6" fmla="*/ 2858727 h 2858727"/>
+              <a:gd name="connsiteX0" fmla="*/ 0 w 6957128"/>
+              <a:gd name="connsiteY0" fmla="*/ 2858727 h 2858727"/>
+              <a:gd name="connsiteX1" fmla="*/ 2278891 w 6957128"/>
+              <a:gd name="connsiteY1" fmla="*/ 1784221 h 2858727"/>
+              <a:gd name="connsiteX2" fmla="*/ 4388819 w 6957128"/>
+              <a:gd name="connsiteY2" fmla="*/ 47 h 2858727"/>
+              <a:gd name="connsiteX3" fmla="*/ 6957128 w 6957128"/>
+              <a:gd name="connsiteY3" fmla="*/ 1450273 h 2858727"/>
+              <a:gd name="connsiteX4" fmla="*/ 4860953 w 6957128"/>
+              <a:gd name="connsiteY4" fmla="*/ 1851715 h 2858727"/>
+              <a:gd name="connsiteX5" fmla="*/ 4261321 w 6957128"/>
+              <a:gd name="connsiteY5" fmla="*/ 1998140 h 2858727"/>
+              <a:gd name="connsiteX6" fmla="*/ 2420348 w 6957128"/>
+              <a:gd name="connsiteY6" fmla="*/ 2373354 h 2858727"/>
+              <a:gd name="connsiteX7" fmla="*/ 0 w 6957128"/>
+              <a:gd name="connsiteY7" fmla="*/ 2858727 h 2858727"/>
+              <a:gd name="connsiteX0" fmla="*/ 0 w 6957128"/>
+              <a:gd name="connsiteY0" fmla="*/ 2858727 h 2858727"/>
+              <a:gd name="connsiteX1" fmla="*/ 2278891 w 6957128"/>
+              <a:gd name="connsiteY1" fmla="*/ 1784221 h 2858727"/>
+              <a:gd name="connsiteX2" fmla="*/ 4388819 w 6957128"/>
+              <a:gd name="connsiteY2" fmla="*/ 47 h 2858727"/>
+              <a:gd name="connsiteX3" fmla="*/ 6957128 w 6957128"/>
+              <a:gd name="connsiteY3" fmla="*/ 1450273 h 2858727"/>
+              <a:gd name="connsiteX4" fmla="*/ 4261321 w 6957128"/>
+              <a:gd name="connsiteY4" fmla="*/ 1998140 h 2858727"/>
+              <a:gd name="connsiteX5" fmla="*/ 2420348 w 6957128"/>
+              <a:gd name="connsiteY5" fmla="*/ 2373354 h 2858727"/>
+              <a:gd name="connsiteX6" fmla="*/ 0 w 6957128"/>
+              <a:gd name="connsiteY6" fmla="*/ 2858727 h 2858727"/>
+              <a:gd name="connsiteX0" fmla="*/ 0 w 6957128"/>
+              <a:gd name="connsiteY0" fmla="*/ 2858727 h 2858727"/>
+              <a:gd name="connsiteX1" fmla="*/ 2278891 w 6957128"/>
+              <a:gd name="connsiteY1" fmla="*/ 1784221 h 2858727"/>
+              <a:gd name="connsiteX2" fmla="*/ 4388819 w 6957128"/>
+              <a:gd name="connsiteY2" fmla="*/ 47 h 2858727"/>
+              <a:gd name="connsiteX3" fmla="*/ 6957128 w 6957128"/>
+              <a:gd name="connsiteY3" fmla="*/ 1450273 h 2858727"/>
+              <a:gd name="connsiteX4" fmla="*/ 4261321 w 6957128"/>
+              <a:gd name="connsiteY4" fmla="*/ 1998140 h 2858727"/>
+              <a:gd name="connsiteX5" fmla="*/ 0 w 6957128"/>
+              <a:gd name="connsiteY5" fmla="*/ 2858727 h 2858727"/>
+              <a:gd name="connsiteX0" fmla="*/ 0 w 7038562"/>
+              <a:gd name="connsiteY0" fmla="*/ 2858727 h 3288510"/>
+              <a:gd name="connsiteX1" fmla="*/ 2278891 w 7038562"/>
+              <a:gd name="connsiteY1" fmla="*/ 1784221 h 3288510"/>
+              <a:gd name="connsiteX2" fmla="*/ 4388819 w 7038562"/>
+              <a:gd name="connsiteY2" fmla="*/ 47 h 3288510"/>
+              <a:gd name="connsiteX3" fmla="*/ 6957128 w 7038562"/>
+              <a:gd name="connsiteY3" fmla="*/ 1450273 h 3288510"/>
+              <a:gd name="connsiteX4" fmla="*/ 7038562 w 7038562"/>
+              <a:gd name="connsiteY4" fmla="*/ 3288510 h 3288510"/>
+              <a:gd name="connsiteX5" fmla="*/ 0 w 7038562"/>
+              <a:gd name="connsiteY5" fmla="*/ 2858727 h 3288510"/>
+              <a:gd name="connsiteX0" fmla="*/ 0 w 7038562"/>
+              <a:gd name="connsiteY0" fmla="*/ 2858727 h 3288510"/>
+              <a:gd name="connsiteX1" fmla="*/ 2278891 w 7038562"/>
+              <a:gd name="connsiteY1" fmla="*/ 1784221 h 3288510"/>
+              <a:gd name="connsiteX2" fmla="*/ 4388819 w 7038562"/>
+              <a:gd name="connsiteY2" fmla="*/ 47 h 3288510"/>
+              <a:gd name="connsiteX3" fmla="*/ 6957128 w 7038562"/>
+              <a:gd name="connsiteY3" fmla="*/ 1450273 h 3288510"/>
+              <a:gd name="connsiteX4" fmla="*/ 7038562 w 7038562"/>
+              <a:gd name="connsiteY4" fmla="*/ 3288510 h 3288510"/>
+              <a:gd name="connsiteX5" fmla="*/ 1052767 w 7038562"/>
+              <a:gd name="connsiteY5" fmla="*/ 2931599 h 3288510"/>
+              <a:gd name="connsiteX6" fmla="*/ 0 w 7038562"/>
+              <a:gd name="connsiteY6" fmla="*/ 2858727 h 3288510"/>
+              <a:gd name="connsiteX0" fmla="*/ 609369 w 7647931"/>
+              <a:gd name="connsiteY0" fmla="*/ 2858727 h 3380025"/>
+              <a:gd name="connsiteX1" fmla="*/ 2888260 w 7647931"/>
+              <a:gd name="connsiteY1" fmla="*/ 1784221 h 3380025"/>
+              <a:gd name="connsiteX2" fmla="*/ 4998188 w 7647931"/>
+              <a:gd name="connsiteY2" fmla="*/ 47 h 3380025"/>
+              <a:gd name="connsiteX3" fmla="*/ 7566497 w 7647931"/>
+              <a:gd name="connsiteY3" fmla="*/ 1450273 h 3380025"/>
+              <a:gd name="connsiteX4" fmla="*/ 7647931 w 7647931"/>
+              <a:gd name="connsiteY4" fmla="*/ 3288510 h 3380025"/>
+              <a:gd name="connsiteX5" fmla="*/ 0 w 7647931"/>
+              <a:gd name="connsiteY5" fmla="*/ 3380025 h 3380025"/>
+              <a:gd name="connsiteX6" fmla="*/ 609369 w 7647931"/>
+              <a:gd name="connsiteY6" fmla="*/ 2858727 h 3380025"/>
+              <a:gd name="connsiteX0" fmla="*/ 609369 w 7647931"/>
+              <a:gd name="connsiteY0" fmla="*/ 2858727 h 3380025"/>
+              <a:gd name="connsiteX1" fmla="*/ 2888260 w 7647931"/>
+              <a:gd name="connsiteY1" fmla="*/ 1784221 h 3380025"/>
+              <a:gd name="connsiteX2" fmla="*/ 4998188 w 7647931"/>
+              <a:gd name="connsiteY2" fmla="*/ 47 h 3380025"/>
+              <a:gd name="connsiteX3" fmla="*/ 7566497 w 7647931"/>
+              <a:gd name="connsiteY3" fmla="*/ 1450273 h 3380025"/>
+              <a:gd name="connsiteX4" fmla="*/ 7647931 w 7647931"/>
+              <a:gd name="connsiteY4" fmla="*/ 3288510 h 3380025"/>
+              <a:gd name="connsiteX5" fmla="*/ 0 w 7647931"/>
+              <a:gd name="connsiteY5" fmla="*/ 3380025 h 3380025"/>
+              <a:gd name="connsiteX6" fmla="*/ 609369 w 7647931"/>
+              <a:gd name="connsiteY6" fmla="*/ 2858727 h 3380025"/>
+              <a:gd name="connsiteX0" fmla="*/ 609369 w 7647931"/>
+              <a:gd name="connsiteY0" fmla="*/ 2858727 h 3380025"/>
+              <a:gd name="connsiteX1" fmla="*/ 2888260 w 7647931"/>
+              <a:gd name="connsiteY1" fmla="*/ 1784221 h 3380025"/>
+              <a:gd name="connsiteX2" fmla="*/ 4998188 w 7647931"/>
+              <a:gd name="connsiteY2" fmla="*/ 47 h 3380025"/>
+              <a:gd name="connsiteX3" fmla="*/ 7566497 w 7647931"/>
+              <a:gd name="connsiteY3" fmla="*/ 1450273 h 3380025"/>
+              <a:gd name="connsiteX4" fmla="*/ 7647931 w 7647931"/>
+              <a:gd name="connsiteY4" fmla="*/ 3288510 h 3380025"/>
+              <a:gd name="connsiteX5" fmla="*/ 0 w 7647931"/>
+              <a:gd name="connsiteY5" fmla="*/ 3380025 h 3380025"/>
+              <a:gd name="connsiteX6" fmla="*/ 609369 w 7647931"/>
+              <a:gd name="connsiteY6" fmla="*/ 2858727 h 3380025"/>
+              <a:gd name="connsiteX0" fmla="*/ 609369 w 7647931"/>
+              <a:gd name="connsiteY0" fmla="*/ 2858727 h 3380025"/>
+              <a:gd name="connsiteX1" fmla="*/ 2888260 w 7647931"/>
+              <a:gd name="connsiteY1" fmla="*/ 1784221 h 3380025"/>
+              <a:gd name="connsiteX2" fmla="*/ 4998188 w 7647931"/>
+              <a:gd name="connsiteY2" fmla="*/ 47 h 3380025"/>
+              <a:gd name="connsiteX3" fmla="*/ 7566497 w 7647931"/>
+              <a:gd name="connsiteY3" fmla="*/ 1450273 h 3380025"/>
+              <a:gd name="connsiteX4" fmla="*/ 7647931 w 7647931"/>
+              <a:gd name="connsiteY4" fmla="*/ 3288510 h 3380025"/>
+              <a:gd name="connsiteX5" fmla="*/ 0 w 7647931"/>
+              <a:gd name="connsiteY5" fmla="*/ 3380025 h 3380025"/>
+              <a:gd name="connsiteX6" fmla="*/ 609369 w 7647931"/>
+              <a:gd name="connsiteY6" fmla="*/ 2858727 h 3380025"/>
+              <a:gd name="connsiteX0" fmla="*/ 7647931 w 7734194"/>
+              <a:gd name="connsiteY0" fmla="*/ 3288510 h 3380025"/>
+              <a:gd name="connsiteX1" fmla="*/ 0 w 7734194"/>
+              <a:gd name="connsiteY1" fmla="*/ 3380025 h 3380025"/>
+              <a:gd name="connsiteX2" fmla="*/ 609369 w 7734194"/>
+              <a:gd name="connsiteY2" fmla="*/ 2858727 h 3380025"/>
+              <a:gd name="connsiteX3" fmla="*/ 2888260 w 7734194"/>
+              <a:gd name="connsiteY3" fmla="*/ 1784221 h 3380025"/>
+              <a:gd name="connsiteX4" fmla="*/ 4998188 w 7734194"/>
+              <a:gd name="connsiteY4" fmla="*/ 47 h 3380025"/>
+              <a:gd name="connsiteX5" fmla="*/ 7566497 w 7734194"/>
+              <a:gd name="connsiteY5" fmla="*/ 1450273 h 3380025"/>
+              <a:gd name="connsiteX6" fmla="*/ 7734194 w 7734194"/>
+              <a:gd name="connsiteY6" fmla="*/ 3363553 h 3380025"/>
+              <a:gd name="connsiteX0" fmla="*/ 7647931 w 7647931"/>
+              <a:gd name="connsiteY0" fmla="*/ 3288510 h 3380025"/>
+              <a:gd name="connsiteX1" fmla="*/ 0 w 7647931"/>
+              <a:gd name="connsiteY1" fmla="*/ 3380025 h 3380025"/>
+              <a:gd name="connsiteX2" fmla="*/ 609369 w 7647931"/>
+              <a:gd name="connsiteY2" fmla="*/ 2858727 h 3380025"/>
+              <a:gd name="connsiteX3" fmla="*/ 2888260 w 7647931"/>
+              <a:gd name="connsiteY3" fmla="*/ 1784221 h 3380025"/>
+              <a:gd name="connsiteX4" fmla="*/ 4998188 w 7647931"/>
+              <a:gd name="connsiteY4" fmla="*/ 47 h 3380025"/>
+              <a:gd name="connsiteX5" fmla="*/ 7566497 w 7647931"/>
+              <a:gd name="connsiteY5" fmla="*/ 1450273 h 3380025"/>
+              <a:gd name="connsiteX0" fmla="*/ 0 w 7566497"/>
+              <a:gd name="connsiteY0" fmla="*/ 3380025 h 3380025"/>
+              <a:gd name="connsiteX1" fmla="*/ 609369 w 7566497"/>
+              <a:gd name="connsiteY1" fmla="*/ 2858727 h 3380025"/>
+              <a:gd name="connsiteX2" fmla="*/ 2888260 w 7566497"/>
+              <a:gd name="connsiteY2" fmla="*/ 1784221 h 3380025"/>
+              <a:gd name="connsiteX3" fmla="*/ 4998188 w 7566497"/>
+              <a:gd name="connsiteY3" fmla="*/ 47 h 3380025"/>
+              <a:gd name="connsiteX4" fmla="*/ 7566497 w 7566497"/>
+              <a:gd name="connsiteY4" fmla="*/ 1450273 h 3380025"/>
+              <a:gd name="connsiteX0" fmla="*/ 0 w 6957128"/>
+              <a:gd name="connsiteY0" fmla="*/ 2858727 h 2858727"/>
+              <a:gd name="connsiteX1" fmla="*/ 2278891 w 6957128"/>
+              <a:gd name="connsiteY1" fmla="*/ 1784221 h 2858727"/>
+              <a:gd name="connsiteX2" fmla="*/ 4388819 w 6957128"/>
+              <a:gd name="connsiteY2" fmla="*/ 47 h 2858727"/>
+              <a:gd name="connsiteX3" fmla="*/ 6957128 w 6957128"/>
+              <a:gd name="connsiteY3" fmla="*/ 1450273 h 2858727"/>
+            </a:gdLst>
+            <a:ahLst/>
+            <a:cxnLst>
+              <a:cxn ang="0">
+                <a:pos x="connsiteX0" y="connsiteY0"/>
+              </a:cxn>
+              <a:cxn ang="0">
+                <a:pos x="connsiteX1" y="connsiteY1"/>
+              </a:cxn>
+              <a:cxn ang="0">
+                <a:pos x="connsiteX2" y="connsiteY2"/>
+              </a:cxn>
+              <a:cxn ang="0">
+                <a:pos x="connsiteX3" y="connsiteY3"/>
+              </a:cxn>
+            </a:cxnLst>
+            <a:rect l="l" t="t" r="r" b="b"/>
+            <a:pathLst>
+              <a:path w="6957128" h="2858727">
+                <a:moveTo>
+                  <a:pt x="0" y="2858727"/>
+                </a:moveTo>
+                <a:cubicBezTo>
+                  <a:pt x="789222" y="2766887"/>
+                  <a:pt x="1579339" y="2459536"/>
+                  <a:pt x="2278891" y="1784221"/>
+                </a:cubicBezTo>
+                <a:cubicBezTo>
+                  <a:pt x="2978443" y="1108906"/>
+                  <a:pt x="3472354" y="-8355"/>
+                  <a:pt x="4388819" y="47"/>
+                </a:cubicBezTo>
+                <a:cubicBezTo>
+                  <a:pt x="5305284" y="8449"/>
+                  <a:pt x="5336404" y="1068907"/>
+                  <a:pt x="6957128" y="1450273"/>
+                </a:cubicBezTo>
+              </a:path>
+            </a:pathLst>
+          </a:custGeom>
+          <a:noFill/>
+          <a:ln w="38100" cap="rnd">
+            <a:solidFill>
+              <a:schemeClr val="tx1"/>
+            </a:solidFill>
+          </a:ln>
+        </p:spPr>
+        <p:style>
+          <a:lnRef idx="2">
+            <a:schemeClr val="accent1">
+              <a:shade val="50000"/>
+            </a:schemeClr>
+          </a:lnRef>
+          <a:fillRef idx="1">
+            <a:schemeClr val="accent1"/>
+          </a:fillRef>
+          <a:effectRef idx="0">
+            <a:schemeClr val="accent1"/>
+          </a:effectRef>
+          <a:fontRef idx="minor">
+            <a:schemeClr val="lt1"/>
+          </a:fontRef>
+        </p:style>
+        <p:txBody>
+          <a:bodyPr rtlCol="0" anchor="ctr"/>
+          <a:lstStyle/>
+          <a:p>
+            <a:pPr algn="ctr"/>
+            <a:endParaRPr lang="en-US">
+              <a:solidFill>
+                <a:schemeClr val="tx1"/>
+              </a:solidFill>
+              <a:latin typeface="Times New Roman" panose="02020603050405020304" pitchFamily="18" charset="0"/>
+              <a:cs typeface="Times New Roman" panose="02020603050405020304" pitchFamily="18" charset="0"/>
+            </a:endParaRPr>
+          </a:p>
+        </p:txBody>
+      </p:sp>
+      <p:sp>
+        <p:nvSpPr>
+          <p:cNvPr id="22" name="TextBox 21">
+            <a:extLst>
+              <a:ext uri="{FF2B5EF4-FFF2-40B4-BE49-F238E27FC236}">
+                <a16:creationId xmlns:a16="http://schemas.microsoft.com/office/drawing/2014/main" id="{F527DF82-C99E-4AB0-9060-73C1596A9987}"/>
+              </a:ext>
+            </a:extLst>
+          </p:cNvPr>
+          <p:cNvSpPr txBox="1"/>
+          <p:nvPr/>
+        </p:nvSpPr>
+        <p:spPr>
+          <a:xfrm>
+            <a:off x="882541" y="987512"/>
+            <a:ext cx="2031326" cy="369332"/>
+          </a:xfrm>
+          <a:prstGeom prst="rect">
+            <a:avLst/>
+          </a:prstGeom>
+          <a:noFill/>
+          <a:ln>
+            <a:noFill/>
+          </a:ln>
+        </p:spPr>
+        <p:txBody>
+          <a:bodyPr wrap="none" rtlCol="0">
+            <a:spAutoFit/>
+          </a:bodyPr>
+          <a:lstStyle>
+            <a:defPPr>
+              <a:defRPr lang="fa-IR"/>
+            </a:defPPr>
+            <a:lvl1pPr algn="ctr">
+              <a:defRPr b="1">
+                <a:latin typeface="Times New Roman" panose="02020603050405020304" pitchFamily="18" charset="0"/>
+                <a:cs typeface="Times New Roman" panose="02020603050405020304" pitchFamily="18" charset="0"/>
+              </a:defRPr>
+            </a:lvl1pPr>
+          </a:lstStyle>
+          <a:p>
+            <a:r>
+              <a:rPr lang="en-US" dirty="0"/>
+              <a:t>INTRODUCTION</a:t>
+            </a:r>
+          </a:p>
+        </p:txBody>
+      </p:sp>
+      <p:sp>
+        <p:nvSpPr>
+          <p:cNvPr id="23" name="TextBox 22">
+            <a:extLst>
+              <a:ext uri="{FF2B5EF4-FFF2-40B4-BE49-F238E27FC236}">
+                <a16:creationId xmlns:a16="http://schemas.microsoft.com/office/drawing/2014/main" id="{C05EB2AB-2508-4F9E-880A-7B0290AE7D23}"/>
+              </a:ext>
+            </a:extLst>
+          </p:cNvPr>
+          <p:cNvSpPr txBox="1"/>
+          <p:nvPr/>
+        </p:nvSpPr>
+        <p:spPr>
+          <a:xfrm>
+            <a:off x="3446780" y="990600"/>
+            <a:ext cx="1274708" cy="369332"/>
+          </a:xfrm>
+          <a:prstGeom prst="rect">
+            <a:avLst/>
+          </a:prstGeom>
+          <a:noFill/>
+          <a:ln>
+            <a:noFill/>
+          </a:ln>
+        </p:spPr>
+        <p:txBody>
+          <a:bodyPr wrap="none" rtlCol="0">
+            <a:spAutoFit/>
+          </a:bodyPr>
+          <a:lstStyle>
+            <a:defPPr>
+              <a:defRPr lang="fa-IR"/>
+            </a:defPPr>
+            <a:lvl1pPr algn="ctr">
+              <a:defRPr b="1">
+                <a:latin typeface="Times New Roman" panose="02020603050405020304" pitchFamily="18" charset="0"/>
+                <a:cs typeface="Times New Roman" panose="02020603050405020304" pitchFamily="18" charset="0"/>
+              </a:defRPr>
+            </a:lvl1pPr>
+          </a:lstStyle>
+          <a:p>
+            <a:r>
+              <a:rPr lang="en-US" dirty="0"/>
+              <a:t>GROWTH</a:t>
+            </a:r>
+          </a:p>
+        </p:txBody>
+      </p:sp>
+      <p:sp>
+        <p:nvSpPr>
+          <p:cNvPr id="24" name="TextBox 23">
+            <a:extLst>
+              <a:ext uri="{FF2B5EF4-FFF2-40B4-BE49-F238E27FC236}">
+                <a16:creationId xmlns:a16="http://schemas.microsoft.com/office/drawing/2014/main" id="{0FBC2EBC-3F1D-4A7C-908B-939420812836}"/>
+              </a:ext>
+            </a:extLst>
+          </p:cNvPr>
+          <p:cNvSpPr txBox="1"/>
+          <p:nvPr/>
+        </p:nvSpPr>
+        <p:spPr>
+          <a:xfrm>
+            <a:off x="5709453" y="991118"/>
+            <a:ext cx="1449949" cy="369332"/>
+          </a:xfrm>
+          <a:prstGeom prst="rect">
+            <a:avLst/>
+          </a:prstGeom>
+          <a:noFill/>
+          <a:ln>
+            <a:noFill/>
+          </a:ln>
+        </p:spPr>
+        <p:txBody>
+          <a:bodyPr wrap="none" rtlCol="0">
+            <a:spAutoFit/>
+          </a:bodyPr>
+          <a:lstStyle>
+            <a:defPPr>
+              <a:defRPr lang="fa-IR"/>
+            </a:defPPr>
+            <a:lvl1pPr algn="ctr">
+              <a:defRPr b="1">
+                <a:latin typeface="Times New Roman" panose="02020603050405020304" pitchFamily="18" charset="0"/>
+                <a:cs typeface="Times New Roman" panose="02020603050405020304" pitchFamily="18" charset="0"/>
+              </a:defRPr>
+            </a:lvl1pPr>
+          </a:lstStyle>
+          <a:p>
+            <a:r>
+              <a:rPr lang="en-US" dirty="0"/>
+              <a:t>MATURITY</a:t>
+            </a:r>
+          </a:p>
+        </p:txBody>
+      </p:sp>
+      <p:sp>
+        <p:nvSpPr>
+          <p:cNvPr id="25" name="TextBox 24">
+            <a:extLst>
+              <a:ext uri="{FF2B5EF4-FFF2-40B4-BE49-F238E27FC236}">
+                <a16:creationId xmlns:a16="http://schemas.microsoft.com/office/drawing/2014/main" id="{A2A154F0-3A53-40EA-8BD9-9EA19D30D251}"/>
+              </a:ext>
+            </a:extLst>
+          </p:cNvPr>
+          <p:cNvSpPr txBox="1"/>
+          <p:nvPr/>
+        </p:nvSpPr>
+        <p:spPr>
+          <a:xfrm>
+            <a:off x="8645874" y="990600"/>
+            <a:ext cx="1236236" cy="369332"/>
+          </a:xfrm>
+          <a:prstGeom prst="rect">
+            <a:avLst/>
+          </a:prstGeom>
+          <a:noFill/>
+          <a:ln>
+            <a:noFill/>
+          </a:ln>
+        </p:spPr>
+        <p:txBody>
+          <a:bodyPr wrap="none" rtlCol="0">
+            <a:spAutoFit/>
+          </a:bodyPr>
+          <a:lstStyle>
+            <a:defPPr>
+              <a:defRPr lang="fa-IR"/>
+            </a:defPPr>
+            <a:lvl1pPr algn="ctr">
+              <a:defRPr b="1">
+                <a:latin typeface="Times New Roman" panose="02020603050405020304" pitchFamily="18" charset="0"/>
+                <a:cs typeface="Times New Roman" panose="02020603050405020304" pitchFamily="18" charset="0"/>
+              </a:defRPr>
+            </a:lvl1pPr>
+          </a:lstStyle>
+          <a:p>
+            <a:r>
+              <a:rPr lang="en-US" dirty="0"/>
+              <a:t>DECLINE</a:t>
+            </a:r>
+          </a:p>
+        </p:txBody>
+      </p:sp>
+      <p:cxnSp>
+        <p:nvCxnSpPr>
+          <p:cNvPr id="26" name="Straight Arrow Connector 25">
+            <a:extLst>
+              <a:ext uri="{FF2B5EF4-FFF2-40B4-BE49-F238E27FC236}">
+                <a16:creationId xmlns:a16="http://schemas.microsoft.com/office/drawing/2014/main" id="{888815A2-7A96-435B-B0C0-4E1396380C2E}"/>
+              </a:ext>
+            </a:extLst>
+          </p:cNvPr>
+          <p:cNvCxnSpPr>
+            <a:cxnSpLocks/>
+            <a:endCxn id="28" idx="1"/>
+          </p:cNvCxnSpPr>
+          <p:nvPr/>
+        </p:nvCxnSpPr>
+        <p:spPr>
+          <a:xfrm flipV="1">
+            <a:off x="577535" y="6104144"/>
+            <a:ext cx="10764425" cy="75537"/>
+          </a:xfrm>
+          <a:prstGeom prst="straightConnector1">
+            <a:avLst/>
+          </a:prstGeom>
+          <a:ln w="22225" cap="rnd">
+            <a:solidFill>
+              <a:schemeClr val="tx1"/>
+            </a:solidFill>
+            <a:tailEnd type="arrow"/>
+          </a:ln>
+        </p:spPr>
+        <p:style>
+          <a:lnRef idx="1">
+            <a:schemeClr val="accent1"/>
+          </a:lnRef>
+          <a:fillRef idx="0">
+            <a:schemeClr val="accent1"/>
+          </a:fillRef>
+          <a:effectRef idx="0">
+            <a:schemeClr val="accent1"/>
+          </a:effectRef>
+          <a:fontRef idx="minor">
+            <a:schemeClr val="tx1"/>
+          </a:fontRef>
+        </p:style>
+      </p:cxnSp>
+      <p:cxnSp>
+        <p:nvCxnSpPr>
+          <p:cNvPr id="27" name="Straight Arrow Connector 26">
+            <a:extLst>
+              <a:ext uri="{FF2B5EF4-FFF2-40B4-BE49-F238E27FC236}">
+                <a16:creationId xmlns:a16="http://schemas.microsoft.com/office/drawing/2014/main" id="{89B36DB4-F742-49E8-9183-22C8D7CB42B1}"/>
+              </a:ext>
+            </a:extLst>
+          </p:cNvPr>
+          <p:cNvCxnSpPr>
+            <a:cxnSpLocks/>
+            <a:endCxn id="29" idx="3"/>
+          </p:cNvCxnSpPr>
+          <p:nvPr/>
+        </p:nvCxnSpPr>
+        <p:spPr>
+          <a:xfrm flipH="1" flipV="1">
+            <a:off x="559778" y="1245104"/>
+            <a:ext cx="2" cy="4927096"/>
+          </a:xfrm>
+          <a:prstGeom prst="straightConnector1">
+            <a:avLst/>
+          </a:prstGeom>
+          <a:ln w="22225" cap="rnd">
+            <a:solidFill>
+              <a:schemeClr val="tx1"/>
+            </a:solidFill>
+            <a:tailEnd type="arrow"/>
+          </a:ln>
+        </p:spPr>
+        <p:style>
+          <a:lnRef idx="1">
+            <a:schemeClr val="accent1"/>
+          </a:lnRef>
+          <a:fillRef idx="0">
+            <a:schemeClr val="accent1"/>
+          </a:fillRef>
+          <a:effectRef idx="0">
+            <a:schemeClr val="accent1"/>
+          </a:effectRef>
+          <a:fontRef idx="minor">
+            <a:schemeClr val="tx1"/>
+          </a:fontRef>
+        </p:style>
+      </p:cxnSp>
+      <p:sp>
+        <p:nvSpPr>
+          <p:cNvPr id="28" name="TextBox 27">
+            <a:extLst>
+              <a:ext uri="{FF2B5EF4-FFF2-40B4-BE49-F238E27FC236}">
+                <a16:creationId xmlns:a16="http://schemas.microsoft.com/office/drawing/2014/main" id="{20C2CA99-C2C9-48B3-88D2-DDE2088EDE3F}"/>
+              </a:ext>
+            </a:extLst>
+          </p:cNvPr>
+          <p:cNvSpPr txBox="1"/>
+          <p:nvPr/>
+        </p:nvSpPr>
+        <p:spPr>
+          <a:xfrm>
+            <a:off x="11341960" y="5919478"/>
+            <a:ext cx="800219" cy="369332"/>
+          </a:xfrm>
+          <a:prstGeom prst="rect">
+            <a:avLst/>
+          </a:prstGeom>
+          <a:noFill/>
+          <a:ln>
+            <a:noFill/>
+          </a:ln>
+        </p:spPr>
+        <p:txBody>
+          <a:bodyPr wrap="none" rtlCol="0">
+            <a:spAutoFit/>
+          </a:bodyPr>
+          <a:lstStyle>
+            <a:defPPr>
+              <a:defRPr lang="fa-IR"/>
+            </a:defPPr>
+            <a:lvl1pPr algn="ctr">
+              <a:defRPr b="1">
+                <a:latin typeface="Times New Roman" panose="02020603050405020304" pitchFamily="18" charset="0"/>
+                <a:cs typeface="Times New Roman" panose="02020603050405020304" pitchFamily="18" charset="0"/>
+              </a:defRPr>
+            </a:lvl1pPr>
+          </a:lstStyle>
+          <a:p>
+            <a:r>
+              <a:rPr lang="en-US" dirty="0"/>
+              <a:t>TIME</a:t>
+            </a:r>
+          </a:p>
+        </p:txBody>
+      </p:sp>
+      <p:sp>
+        <p:nvSpPr>
+          <p:cNvPr id="29" name="TextBox 28">
+            <a:extLst>
+              <a:ext uri="{FF2B5EF4-FFF2-40B4-BE49-F238E27FC236}">
+                <a16:creationId xmlns:a16="http://schemas.microsoft.com/office/drawing/2014/main" id="{350B3CAE-453B-4400-A629-DCF870388DA9}"/>
+              </a:ext>
+            </a:extLst>
+          </p:cNvPr>
+          <p:cNvSpPr txBox="1"/>
+          <p:nvPr/>
+        </p:nvSpPr>
+        <p:spPr>
+          <a:xfrm rot="5400000">
+            <a:off x="78396" y="579056"/>
+            <a:ext cx="962763" cy="369332"/>
+          </a:xfrm>
+          <a:prstGeom prst="rect">
+            <a:avLst/>
+          </a:prstGeom>
+          <a:noFill/>
+          <a:ln>
+            <a:noFill/>
+          </a:ln>
+        </p:spPr>
+        <p:txBody>
+          <a:bodyPr wrap="none" rtlCol="0">
+            <a:spAutoFit/>
+          </a:bodyPr>
+          <a:lstStyle>
+            <a:defPPr>
+              <a:defRPr lang="en-US"/>
+            </a:defPPr>
+            <a:lvl1pPr>
+              <a:defRPr sz="2000" b="1">
+                <a:solidFill>
+                  <a:schemeClr val="tx1">
+                    <a:lumMod val="65000"/>
+                    <a:lumOff val="35000"/>
+                  </a:schemeClr>
+                </a:solidFill>
+                <a:latin typeface="Arial" pitchFamily="34" charset="0"/>
+                <a:cs typeface="Arial" pitchFamily="34" charset="0"/>
+              </a:defRPr>
+            </a:lvl1pPr>
+          </a:lstStyle>
+          <a:p>
+            <a:pPr algn="ctr"/>
+            <a:r>
+              <a:rPr lang="en-US" sz="1800" dirty="0">
+                <a:solidFill>
+                  <a:schemeClr val="tx1"/>
+                </a:solidFill>
+                <a:latin typeface="Times New Roman" panose="02020603050405020304" pitchFamily="18" charset="0"/>
+                <a:cs typeface="Times New Roman" panose="02020603050405020304" pitchFamily="18" charset="0"/>
+              </a:rPr>
+              <a:t>product</a:t>
+            </a:r>
+          </a:p>
+        </p:txBody>
+      </p:sp>
+      <p:cxnSp>
+        <p:nvCxnSpPr>
+          <p:cNvPr id="31" name="Straight Arrow Connector 30">
+            <a:extLst>
+              <a:ext uri="{FF2B5EF4-FFF2-40B4-BE49-F238E27FC236}">
+                <a16:creationId xmlns:a16="http://schemas.microsoft.com/office/drawing/2014/main" id="{AF15F6D9-9AD0-43B6-BDED-F1CCD43D2175}"/>
+              </a:ext>
+            </a:extLst>
+          </p:cNvPr>
+          <p:cNvCxnSpPr>
+            <a:cxnSpLocks/>
+          </p:cNvCxnSpPr>
+          <p:nvPr/>
+        </p:nvCxnSpPr>
+        <p:spPr>
+          <a:xfrm flipH="1" flipV="1">
+            <a:off x="3150577" y="1371600"/>
+            <a:ext cx="2" cy="4797156"/>
+          </a:xfrm>
+          <a:prstGeom prst="straightConnector1">
+            <a:avLst/>
+          </a:prstGeom>
+          <a:ln w="25400" cap="rnd" cmpd="sng">
+            <a:solidFill>
+              <a:schemeClr val="tx1"/>
+            </a:solidFill>
+            <a:prstDash val="sysDot"/>
+            <a:headEnd type="none"/>
+            <a:tailEnd type="none"/>
+          </a:ln>
+        </p:spPr>
+        <p:style>
+          <a:lnRef idx="1">
+            <a:schemeClr val="accent1"/>
+          </a:lnRef>
+          <a:fillRef idx="0">
+            <a:schemeClr val="accent1"/>
+          </a:fillRef>
+          <a:effectRef idx="0">
+            <a:schemeClr val="accent1"/>
+          </a:effectRef>
+          <a:fontRef idx="minor">
+            <a:schemeClr val="tx1"/>
+          </a:fontRef>
+        </p:style>
+      </p:cxnSp>
+      <p:cxnSp>
+        <p:nvCxnSpPr>
+          <p:cNvPr id="32" name="Straight Arrow Connector 31">
+            <a:extLst>
+              <a:ext uri="{FF2B5EF4-FFF2-40B4-BE49-F238E27FC236}">
+                <a16:creationId xmlns:a16="http://schemas.microsoft.com/office/drawing/2014/main" id="{9A599EA4-829F-4587-8D94-6F786050BA30}"/>
+              </a:ext>
+            </a:extLst>
+          </p:cNvPr>
+          <p:cNvCxnSpPr>
+            <a:cxnSpLocks/>
+          </p:cNvCxnSpPr>
+          <p:nvPr/>
+        </p:nvCxnSpPr>
+        <p:spPr>
+          <a:xfrm flipV="1">
+            <a:off x="5204368" y="1375044"/>
+            <a:ext cx="3609" cy="4775267"/>
+          </a:xfrm>
+          <a:prstGeom prst="straightConnector1">
+            <a:avLst/>
+          </a:prstGeom>
+          <a:ln w="25400" cap="rnd" cmpd="sng">
+            <a:solidFill>
+              <a:schemeClr val="tx1"/>
+            </a:solidFill>
+            <a:prstDash val="sysDot"/>
+            <a:headEnd type="none"/>
+            <a:tailEnd type="none"/>
+          </a:ln>
+        </p:spPr>
+        <p:style>
+          <a:lnRef idx="1">
+            <a:schemeClr val="accent1"/>
+          </a:lnRef>
+          <a:fillRef idx="0">
+            <a:schemeClr val="accent1"/>
+          </a:fillRef>
+          <a:effectRef idx="0">
+            <a:schemeClr val="accent1"/>
+          </a:effectRef>
+          <a:fontRef idx="minor">
+            <a:schemeClr val="tx1"/>
+          </a:fontRef>
+        </p:style>
+      </p:cxnSp>
+      <p:cxnSp>
+        <p:nvCxnSpPr>
+          <p:cNvPr id="33" name="Straight Arrow Connector 32">
+            <a:extLst>
+              <a:ext uri="{FF2B5EF4-FFF2-40B4-BE49-F238E27FC236}">
+                <a16:creationId xmlns:a16="http://schemas.microsoft.com/office/drawing/2014/main" id="{9E2AEAC0-3AC5-438E-B448-B1365C80C64C}"/>
+              </a:ext>
+            </a:extLst>
+          </p:cNvPr>
+          <p:cNvCxnSpPr>
+            <a:cxnSpLocks/>
+          </p:cNvCxnSpPr>
+          <p:nvPr/>
+        </p:nvCxnSpPr>
+        <p:spPr>
+          <a:xfrm flipV="1">
+            <a:off x="7417777" y="1375045"/>
+            <a:ext cx="0" cy="4720955"/>
+          </a:xfrm>
+          <a:prstGeom prst="straightConnector1">
+            <a:avLst/>
+          </a:prstGeom>
+          <a:ln w="25400" cap="rnd" cmpd="sng">
+            <a:solidFill>
+              <a:schemeClr val="tx1"/>
+            </a:solidFill>
+            <a:prstDash val="sysDot"/>
+            <a:headEnd type="none"/>
+            <a:tailEnd type="none"/>
+          </a:ln>
+        </p:spPr>
+        <p:style>
+          <a:lnRef idx="1">
+            <a:schemeClr val="accent1"/>
+          </a:lnRef>
+          <a:fillRef idx="0">
+            <a:schemeClr val="accent1"/>
+          </a:fillRef>
+          <a:effectRef idx="0">
+            <a:schemeClr val="accent1"/>
+          </a:effectRef>
+          <a:fontRef idx="minor">
+            <a:schemeClr val="tx1"/>
+          </a:fontRef>
+        </p:style>
+      </p:cxnSp>
+      <p:cxnSp>
+        <p:nvCxnSpPr>
+          <p:cNvPr id="34" name="Straight Connector 33">
+            <a:extLst>
+              <a:ext uri="{FF2B5EF4-FFF2-40B4-BE49-F238E27FC236}">
+                <a16:creationId xmlns:a16="http://schemas.microsoft.com/office/drawing/2014/main" id="{AA124110-D9A4-4637-9B77-8BE4F3F56643}"/>
+              </a:ext>
+            </a:extLst>
+          </p:cNvPr>
+          <p:cNvCxnSpPr>
+            <a:cxnSpLocks/>
+          </p:cNvCxnSpPr>
+          <p:nvPr/>
+        </p:nvCxnSpPr>
+        <p:spPr>
+          <a:xfrm flipH="1">
+            <a:off x="559752" y="6226511"/>
+            <a:ext cx="27" cy="326689"/>
+          </a:xfrm>
+          <a:prstGeom prst="line">
+            <a:avLst/>
+          </a:prstGeom>
+          <a:ln>
+            <a:solidFill>
+              <a:schemeClr val="tx1"/>
+            </a:solidFill>
+          </a:ln>
+        </p:spPr>
+        <p:style>
+          <a:lnRef idx="1">
+            <a:schemeClr val="accent1"/>
+          </a:lnRef>
+          <a:fillRef idx="0">
+            <a:schemeClr val="accent1"/>
+          </a:fillRef>
+          <a:effectRef idx="0">
+            <a:schemeClr val="accent1"/>
+          </a:effectRef>
+          <a:fontRef idx="minor">
+            <a:schemeClr val="tx1"/>
+          </a:fontRef>
+        </p:style>
+      </p:cxnSp>
+      <p:cxnSp>
+        <p:nvCxnSpPr>
+          <p:cNvPr id="35" name="Straight Connector 34">
+            <a:extLst>
+              <a:ext uri="{FF2B5EF4-FFF2-40B4-BE49-F238E27FC236}">
+                <a16:creationId xmlns:a16="http://schemas.microsoft.com/office/drawing/2014/main" id="{B553EF32-3089-4A97-A626-01ACD7753CEA}"/>
+              </a:ext>
+            </a:extLst>
+          </p:cNvPr>
+          <p:cNvCxnSpPr>
+            <a:cxnSpLocks/>
+          </p:cNvCxnSpPr>
+          <p:nvPr/>
+        </p:nvCxnSpPr>
+        <p:spPr>
+          <a:xfrm flipH="1">
+            <a:off x="2300809" y="6265135"/>
+            <a:ext cx="2646" cy="326689"/>
+          </a:xfrm>
+          <a:prstGeom prst="line">
+            <a:avLst/>
+          </a:prstGeom>
+          <a:ln>
+            <a:solidFill>
+              <a:schemeClr val="tx1"/>
+            </a:solidFill>
+          </a:ln>
+        </p:spPr>
+        <p:style>
+          <a:lnRef idx="1">
+            <a:schemeClr val="accent1"/>
+          </a:lnRef>
+          <a:fillRef idx="0">
+            <a:schemeClr val="accent1"/>
+          </a:fillRef>
+          <a:effectRef idx="0">
+            <a:schemeClr val="accent1"/>
+          </a:effectRef>
+          <a:fontRef idx="minor">
+            <a:schemeClr val="tx1"/>
+          </a:fontRef>
+        </p:style>
+      </p:cxnSp>
+      <p:cxnSp>
+        <p:nvCxnSpPr>
+          <p:cNvPr id="36" name="Straight Arrow Connector 35">
+            <a:extLst>
+              <a:ext uri="{FF2B5EF4-FFF2-40B4-BE49-F238E27FC236}">
+                <a16:creationId xmlns:a16="http://schemas.microsoft.com/office/drawing/2014/main" id="{C5D6D7B5-A199-4F49-9E6D-D961B2783ECC}"/>
+              </a:ext>
+            </a:extLst>
+          </p:cNvPr>
+          <p:cNvCxnSpPr>
+            <a:cxnSpLocks/>
+          </p:cNvCxnSpPr>
+          <p:nvPr/>
+        </p:nvCxnSpPr>
+        <p:spPr>
+          <a:xfrm>
+            <a:off x="553794" y="6389855"/>
+            <a:ext cx="1732206" cy="38625"/>
+          </a:xfrm>
+          <a:prstGeom prst="straightConnector1">
+            <a:avLst/>
+          </a:prstGeom>
+          <a:ln>
+            <a:solidFill>
+              <a:schemeClr val="tx1"/>
+            </a:solidFill>
+            <a:headEnd type="triangle"/>
+            <a:tailEnd type="triangle"/>
+          </a:ln>
+        </p:spPr>
+        <p:style>
+          <a:lnRef idx="1">
+            <a:schemeClr val="accent1"/>
+          </a:lnRef>
+          <a:fillRef idx="0">
+            <a:schemeClr val="accent1"/>
+          </a:fillRef>
+          <a:effectRef idx="0">
+            <a:schemeClr val="accent1"/>
+          </a:effectRef>
+          <a:fontRef idx="minor">
+            <a:schemeClr val="tx1"/>
+          </a:fontRef>
+        </p:style>
+      </p:cxnSp>
+      <p:sp>
+        <p:nvSpPr>
+          <p:cNvPr id="37" name="Rectangle 36">
+            <a:extLst>
+              <a:ext uri="{FF2B5EF4-FFF2-40B4-BE49-F238E27FC236}">
+                <a16:creationId xmlns:a16="http://schemas.microsoft.com/office/drawing/2014/main" id="{7B4BA5B9-A6ED-4539-832F-B70F16643A7A}"/>
+              </a:ext>
+            </a:extLst>
+          </p:cNvPr>
+          <p:cNvSpPr/>
+          <p:nvPr/>
+        </p:nvSpPr>
+        <p:spPr>
+          <a:xfrm>
+            <a:off x="744444" y="6403440"/>
+            <a:ext cx="959558" cy="369332"/>
+          </a:xfrm>
+          <a:prstGeom prst="rect">
+            <a:avLst/>
+          </a:prstGeom>
+          <a:ln>
+            <a:noFill/>
+          </a:ln>
+        </p:spPr>
+        <p:txBody>
+          <a:bodyPr wrap="none">
+            <a:spAutoFit/>
+          </a:bodyPr>
+          <a:lstStyle/>
+          <a:p>
+            <a:r>
+              <a:rPr lang="en-US" dirty="0"/>
+              <a:t>Lifespan</a:t>
+            </a:r>
+            <a:endParaRPr lang="ar-BH" dirty="0"/>
+          </a:p>
+        </p:txBody>
+      </p:sp>
+      <p:sp>
+        <p:nvSpPr>
+          <p:cNvPr id="43" name="TextBox 42">
+            <a:extLst>
+              <a:ext uri="{FF2B5EF4-FFF2-40B4-BE49-F238E27FC236}">
+                <a16:creationId xmlns:a16="http://schemas.microsoft.com/office/drawing/2014/main" id="{D4A1F181-8E51-48A5-81A0-2FD7006C54CF}"/>
+              </a:ext>
+            </a:extLst>
+          </p:cNvPr>
+          <p:cNvSpPr txBox="1"/>
+          <p:nvPr/>
+        </p:nvSpPr>
+        <p:spPr>
+          <a:xfrm>
+            <a:off x="9788006" y="2098982"/>
+            <a:ext cx="1125512" cy="369332"/>
+          </a:xfrm>
+          <a:prstGeom prst="rect">
+            <a:avLst/>
+          </a:prstGeom>
+          <a:noFill/>
+        </p:spPr>
+        <p:txBody>
+          <a:bodyPr wrap="square" rtlCol="1">
+            <a:spAutoFit/>
+          </a:bodyPr>
+          <a:lstStyle/>
+          <a:p>
+            <a:r>
+              <a:rPr lang="en-US" dirty="0"/>
+              <a:t>Product</a:t>
+            </a:r>
+            <a:endParaRPr lang="ar-BH" dirty="0"/>
+          </a:p>
+        </p:txBody>
+      </p:sp>
+      <p:sp>
+        <p:nvSpPr>
+          <p:cNvPr id="44" name="TextBox 43">
+            <a:extLst>
+              <a:ext uri="{FF2B5EF4-FFF2-40B4-BE49-F238E27FC236}">
+                <a16:creationId xmlns:a16="http://schemas.microsoft.com/office/drawing/2014/main" id="{9953C85D-C982-4E0D-A264-3D1FA8F3AD75}"/>
+              </a:ext>
+            </a:extLst>
+          </p:cNvPr>
+          <p:cNvSpPr txBox="1"/>
+          <p:nvPr/>
+        </p:nvSpPr>
+        <p:spPr>
+          <a:xfrm>
+            <a:off x="9788006" y="2555224"/>
+            <a:ext cx="1090073" cy="369332"/>
+          </a:xfrm>
+          <a:prstGeom prst="rect">
+            <a:avLst/>
+          </a:prstGeom>
+          <a:noFill/>
+        </p:spPr>
+        <p:txBody>
+          <a:bodyPr wrap="square" rtlCol="1">
+            <a:spAutoFit/>
+          </a:bodyPr>
+          <a:lstStyle/>
+          <a:p>
+            <a:r>
+              <a:rPr lang="en-US" dirty="0"/>
+              <a:t>WEEE </a:t>
+            </a:r>
+            <a:endParaRPr lang="ar-BH" dirty="0"/>
+          </a:p>
+        </p:txBody>
+      </p:sp>
+      <p:cxnSp>
+        <p:nvCxnSpPr>
+          <p:cNvPr id="46" name="Straight Connector 45">
+            <a:extLst>
+              <a:ext uri="{FF2B5EF4-FFF2-40B4-BE49-F238E27FC236}">
+                <a16:creationId xmlns:a16="http://schemas.microsoft.com/office/drawing/2014/main" id="{9BC2E0F0-F5CC-445D-A75D-5AA3423178C4}"/>
+              </a:ext>
+            </a:extLst>
+          </p:cNvPr>
+          <p:cNvCxnSpPr>
+            <a:cxnSpLocks/>
+            <a:stCxn id="43" idx="3"/>
+          </p:cNvCxnSpPr>
+          <p:nvPr/>
+        </p:nvCxnSpPr>
+        <p:spPr>
+          <a:xfrm flipV="1">
+            <a:off x="10913523" y="2225995"/>
+            <a:ext cx="782778" cy="0"/>
+          </a:xfrm>
+          <a:prstGeom prst="line">
+            <a:avLst/>
+          </a:prstGeom>
+          <a:noFill/>
+          <a:ln w="38100" cap="rnd">
+            <a:solidFill>
+              <a:schemeClr val="tx1"/>
+            </a:solidFill>
+          </a:ln>
+        </p:spPr>
+        <p:style>
+          <a:lnRef idx="2">
+            <a:schemeClr val="accent1">
+              <a:shade val="50000"/>
+            </a:schemeClr>
+          </a:lnRef>
+          <a:fillRef idx="1">
+            <a:schemeClr val="accent1"/>
+          </a:fillRef>
+          <a:effectRef idx="0">
+            <a:schemeClr val="accent1"/>
+          </a:effectRef>
+          <a:fontRef idx="minor">
+            <a:schemeClr val="lt1"/>
+          </a:fontRef>
+        </p:style>
+      </p:cxnSp>
+      <p:cxnSp>
+        <p:nvCxnSpPr>
+          <p:cNvPr id="48" name="Straight Connector 47">
+            <a:extLst>
+              <a:ext uri="{FF2B5EF4-FFF2-40B4-BE49-F238E27FC236}">
+                <a16:creationId xmlns:a16="http://schemas.microsoft.com/office/drawing/2014/main" id="{57FC94BE-5B2F-4854-AC6B-99CED95A10C3}"/>
+              </a:ext>
+            </a:extLst>
+          </p:cNvPr>
+          <p:cNvCxnSpPr>
+            <a:stCxn id="44" idx="3"/>
+          </p:cNvCxnSpPr>
+          <p:nvPr/>
+        </p:nvCxnSpPr>
+        <p:spPr>
+          <a:xfrm flipV="1">
+            <a:off x="10878079" y="2730217"/>
+            <a:ext cx="822960" cy="0"/>
+          </a:xfrm>
+          <a:prstGeom prst="line">
+            <a:avLst/>
+          </a:prstGeom>
+          <a:ln w="28575" cmpd="sng">
+            <a:solidFill>
+              <a:schemeClr val="tx1"/>
+            </a:solidFill>
+            <a:prstDash val="dash"/>
+          </a:ln>
+        </p:spPr>
+        <p:style>
+          <a:lnRef idx="1">
+            <a:schemeClr val="accent2"/>
+          </a:lnRef>
+          <a:fillRef idx="0">
+            <a:schemeClr val="accent2"/>
+          </a:fillRef>
+          <a:effectRef idx="0">
+            <a:schemeClr val="accent2"/>
+          </a:effectRef>
+          <a:fontRef idx="minor">
+            <a:schemeClr val="tx1"/>
+          </a:fontRef>
+        </p:style>
+      </p:cxnSp>
+      <p:sp>
+        <p:nvSpPr>
+          <p:cNvPr id="59" name="Oval 7">
+            <a:extLst>
+              <a:ext uri="{FF2B5EF4-FFF2-40B4-BE49-F238E27FC236}">
+                <a16:creationId xmlns:a16="http://schemas.microsoft.com/office/drawing/2014/main" id="{251207AF-795F-4543-B725-BD84A466560E}"/>
+              </a:ext>
+            </a:extLst>
+          </p:cNvPr>
+          <p:cNvSpPr/>
+          <p:nvPr/>
+        </p:nvSpPr>
+        <p:spPr>
+          <a:xfrm>
+            <a:off x="1871995" y="2207842"/>
+            <a:ext cx="9144000" cy="3927733"/>
+          </a:xfrm>
+          <a:custGeom>
+            <a:avLst/>
+            <a:gdLst>
+              <a:gd name="connsiteX0" fmla="*/ 0 w 1676400"/>
+              <a:gd name="connsiteY0" fmla="*/ 865824 h 1731647"/>
+              <a:gd name="connsiteX1" fmla="*/ 838200 w 1676400"/>
+              <a:gd name="connsiteY1" fmla="*/ 0 h 1731647"/>
+              <a:gd name="connsiteX2" fmla="*/ 1676400 w 1676400"/>
+              <a:gd name="connsiteY2" fmla="*/ 865824 h 1731647"/>
+              <a:gd name="connsiteX3" fmla="*/ 838200 w 1676400"/>
+              <a:gd name="connsiteY3" fmla="*/ 1731648 h 1731647"/>
+              <a:gd name="connsiteX4" fmla="*/ 0 w 1676400"/>
+              <a:gd name="connsiteY4" fmla="*/ 865824 h 1731647"/>
+              <a:gd name="connsiteX0" fmla="*/ 838200 w 1676400"/>
+              <a:gd name="connsiteY0" fmla="*/ 1731648 h 1823088"/>
+              <a:gd name="connsiteX1" fmla="*/ 0 w 1676400"/>
+              <a:gd name="connsiteY1" fmla="*/ 865824 h 1823088"/>
+              <a:gd name="connsiteX2" fmla="*/ 838200 w 1676400"/>
+              <a:gd name="connsiteY2" fmla="*/ 0 h 1823088"/>
+              <a:gd name="connsiteX3" fmla="*/ 1676400 w 1676400"/>
+              <a:gd name="connsiteY3" fmla="*/ 865824 h 1823088"/>
+              <a:gd name="connsiteX4" fmla="*/ 929640 w 1676400"/>
+              <a:gd name="connsiteY4" fmla="*/ 1823088 h 1823088"/>
+              <a:gd name="connsiteX0" fmla="*/ 45180 w 5210054"/>
+              <a:gd name="connsiteY0" fmla="*/ 2556839 h 2556839"/>
+              <a:gd name="connsiteX1" fmla="*/ 3533654 w 5210054"/>
+              <a:gd name="connsiteY1" fmla="*/ 865824 h 2556839"/>
+              <a:gd name="connsiteX2" fmla="*/ 4371854 w 5210054"/>
+              <a:gd name="connsiteY2" fmla="*/ 0 h 2556839"/>
+              <a:gd name="connsiteX3" fmla="*/ 5210054 w 5210054"/>
+              <a:gd name="connsiteY3" fmla="*/ 865824 h 2556839"/>
+              <a:gd name="connsiteX4" fmla="*/ 4463294 w 5210054"/>
+              <a:gd name="connsiteY4" fmla="*/ 1823088 h 2556839"/>
+              <a:gd name="connsiteX0" fmla="*/ 0 w 5164874"/>
+              <a:gd name="connsiteY0" fmla="*/ 2556839 h 2556839"/>
+              <a:gd name="connsiteX1" fmla="*/ 3488474 w 5164874"/>
+              <a:gd name="connsiteY1" fmla="*/ 865824 h 2556839"/>
+              <a:gd name="connsiteX2" fmla="*/ 4326674 w 5164874"/>
+              <a:gd name="connsiteY2" fmla="*/ 0 h 2556839"/>
+              <a:gd name="connsiteX3" fmla="*/ 5164874 w 5164874"/>
+              <a:gd name="connsiteY3" fmla="*/ 865824 h 2556839"/>
+              <a:gd name="connsiteX4" fmla="*/ 4418114 w 5164874"/>
+              <a:gd name="connsiteY4" fmla="*/ 1823088 h 2556839"/>
+              <a:gd name="connsiteX0" fmla="*/ 0 w 5164874"/>
+              <a:gd name="connsiteY0" fmla="*/ 2556839 h 2556839"/>
+              <a:gd name="connsiteX1" fmla="*/ 3488474 w 5164874"/>
+              <a:gd name="connsiteY1" fmla="*/ 865824 h 2556839"/>
+              <a:gd name="connsiteX2" fmla="*/ 4326674 w 5164874"/>
+              <a:gd name="connsiteY2" fmla="*/ 0 h 2556839"/>
+              <a:gd name="connsiteX3" fmla="*/ 5164874 w 5164874"/>
+              <a:gd name="connsiteY3" fmla="*/ 865824 h 2556839"/>
+              <a:gd name="connsiteX4" fmla="*/ 4418114 w 5164874"/>
+              <a:gd name="connsiteY4" fmla="*/ 1823088 h 2556839"/>
+              <a:gd name="connsiteX0" fmla="*/ 0 w 5164874"/>
+              <a:gd name="connsiteY0" fmla="*/ 2556839 h 2556839"/>
+              <a:gd name="connsiteX1" fmla="*/ 2651754 w 5164874"/>
+              <a:gd name="connsiteY1" fmla="*/ 1180491 h 2556839"/>
+              <a:gd name="connsiteX2" fmla="*/ 3488474 w 5164874"/>
+              <a:gd name="connsiteY2" fmla="*/ 865824 h 2556839"/>
+              <a:gd name="connsiteX3" fmla="*/ 4326674 w 5164874"/>
+              <a:gd name="connsiteY3" fmla="*/ 0 h 2556839"/>
+              <a:gd name="connsiteX4" fmla="*/ 5164874 w 5164874"/>
+              <a:gd name="connsiteY4" fmla="*/ 865824 h 2556839"/>
+              <a:gd name="connsiteX5" fmla="*/ 4418114 w 5164874"/>
+              <a:gd name="connsiteY5" fmla="*/ 1823088 h 2556839"/>
+              <a:gd name="connsiteX0" fmla="*/ 0 w 5164874"/>
+              <a:gd name="connsiteY0" fmla="*/ 2556839 h 2556839"/>
+              <a:gd name="connsiteX1" fmla="*/ 2234503 w 5164874"/>
+              <a:gd name="connsiteY1" fmla="*/ 1482332 h 2556839"/>
+              <a:gd name="connsiteX2" fmla="*/ 3488474 w 5164874"/>
+              <a:gd name="connsiteY2" fmla="*/ 865824 h 2556839"/>
+              <a:gd name="connsiteX3" fmla="*/ 4326674 w 5164874"/>
+              <a:gd name="connsiteY3" fmla="*/ 0 h 2556839"/>
+              <a:gd name="connsiteX4" fmla="*/ 5164874 w 5164874"/>
+              <a:gd name="connsiteY4" fmla="*/ 865824 h 2556839"/>
+              <a:gd name="connsiteX5" fmla="*/ 4418114 w 5164874"/>
+              <a:gd name="connsiteY5" fmla="*/ 1823088 h 2556839"/>
+              <a:gd name="connsiteX0" fmla="*/ 0 w 5164874"/>
+              <a:gd name="connsiteY0" fmla="*/ 2556839 h 2556839"/>
+              <a:gd name="connsiteX1" fmla="*/ 2234503 w 5164874"/>
+              <a:gd name="connsiteY1" fmla="*/ 1482332 h 2556839"/>
+              <a:gd name="connsiteX2" fmla="*/ 3488474 w 5164874"/>
+              <a:gd name="connsiteY2" fmla="*/ 865824 h 2556839"/>
+              <a:gd name="connsiteX3" fmla="*/ 4326674 w 5164874"/>
+              <a:gd name="connsiteY3" fmla="*/ 0 h 2556839"/>
+              <a:gd name="connsiteX4" fmla="*/ 5164874 w 5164874"/>
+              <a:gd name="connsiteY4" fmla="*/ 865824 h 2556839"/>
+              <a:gd name="connsiteX5" fmla="*/ 4418114 w 5164874"/>
+              <a:gd name="connsiteY5" fmla="*/ 1823088 h 2556839"/>
+              <a:gd name="connsiteX0" fmla="*/ 0 w 5164874"/>
+              <a:gd name="connsiteY0" fmla="*/ 2556839 h 2556839"/>
+              <a:gd name="connsiteX1" fmla="*/ 2234503 w 5164874"/>
+              <a:gd name="connsiteY1" fmla="*/ 1482332 h 2556839"/>
+              <a:gd name="connsiteX2" fmla="*/ 3488474 w 5164874"/>
+              <a:gd name="connsiteY2" fmla="*/ 865824 h 2556839"/>
+              <a:gd name="connsiteX3" fmla="*/ 4326674 w 5164874"/>
+              <a:gd name="connsiteY3" fmla="*/ 0 h 2556839"/>
+              <a:gd name="connsiteX4" fmla="*/ 5164874 w 5164874"/>
+              <a:gd name="connsiteY4" fmla="*/ 865824 h 2556839"/>
+              <a:gd name="connsiteX5" fmla="*/ 4418114 w 5164874"/>
+              <a:gd name="connsiteY5" fmla="*/ 1823088 h 2556839"/>
+              <a:gd name="connsiteX0" fmla="*/ 0 w 5164874"/>
+              <a:gd name="connsiteY0" fmla="*/ 2556839 h 2556839"/>
+              <a:gd name="connsiteX1" fmla="*/ 2234503 w 5164874"/>
+              <a:gd name="connsiteY1" fmla="*/ 1482332 h 2556839"/>
+              <a:gd name="connsiteX2" fmla="*/ 4326674 w 5164874"/>
+              <a:gd name="connsiteY2" fmla="*/ 0 h 2556839"/>
+              <a:gd name="connsiteX3" fmla="*/ 5164874 w 5164874"/>
+              <a:gd name="connsiteY3" fmla="*/ 865824 h 2556839"/>
+              <a:gd name="connsiteX4" fmla="*/ 4418114 w 5164874"/>
+              <a:gd name="connsiteY4" fmla="*/ 1823088 h 2556839"/>
+              <a:gd name="connsiteX0" fmla="*/ 0 w 5164874"/>
+              <a:gd name="connsiteY0" fmla="*/ 2876435 h 2876435"/>
+              <a:gd name="connsiteX1" fmla="*/ 2234503 w 5164874"/>
+              <a:gd name="connsiteY1" fmla="*/ 1801928 h 2876435"/>
+              <a:gd name="connsiteX2" fmla="*/ 4317797 w 5164874"/>
+              <a:gd name="connsiteY2" fmla="*/ 0 h 2876435"/>
+              <a:gd name="connsiteX3" fmla="*/ 5164874 w 5164874"/>
+              <a:gd name="connsiteY3" fmla="*/ 1185420 h 2876435"/>
+              <a:gd name="connsiteX4" fmla="*/ 4418114 w 5164874"/>
+              <a:gd name="connsiteY4" fmla="*/ 2142684 h 2876435"/>
+              <a:gd name="connsiteX0" fmla="*/ 0 w 5164874"/>
+              <a:gd name="connsiteY0" fmla="*/ 2883790 h 2883790"/>
+              <a:gd name="connsiteX1" fmla="*/ 2110216 w 5164874"/>
+              <a:gd name="connsiteY1" fmla="*/ 1747140 h 2883790"/>
+              <a:gd name="connsiteX2" fmla="*/ 4317797 w 5164874"/>
+              <a:gd name="connsiteY2" fmla="*/ 7355 h 2883790"/>
+              <a:gd name="connsiteX3" fmla="*/ 5164874 w 5164874"/>
+              <a:gd name="connsiteY3" fmla="*/ 1192775 h 2883790"/>
+              <a:gd name="connsiteX4" fmla="*/ 4418114 w 5164874"/>
+              <a:gd name="connsiteY4" fmla="*/ 2150039 h 2883790"/>
+              <a:gd name="connsiteX0" fmla="*/ 0 w 5164874"/>
+              <a:gd name="connsiteY0" fmla="*/ 2857388 h 2857388"/>
+              <a:gd name="connsiteX1" fmla="*/ 2110216 w 5164874"/>
+              <a:gd name="connsiteY1" fmla="*/ 1720738 h 2857388"/>
+              <a:gd name="connsiteX2" fmla="*/ 4442085 w 5164874"/>
+              <a:gd name="connsiteY2" fmla="*/ 7586 h 2857388"/>
+              <a:gd name="connsiteX3" fmla="*/ 5164874 w 5164874"/>
+              <a:gd name="connsiteY3" fmla="*/ 1166373 h 2857388"/>
+              <a:gd name="connsiteX4" fmla="*/ 4418114 w 5164874"/>
+              <a:gd name="connsiteY4" fmla="*/ 2123637 h 2857388"/>
+              <a:gd name="connsiteX0" fmla="*/ 0 w 5963864"/>
+              <a:gd name="connsiteY0" fmla="*/ 2866842 h 2866842"/>
+              <a:gd name="connsiteX1" fmla="*/ 2110216 w 5963864"/>
+              <a:gd name="connsiteY1" fmla="*/ 1730192 h 2866842"/>
+              <a:gd name="connsiteX2" fmla="*/ 4442085 w 5963864"/>
+              <a:gd name="connsiteY2" fmla="*/ 17040 h 2866842"/>
+              <a:gd name="connsiteX3" fmla="*/ 5963864 w 5963864"/>
+              <a:gd name="connsiteY3" fmla="*/ 971640 h 2866842"/>
+              <a:gd name="connsiteX4" fmla="*/ 4418114 w 5963864"/>
+              <a:gd name="connsiteY4" fmla="*/ 2133091 h 2866842"/>
+              <a:gd name="connsiteX0" fmla="*/ 0 w 7021215"/>
+              <a:gd name="connsiteY0" fmla="*/ 2866842 h 2866842"/>
+              <a:gd name="connsiteX1" fmla="*/ 2110216 w 7021215"/>
+              <a:gd name="connsiteY1" fmla="*/ 1730192 h 2866842"/>
+              <a:gd name="connsiteX2" fmla="*/ 4442085 w 7021215"/>
+              <a:gd name="connsiteY2" fmla="*/ 17040 h 2866842"/>
+              <a:gd name="connsiteX3" fmla="*/ 5963864 w 7021215"/>
+              <a:gd name="connsiteY3" fmla="*/ 971640 h 2866842"/>
+              <a:gd name="connsiteX4" fmla="*/ 6957128 w 7021215"/>
+              <a:gd name="connsiteY4" fmla="*/ 1458388 h 2866842"/>
+              <a:gd name="connsiteX0" fmla="*/ 0 w 7021215"/>
+              <a:gd name="connsiteY0" fmla="*/ 2866842 h 2866842"/>
+              <a:gd name="connsiteX1" fmla="*/ 2110216 w 7021215"/>
+              <a:gd name="connsiteY1" fmla="*/ 1730192 h 2866842"/>
+              <a:gd name="connsiteX2" fmla="*/ 4442085 w 7021215"/>
+              <a:gd name="connsiteY2" fmla="*/ 17040 h 2866842"/>
+              <a:gd name="connsiteX3" fmla="*/ 5963864 w 7021215"/>
+              <a:gd name="connsiteY3" fmla="*/ 971640 h 2866842"/>
+              <a:gd name="connsiteX4" fmla="*/ 6957128 w 7021215"/>
+              <a:gd name="connsiteY4" fmla="*/ 1458388 h 2866842"/>
+              <a:gd name="connsiteX0" fmla="*/ 0 w 6957128"/>
+              <a:gd name="connsiteY0" fmla="*/ 2866842 h 2866842"/>
+              <a:gd name="connsiteX1" fmla="*/ 2110216 w 6957128"/>
+              <a:gd name="connsiteY1" fmla="*/ 1730192 h 2866842"/>
+              <a:gd name="connsiteX2" fmla="*/ 4442085 w 6957128"/>
+              <a:gd name="connsiteY2" fmla="*/ 17040 h 2866842"/>
+              <a:gd name="connsiteX3" fmla="*/ 5963864 w 6957128"/>
+              <a:gd name="connsiteY3" fmla="*/ 971640 h 2866842"/>
+              <a:gd name="connsiteX4" fmla="*/ 6957128 w 6957128"/>
+              <a:gd name="connsiteY4" fmla="*/ 1458388 h 2866842"/>
+              <a:gd name="connsiteX0" fmla="*/ 0 w 6957128"/>
+              <a:gd name="connsiteY0" fmla="*/ 2879635 h 2879635"/>
+              <a:gd name="connsiteX1" fmla="*/ 2110216 w 6957128"/>
+              <a:gd name="connsiteY1" fmla="*/ 1742985 h 2879635"/>
+              <a:gd name="connsiteX2" fmla="*/ 4442085 w 6957128"/>
+              <a:gd name="connsiteY2" fmla="*/ 29833 h 2879635"/>
+              <a:gd name="connsiteX3" fmla="*/ 5448220 w 6957128"/>
+              <a:gd name="connsiteY3" fmla="*/ 677663 h 2879635"/>
+              <a:gd name="connsiteX4" fmla="*/ 5963864 w 6957128"/>
+              <a:gd name="connsiteY4" fmla="*/ 984433 h 2879635"/>
+              <a:gd name="connsiteX5" fmla="*/ 6957128 w 6957128"/>
+              <a:gd name="connsiteY5" fmla="*/ 1471181 h 2879635"/>
+              <a:gd name="connsiteX0" fmla="*/ 0 w 6957128"/>
+              <a:gd name="connsiteY0" fmla="*/ 2888186 h 2888186"/>
+              <a:gd name="connsiteX1" fmla="*/ 2110216 w 6957128"/>
+              <a:gd name="connsiteY1" fmla="*/ 1751536 h 2888186"/>
+              <a:gd name="connsiteX2" fmla="*/ 4388819 w 6957128"/>
+              <a:gd name="connsiteY2" fmla="*/ 29506 h 2888186"/>
+              <a:gd name="connsiteX3" fmla="*/ 5448220 w 6957128"/>
+              <a:gd name="connsiteY3" fmla="*/ 686214 h 2888186"/>
+              <a:gd name="connsiteX4" fmla="*/ 5963864 w 6957128"/>
+              <a:gd name="connsiteY4" fmla="*/ 992984 h 2888186"/>
+              <a:gd name="connsiteX5" fmla="*/ 6957128 w 6957128"/>
+              <a:gd name="connsiteY5" fmla="*/ 1479732 h 2888186"/>
+              <a:gd name="connsiteX0" fmla="*/ 0 w 6957128"/>
+              <a:gd name="connsiteY0" fmla="*/ 2858866 h 2858866"/>
+              <a:gd name="connsiteX1" fmla="*/ 2110216 w 6957128"/>
+              <a:gd name="connsiteY1" fmla="*/ 1722216 h 2858866"/>
+              <a:gd name="connsiteX2" fmla="*/ 4388819 w 6957128"/>
+              <a:gd name="connsiteY2" fmla="*/ 186 h 2858866"/>
+              <a:gd name="connsiteX3" fmla="*/ 5448220 w 6957128"/>
+              <a:gd name="connsiteY3" fmla="*/ 656894 h 2858866"/>
+              <a:gd name="connsiteX4" fmla="*/ 5963864 w 6957128"/>
+              <a:gd name="connsiteY4" fmla="*/ 963664 h 2858866"/>
+              <a:gd name="connsiteX5" fmla="*/ 6957128 w 6957128"/>
+              <a:gd name="connsiteY5" fmla="*/ 1450412 h 2858866"/>
+              <a:gd name="connsiteX0" fmla="*/ 0 w 6957128"/>
+              <a:gd name="connsiteY0" fmla="*/ 2871449 h 2871449"/>
+              <a:gd name="connsiteX1" fmla="*/ 2110216 w 6957128"/>
+              <a:gd name="connsiteY1" fmla="*/ 1734799 h 2871449"/>
+              <a:gd name="connsiteX2" fmla="*/ 4388819 w 6957128"/>
+              <a:gd name="connsiteY2" fmla="*/ 12769 h 2871449"/>
+              <a:gd name="connsiteX3" fmla="*/ 5963864 w 6957128"/>
+              <a:gd name="connsiteY3" fmla="*/ 976247 h 2871449"/>
+              <a:gd name="connsiteX4" fmla="*/ 6957128 w 6957128"/>
+              <a:gd name="connsiteY4" fmla="*/ 1462995 h 2871449"/>
+              <a:gd name="connsiteX0" fmla="*/ 0 w 6957128"/>
+              <a:gd name="connsiteY0" fmla="*/ 2870745 h 2870745"/>
+              <a:gd name="connsiteX1" fmla="*/ 2110216 w 6957128"/>
+              <a:gd name="connsiteY1" fmla="*/ 1734095 h 2870745"/>
+              <a:gd name="connsiteX2" fmla="*/ 4388819 w 6957128"/>
+              <a:gd name="connsiteY2" fmla="*/ 12065 h 2870745"/>
+              <a:gd name="connsiteX3" fmla="*/ 5963864 w 6957128"/>
+              <a:gd name="connsiteY3" fmla="*/ 975543 h 2870745"/>
+              <a:gd name="connsiteX4" fmla="*/ 6957128 w 6957128"/>
+              <a:gd name="connsiteY4" fmla="*/ 1462291 h 2870745"/>
+              <a:gd name="connsiteX0" fmla="*/ 0 w 6957128"/>
+              <a:gd name="connsiteY0" fmla="*/ 2870745 h 2870745"/>
+              <a:gd name="connsiteX1" fmla="*/ 2110216 w 6957128"/>
+              <a:gd name="connsiteY1" fmla="*/ 1734095 h 2870745"/>
+              <a:gd name="connsiteX2" fmla="*/ 4388819 w 6957128"/>
+              <a:gd name="connsiteY2" fmla="*/ 12065 h 2870745"/>
+              <a:gd name="connsiteX3" fmla="*/ 5963864 w 6957128"/>
+              <a:gd name="connsiteY3" fmla="*/ 975543 h 2870745"/>
+              <a:gd name="connsiteX4" fmla="*/ 6957128 w 6957128"/>
+              <a:gd name="connsiteY4" fmla="*/ 1462291 h 2870745"/>
+              <a:gd name="connsiteX0" fmla="*/ 0 w 6957128"/>
+              <a:gd name="connsiteY0" fmla="*/ 2870745 h 2870745"/>
+              <a:gd name="connsiteX1" fmla="*/ 2110216 w 6957128"/>
+              <a:gd name="connsiteY1" fmla="*/ 1734095 h 2870745"/>
+              <a:gd name="connsiteX2" fmla="*/ 4388819 w 6957128"/>
+              <a:gd name="connsiteY2" fmla="*/ 12065 h 2870745"/>
+              <a:gd name="connsiteX3" fmla="*/ 5963864 w 6957128"/>
+              <a:gd name="connsiteY3" fmla="*/ 975543 h 2870745"/>
+              <a:gd name="connsiteX4" fmla="*/ 6957128 w 6957128"/>
+              <a:gd name="connsiteY4" fmla="*/ 1462291 h 2870745"/>
+              <a:gd name="connsiteX0" fmla="*/ 0 w 6957128"/>
+              <a:gd name="connsiteY0" fmla="*/ 2872556 h 2872556"/>
+              <a:gd name="connsiteX1" fmla="*/ 2278891 w 6957128"/>
+              <a:gd name="connsiteY1" fmla="*/ 1798050 h 2872556"/>
+              <a:gd name="connsiteX2" fmla="*/ 4388819 w 6957128"/>
+              <a:gd name="connsiteY2" fmla="*/ 13876 h 2872556"/>
+              <a:gd name="connsiteX3" fmla="*/ 5963864 w 6957128"/>
+              <a:gd name="connsiteY3" fmla="*/ 977354 h 2872556"/>
+              <a:gd name="connsiteX4" fmla="*/ 6957128 w 6957128"/>
+              <a:gd name="connsiteY4" fmla="*/ 1464102 h 2872556"/>
+              <a:gd name="connsiteX0" fmla="*/ 0 w 6957128"/>
+              <a:gd name="connsiteY0" fmla="*/ 2872556 h 2872556"/>
+              <a:gd name="connsiteX1" fmla="*/ 2278891 w 6957128"/>
+              <a:gd name="connsiteY1" fmla="*/ 1798050 h 2872556"/>
+              <a:gd name="connsiteX2" fmla="*/ 4388819 w 6957128"/>
+              <a:gd name="connsiteY2" fmla="*/ 13876 h 2872556"/>
+              <a:gd name="connsiteX3" fmla="*/ 5963864 w 6957128"/>
+              <a:gd name="connsiteY3" fmla="*/ 977354 h 2872556"/>
+              <a:gd name="connsiteX4" fmla="*/ 6957128 w 6957128"/>
+              <a:gd name="connsiteY4" fmla="*/ 1464102 h 2872556"/>
+              <a:gd name="connsiteX0" fmla="*/ 0 w 6957128"/>
+              <a:gd name="connsiteY0" fmla="*/ 2872556 h 2872556"/>
+              <a:gd name="connsiteX1" fmla="*/ 2278891 w 6957128"/>
+              <a:gd name="connsiteY1" fmla="*/ 1798050 h 2872556"/>
+              <a:gd name="connsiteX2" fmla="*/ 4388819 w 6957128"/>
+              <a:gd name="connsiteY2" fmla="*/ 13876 h 2872556"/>
+              <a:gd name="connsiteX3" fmla="*/ 5963864 w 6957128"/>
+              <a:gd name="connsiteY3" fmla="*/ 977354 h 2872556"/>
+              <a:gd name="connsiteX4" fmla="*/ 6957128 w 6957128"/>
+              <a:gd name="connsiteY4" fmla="*/ 1464102 h 2872556"/>
+              <a:gd name="connsiteX0" fmla="*/ 0 w 6957128"/>
+              <a:gd name="connsiteY0" fmla="*/ 2858680 h 2858680"/>
+              <a:gd name="connsiteX1" fmla="*/ 2278891 w 6957128"/>
+              <a:gd name="connsiteY1" fmla="*/ 1784174 h 2858680"/>
+              <a:gd name="connsiteX2" fmla="*/ 4388819 w 6957128"/>
+              <a:gd name="connsiteY2" fmla="*/ 0 h 2858680"/>
+              <a:gd name="connsiteX3" fmla="*/ 5963864 w 6957128"/>
+              <a:gd name="connsiteY3" fmla="*/ 963478 h 2858680"/>
+              <a:gd name="connsiteX4" fmla="*/ 6957128 w 6957128"/>
+              <a:gd name="connsiteY4" fmla="*/ 1450226 h 2858680"/>
+              <a:gd name="connsiteX0" fmla="*/ 0 w 6957128"/>
+              <a:gd name="connsiteY0" fmla="*/ 2858680 h 2858680"/>
+              <a:gd name="connsiteX1" fmla="*/ 2278891 w 6957128"/>
+              <a:gd name="connsiteY1" fmla="*/ 1784174 h 2858680"/>
+              <a:gd name="connsiteX2" fmla="*/ 4388819 w 6957128"/>
+              <a:gd name="connsiteY2" fmla="*/ 0 h 2858680"/>
+              <a:gd name="connsiteX3" fmla="*/ 5963864 w 6957128"/>
+              <a:gd name="connsiteY3" fmla="*/ 963478 h 2858680"/>
+              <a:gd name="connsiteX4" fmla="*/ 6957128 w 6957128"/>
+              <a:gd name="connsiteY4" fmla="*/ 1450226 h 2858680"/>
+              <a:gd name="connsiteX0" fmla="*/ 0 w 6957128"/>
+              <a:gd name="connsiteY0" fmla="*/ 2858680 h 2858680"/>
+              <a:gd name="connsiteX1" fmla="*/ 2278891 w 6957128"/>
+              <a:gd name="connsiteY1" fmla="*/ 1784174 h 2858680"/>
+              <a:gd name="connsiteX2" fmla="*/ 4388819 w 6957128"/>
+              <a:gd name="connsiteY2" fmla="*/ 0 h 2858680"/>
+              <a:gd name="connsiteX3" fmla="*/ 5963864 w 6957128"/>
+              <a:gd name="connsiteY3" fmla="*/ 963478 h 2858680"/>
+              <a:gd name="connsiteX4" fmla="*/ 6957128 w 6957128"/>
+              <a:gd name="connsiteY4" fmla="*/ 1450226 h 2858680"/>
+              <a:gd name="connsiteX0" fmla="*/ 0 w 6957128"/>
+              <a:gd name="connsiteY0" fmla="*/ 2858680 h 2858680"/>
+              <a:gd name="connsiteX1" fmla="*/ 2278891 w 6957128"/>
+              <a:gd name="connsiteY1" fmla="*/ 1784174 h 2858680"/>
+              <a:gd name="connsiteX2" fmla="*/ 4388819 w 6957128"/>
+              <a:gd name="connsiteY2" fmla="*/ 0 h 2858680"/>
+              <a:gd name="connsiteX3" fmla="*/ 5963864 w 6957128"/>
+              <a:gd name="connsiteY3" fmla="*/ 963478 h 2858680"/>
+              <a:gd name="connsiteX4" fmla="*/ 6957128 w 6957128"/>
+              <a:gd name="connsiteY4" fmla="*/ 1450226 h 2858680"/>
+              <a:gd name="connsiteX0" fmla="*/ 0 w 6957128"/>
+              <a:gd name="connsiteY0" fmla="*/ 2858694 h 2858694"/>
+              <a:gd name="connsiteX1" fmla="*/ 2278891 w 6957128"/>
+              <a:gd name="connsiteY1" fmla="*/ 1784188 h 2858694"/>
+              <a:gd name="connsiteX2" fmla="*/ 4388819 w 6957128"/>
+              <a:gd name="connsiteY2" fmla="*/ 14 h 2858694"/>
+              <a:gd name="connsiteX3" fmla="*/ 5963864 w 6957128"/>
+              <a:gd name="connsiteY3" fmla="*/ 963492 h 2858694"/>
+              <a:gd name="connsiteX4" fmla="*/ 6957128 w 6957128"/>
+              <a:gd name="connsiteY4" fmla="*/ 1450240 h 2858694"/>
+              <a:gd name="connsiteX0" fmla="*/ 0 w 6957128"/>
+              <a:gd name="connsiteY0" fmla="*/ 2858696 h 2858696"/>
+              <a:gd name="connsiteX1" fmla="*/ 2278891 w 6957128"/>
+              <a:gd name="connsiteY1" fmla="*/ 1784190 h 2858696"/>
+              <a:gd name="connsiteX2" fmla="*/ 4388819 w 6957128"/>
+              <a:gd name="connsiteY2" fmla="*/ 16 h 2858696"/>
+              <a:gd name="connsiteX3" fmla="*/ 5963864 w 6957128"/>
+              <a:gd name="connsiteY3" fmla="*/ 963494 h 2858696"/>
+              <a:gd name="connsiteX4" fmla="*/ 6957128 w 6957128"/>
+              <a:gd name="connsiteY4" fmla="*/ 1450242 h 2858696"/>
+              <a:gd name="connsiteX0" fmla="*/ 0 w 6957128"/>
+              <a:gd name="connsiteY0" fmla="*/ 2860548 h 2860548"/>
+              <a:gd name="connsiteX1" fmla="*/ 2278891 w 6957128"/>
+              <a:gd name="connsiteY1" fmla="*/ 1786042 h 2860548"/>
+              <a:gd name="connsiteX2" fmla="*/ 4388819 w 6957128"/>
+              <a:gd name="connsiteY2" fmla="*/ 1868 h 2860548"/>
+              <a:gd name="connsiteX3" fmla="*/ 6957128 w 6957128"/>
+              <a:gd name="connsiteY3" fmla="*/ 1452094 h 2860548"/>
+              <a:gd name="connsiteX0" fmla="*/ 0 w 6957128"/>
+              <a:gd name="connsiteY0" fmla="*/ 2860619 h 2860619"/>
+              <a:gd name="connsiteX1" fmla="*/ 2278891 w 6957128"/>
+              <a:gd name="connsiteY1" fmla="*/ 1786113 h 2860619"/>
+              <a:gd name="connsiteX2" fmla="*/ 4388819 w 6957128"/>
+              <a:gd name="connsiteY2" fmla="*/ 1939 h 2860619"/>
+              <a:gd name="connsiteX3" fmla="*/ 6957128 w 6957128"/>
+              <a:gd name="connsiteY3" fmla="*/ 1452165 h 2860619"/>
+              <a:gd name="connsiteX0" fmla="*/ 0 w 6957128"/>
+              <a:gd name="connsiteY0" fmla="*/ 2860634 h 2860634"/>
+              <a:gd name="connsiteX1" fmla="*/ 2278891 w 6957128"/>
+              <a:gd name="connsiteY1" fmla="*/ 1786128 h 2860634"/>
+              <a:gd name="connsiteX2" fmla="*/ 4388819 w 6957128"/>
+              <a:gd name="connsiteY2" fmla="*/ 1954 h 2860634"/>
+              <a:gd name="connsiteX3" fmla="*/ 6957128 w 6957128"/>
+              <a:gd name="connsiteY3" fmla="*/ 1452180 h 2860634"/>
+              <a:gd name="connsiteX0" fmla="*/ 0 w 6957128"/>
+              <a:gd name="connsiteY0" fmla="*/ 2858747 h 2858747"/>
+              <a:gd name="connsiteX1" fmla="*/ 2278891 w 6957128"/>
+              <a:gd name="connsiteY1" fmla="*/ 1784241 h 2858747"/>
+              <a:gd name="connsiteX2" fmla="*/ 4388819 w 6957128"/>
+              <a:gd name="connsiteY2" fmla="*/ 67 h 2858747"/>
+              <a:gd name="connsiteX3" fmla="*/ 6957128 w 6957128"/>
+              <a:gd name="connsiteY3" fmla="*/ 1450293 h 2858747"/>
+              <a:gd name="connsiteX0" fmla="*/ 0 w 6957128"/>
+              <a:gd name="connsiteY0" fmla="*/ 2858723 h 2858723"/>
+              <a:gd name="connsiteX1" fmla="*/ 2278891 w 6957128"/>
+              <a:gd name="connsiteY1" fmla="*/ 1784217 h 2858723"/>
+              <a:gd name="connsiteX2" fmla="*/ 4388819 w 6957128"/>
+              <a:gd name="connsiteY2" fmla="*/ 43 h 2858723"/>
+              <a:gd name="connsiteX3" fmla="*/ 6957128 w 6957128"/>
+              <a:gd name="connsiteY3" fmla="*/ 1450269 h 2858723"/>
+              <a:gd name="connsiteX0" fmla="*/ 0 w 6957128"/>
+              <a:gd name="connsiteY0" fmla="*/ 2858721 h 2858721"/>
+              <a:gd name="connsiteX1" fmla="*/ 2278891 w 6957128"/>
+              <a:gd name="connsiteY1" fmla="*/ 1784215 h 2858721"/>
+              <a:gd name="connsiteX2" fmla="*/ 4388819 w 6957128"/>
+              <a:gd name="connsiteY2" fmla="*/ 41 h 2858721"/>
+              <a:gd name="connsiteX3" fmla="*/ 6957128 w 6957128"/>
+              <a:gd name="connsiteY3" fmla="*/ 1450267 h 2858721"/>
+              <a:gd name="connsiteX0" fmla="*/ 0 w 6957128"/>
+              <a:gd name="connsiteY0" fmla="*/ 2858727 h 2858727"/>
+              <a:gd name="connsiteX1" fmla="*/ 2278891 w 6957128"/>
+              <a:gd name="connsiteY1" fmla="*/ 1784221 h 2858727"/>
+              <a:gd name="connsiteX2" fmla="*/ 4388819 w 6957128"/>
+              <a:gd name="connsiteY2" fmla="*/ 47 h 2858727"/>
+              <a:gd name="connsiteX3" fmla="*/ 6957128 w 6957128"/>
+              <a:gd name="connsiteY3" fmla="*/ 1450273 h 2858727"/>
+              <a:gd name="connsiteX0" fmla="*/ 0 w 6957128"/>
+              <a:gd name="connsiteY0" fmla="*/ 2858727 h 2858727"/>
+              <a:gd name="connsiteX1" fmla="*/ 2278891 w 6957128"/>
+              <a:gd name="connsiteY1" fmla="*/ 1784221 h 2858727"/>
+              <a:gd name="connsiteX2" fmla="*/ 4388819 w 6957128"/>
+              <a:gd name="connsiteY2" fmla="*/ 47 h 2858727"/>
+              <a:gd name="connsiteX3" fmla="*/ 6957128 w 6957128"/>
+              <a:gd name="connsiteY3" fmla="*/ 1450273 h 2858727"/>
+              <a:gd name="connsiteX0" fmla="*/ 0 w 6957128"/>
+              <a:gd name="connsiteY0" fmla="*/ 2858727 h 2858727"/>
+              <a:gd name="connsiteX1" fmla="*/ 2278891 w 6957128"/>
+              <a:gd name="connsiteY1" fmla="*/ 1784221 h 2858727"/>
+              <a:gd name="connsiteX2" fmla="*/ 4388819 w 6957128"/>
+              <a:gd name="connsiteY2" fmla="*/ 47 h 2858727"/>
+              <a:gd name="connsiteX3" fmla="*/ 6957128 w 6957128"/>
+              <a:gd name="connsiteY3" fmla="*/ 1450273 h 2858727"/>
+              <a:gd name="connsiteX4" fmla="*/ 0 w 6957128"/>
+              <a:gd name="connsiteY4" fmla="*/ 2858727 h 2858727"/>
+              <a:gd name="connsiteX0" fmla="*/ 0 w 6957328"/>
+              <a:gd name="connsiteY0" fmla="*/ 2858727 h 2858727"/>
+              <a:gd name="connsiteX1" fmla="*/ 2278891 w 6957328"/>
+              <a:gd name="connsiteY1" fmla="*/ 1784221 h 2858727"/>
+              <a:gd name="connsiteX2" fmla="*/ 4388819 w 6957328"/>
+              <a:gd name="connsiteY2" fmla="*/ 47 h 2858727"/>
+              <a:gd name="connsiteX3" fmla="*/ 6957128 w 6957328"/>
+              <a:gd name="connsiteY3" fmla="*/ 1450273 h 2858727"/>
+              <a:gd name="connsiteX4" fmla="*/ 4261321 w 6957328"/>
+              <a:gd name="connsiteY4" fmla="*/ 1998140 h 2858727"/>
+              <a:gd name="connsiteX5" fmla="*/ 0 w 6957328"/>
+              <a:gd name="connsiteY5" fmla="*/ 2858727 h 2858727"/>
+              <a:gd name="connsiteX0" fmla="*/ 0 w 6957328"/>
+              <a:gd name="connsiteY0" fmla="*/ 2858727 h 2858727"/>
+              <a:gd name="connsiteX1" fmla="*/ 2278891 w 6957328"/>
+              <a:gd name="connsiteY1" fmla="*/ 1784221 h 2858727"/>
+              <a:gd name="connsiteX2" fmla="*/ 4388819 w 6957328"/>
+              <a:gd name="connsiteY2" fmla="*/ 47 h 2858727"/>
+              <a:gd name="connsiteX3" fmla="*/ 6957128 w 6957328"/>
+              <a:gd name="connsiteY3" fmla="*/ 1450273 h 2858727"/>
+              <a:gd name="connsiteX4" fmla="*/ 4261321 w 6957328"/>
+              <a:gd name="connsiteY4" fmla="*/ 1998140 h 2858727"/>
+              <a:gd name="connsiteX5" fmla="*/ 2420348 w 6957328"/>
+              <a:gd name="connsiteY5" fmla="*/ 2373354 h 2858727"/>
+              <a:gd name="connsiteX6" fmla="*/ 0 w 6957328"/>
+              <a:gd name="connsiteY6" fmla="*/ 2858727 h 2858727"/>
+              <a:gd name="connsiteX0" fmla="*/ 0 w 6957128"/>
+              <a:gd name="connsiteY0" fmla="*/ 2858727 h 2858727"/>
+              <a:gd name="connsiteX1" fmla="*/ 2278891 w 6957128"/>
+              <a:gd name="connsiteY1" fmla="*/ 1784221 h 2858727"/>
+              <a:gd name="connsiteX2" fmla="*/ 4388819 w 6957128"/>
+              <a:gd name="connsiteY2" fmla="*/ 47 h 2858727"/>
+              <a:gd name="connsiteX3" fmla="*/ 6957128 w 6957128"/>
+              <a:gd name="connsiteY3" fmla="*/ 1450273 h 2858727"/>
+              <a:gd name="connsiteX4" fmla="*/ 4860953 w 6957128"/>
+              <a:gd name="connsiteY4" fmla="*/ 1851715 h 2858727"/>
+              <a:gd name="connsiteX5" fmla="*/ 4261321 w 6957128"/>
+              <a:gd name="connsiteY5" fmla="*/ 1998140 h 2858727"/>
+              <a:gd name="connsiteX6" fmla="*/ 2420348 w 6957128"/>
+              <a:gd name="connsiteY6" fmla="*/ 2373354 h 2858727"/>
+              <a:gd name="connsiteX7" fmla="*/ 0 w 6957128"/>
+              <a:gd name="connsiteY7" fmla="*/ 2858727 h 2858727"/>
+              <a:gd name="connsiteX0" fmla="*/ 0 w 6957128"/>
+              <a:gd name="connsiteY0" fmla="*/ 2858727 h 2858727"/>
+              <a:gd name="connsiteX1" fmla="*/ 2278891 w 6957128"/>
+              <a:gd name="connsiteY1" fmla="*/ 1784221 h 2858727"/>
+              <a:gd name="connsiteX2" fmla="*/ 4388819 w 6957128"/>
+              <a:gd name="connsiteY2" fmla="*/ 47 h 2858727"/>
+              <a:gd name="connsiteX3" fmla="*/ 6957128 w 6957128"/>
+              <a:gd name="connsiteY3" fmla="*/ 1450273 h 2858727"/>
+              <a:gd name="connsiteX4" fmla="*/ 4261321 w 6957128"/>
+              <a:gd name="connsiteY4" fmla="*/ 1998140 h 2858727"/>
+              <a:gd name="connsiteX5" fmla="*/ 2420348 w 6957128"/>
+              <a:gd name="connsiteY5" fmla="*/ 2373354 h 2858727"/>
+              <a:gd name="connsiteX6" fmla="*/ 0 w 6957128"/>
+              <a:gd name="connsiteY6" fmla="*/ 2858727 h 2858727"/>
+              <a:gd name="connsiteX0" fmla="*/ 0 w 6957128"/>
+              <a:gd name="connsiteY0" fmla="*/ 2858727 h 2858727"/>
+              <a:gd name="connsiteX1" fmla="*/ 2278891 w 6957128"/>
+              <a:gd name="connsiteY1" fmla="*/ 1784221 h 2858727"/>
+              <a:gd name="connsiteX2" fmla="*/ 4388819 w 6957128"/>
+              <a:gd name="connsiteY2" fmla="*/ 47 h 2858727"/>
+              <a:gd name="connsiteX3" fmla="*/ 6957128 w 6957128"/>
+              <a:gd name="connsiteY3" fmla="*/ 1450273 h 2858727"/>
+              <a:gd name="connsiteX4" fmla="*/ 4261321 w 6957128"/>
+              <a:gd name="connsiteY4" fmla="*/ 1998140 h 2858727"/>
+              <a:gd name="connsiteX5" fmla="*/ 0 w 6957128"/>
+              <a:gd name="connsiteY5" fmla="*/ 2858727 h 2858727"/>
+              <a:gd name="connsiteX0" fmla="*/ 0 w 7038562"/>
+              <a:gd name="connsiteY0" fmla="*/ 2858727 h 3288510"/>
+              <a:gd name="connsiteX1" fmla="*/ 2278891 w 7038562"/>
+              <a:gd name="connsiteY1" fmla="*/ 1784221 h 3288510"/>
+              <a:gd name="connsiteX2" fmla="*/ 4388819 w 7038562"/>
+              <a:gd name="connsiteY2" fmla="*/ 47 h 3288510"/>
+              <a:gd name="connsiteX3" fmla="*/ 6957128 w 7038562"/>
+              <a:gd name="connsiteY3" fmla="*/ 1450273 h 3288510"/>
+              <a:gd name="connsiteX4" fmla="*/ 7038562 w 7038562"/>
+              <a:gd name="connsiteY4" fmla="*/ 3288510 h 3288510"/>
+              <a:gd name="connsiteX5" fmla="*/ 0 w 7038562"/>
+              <a:gd name="connsiteY5" fmla="*/ 2858727 h 3288510"/>
+              <a:gd name="connsiteX0" fmla="*/ 0 w 7038562"/>
+              <a:gd name="connsiteY0" fmla="*/ 2858727 h 3288510"/>
+              <a:gd name="connsiteX1" fmla="*/ 2278891 w 7038562"/>
+              <a:gd name="connsiteY1" fmla="*/ 1784221 h 3288510"/>
+              <a:gd name="connsiteX2" fmla="*/ 4388819 w 7038562"/>
+              <a:gd name="connsiteY2" fmla="*/ 47 h 3288510"/>
+              <a:gd name="connsiteX3" fmla="*/ 6957128 w 7038562"/>
+              <a:gd name="connsiteY3" fmla="*/ 1450273 h 3288510"/>
+              <a:gd name="connsiteX4" fmla="*/ 7038562 w 7038562"/>
+              <a:gd name="connsiteY4" fmla="*/ 3288510 h 3288510"/>
+              <a:gd name="connsiteX5" fmla="*/ 1052767 w 7038562"/>
+              <a:gd name="connsiteY5" fmla="*/ 2931599 h 3288510"/>
+              <a:gd name="connsiteX6" fmla="*/ 0 w 7038562"/>
+              <a:gd name="connsiteY6" fmla="*/ 2858727 h 3288510"/>
+              <a:gd name="connsiteX0" fmla="*/ 609369 w 7647931"/>
+              <a:gd name="connsiteY0" fmla="*/ 2858727 h 3380025"/>
+              <a:gd name="connsiteX1" fmla="*/ 2888260 w 7647931"/>
+              <a:gd name="connsiteY1" fmla="*/ 1784221 h 3380025"/>
+              <a:gd name="connsiteX2" fmla="*/ 4998188 w 7647931"/>
+              <a:gd name="connsiteY2" fmla="*/ 47 h 3380025"/>
+              <a:gd name="connsiteX3" fmla="*/ 7566497 w 7647931"/>
+              <a:gd name="connsiteY3" fmla="*/ 1450273 h 3380025"/>
+              <a:gd name="connsiteX4" fmla="*/ 7647931 w 7647931"/>
+              <a:gd name="connsiteY4" fmla="*/ 3288510 h 3380025"/>
+              <a:gd name="connsiteX5" fmla="*/ 0 w 7647931"/>
+              <a:gd name="connsiteY5" fmla="*/ 3380025 h 3380025"/>
+              <a:gd name="connsiteX6" fmla="*/ 609369 w 7647931"/>
+              <a:gd name="connsiteY6" fmla="*/ 2858727 h 3380025"/>
+              <a:gd name="connsiteX0" fmla="*/ 609369 w 7647931"/>
+              <a:gd name="connsiteY0" fmla="*/ 2858727 h 3380025"/>
+              <a:gd name="connsiteX1" fmla="*/ 2888260 w 7647931"/>
+              <a:gd name="connsiteY1" fmla="*/ 1784221 h 3380025"/>
+              <a:gd name="connsiteX2" fmla="*/ 4998188 w 7647931"/>
+              <a:gd name="connsiteY2" fmla="*/ 47 h 3380025"/>
+              <a:gd name="connsiteX3" fmla="*/ 7566497 w 7647931"/>
+              <a:gd name="connsiteY3" fmla="*/ 1450273 h 3380025"/>
+              <a:gd name="connsiteX4" fmla="*/ 7647931 w 7647931"/>
+              <a:gd name="connsiteY4" fmla="*/ 3288510 h 3380025"/>
+              <a:gd name="connsiteX5" fmla="*/ 0 w 7647931"/>
+              <a:gd name="connsiteY5" fmla="*/ 3380025 h 3380025"/>
+              <a:gd name="connsiteX6" fmla="*/ 609369 w 7647931"/>
+              <a:gd name="connsiteY6" fmla="*/ 2858727 h 3380025"/>
+              <a:gd name="connsiteX0" fmla="*/ 609369 w 7647931"/>
+              <a:gd name="connsiteY0" fmla="*/ 2858727 h 3380025"/>
+              <a:gd name="connsiteX1" fmla="*/ 2888260 w 7647931"/>
+              <a:gd name="connsiteY1" fmla="*/ 1784221 h 3380025"/>
+              <a:gd name="connsiteX2" fmla="*/ 4998188 w 7647931"/>
+              <a:gd name="connsiteY2" fmla="*/ 47 h 3380025"/>
+              <a:gd name="connsiteX3" fmla="*/ 7566497 w 7647931"/>
+              <a:gd name="connsiteY3" fmla="*/ 1450273 h 3380025"/>
+              <a:gd name="connsiteX4" fmla="*/ 7647931 w 7647931"/>
+              <a:gd name="connsiteY4" fmla="*/ 3288510 h 3380025"/>
+              <a:gd name="connsiteX5" fmla="*/ 0 w 7647931"/>
+              <a:gd name="connsiteY5" fmla="*/ 3380025 h 3380025"/>
+              <a:gd name="connsiteX6" fmla="*/ 609369 w 7647931"/>
+              <a:gd name="connsiteY6" fmla="*/ 2858727 h 3380025"/>
+              <a:gd name="connsiteX0" fmla="*/ 609369 w 7647931"/>
+              <a:gd name="connsiteY0" fmla="*/ 2858727 h 3380025"/>
+              <a:gd name="connsiteX1" fmla="*/ 2888260 w 7647931"/>
+              <a:gd name="connsiteY1" fmla="*/ 1784221 h 3380025"/>
+              <a:gd name="connsiteX2" fmla="*/ 4998188 w 7647931"/>
+              <a:gd name="connsiteY2" fmla="*/ 47 h 3380025"/>
+              <a:gd name="connsiteX3" fmla="*/ 7566497 w 7647931"/>
+              <a:gd name="connsiteY3" fmla="*/ 1450273 h 3380025"/>
+              <a:gd name="connsiteX4" fmla="*/ 7647931 w 7647931"/>
+              <a:gd name="connsiteY4" fmla="*/ 3288510 h 3380025"/>
+              <a:gd name="connsiteX5" fmla="*/ 0 w 7647931"/>
+              <a:gd name="connsiteY5" fmla="*/ 3380025 h 3380025"/>
+              <a:gd name="connsiteX6" fmla="*/ 609369 w 7647931"/>
+              <a:gd name="connsiteY6" fmla="*/ 2858727 h 3380025"/>
+              <a:gd name="connsiteX0" fmla="*/ 7647931 w 7734194"/>
+              <a:gd name="connsiteY0" fmla="*/ 3288510 h 3380025"/>
+              <a:gd name="connsiteX1" fmla="*/ 0 w 7734194"/>
+              <a:gd name="connsiteY1" fmla="*/ 3380025 h 3380025"/>
+              <a:gd name="connsiteX2" fmla="*/ 609369 w 7734194"/>
+              <a:gd name="connsiteY2" fmla="*/ 2858727 h 3380025"/>
+              <a:gd name="connsiteX3" fmla="*/ 2888260 w 7734194"/>
+              <a:gd name="connsiteY3" fmla="*/ 1784221 h 3380025"/>
+              <a:gd name="connsiteX4" fmla="*/ 4998188 w 7734194"/>
+              <a:gd name="connsiteY4" fmla="*/ 47 h 3380025"/>
+              <a:gd name="connsiteX5" fmla="*/ 7566497 w 7734194"/>
+              <a:gd name="connsiteY5" fmla="*/ 1450273 h 3380025"/>
+              <a:gd name="connsiteX6" fmla="*/ 7734194 w 7734194"/>
+              <a:gd name="connsiteY6" fmla="*/ 3363553 h 3380025"/>
+              <a:gd name="connsiteX0" fmla="*/ 7647931 w 7647931"/>
+              <a:gd name="connsiteY0" fmla="*/ 3288510 h 3380025"/>
+              <a:gd name="connsiteX1" fmla="*/ 0 w 7647931"/>
+              <a:gd name="connsiteY1" fmla="*/ 3380025 h 3380025"/>
+              <a:gd name="connsiteX2" fmla="*/ 609369 w 7647931"/>
+              <a:gd name="connsiteY2" fmla="*/ 2858727 h 3380025"/>
+              <a:gd name="connsiteX3" fmla="*/ 2888260 w 7647931"/>
+              <a:gd name="connsiteY3" fmla="*/ 1784221 h 3380025"/>
+              <a:gd name="connsiteX4" fmla="*/ 4998188 w 7647931"/>
+              <a:gd name="connsiteY4" fmla="*/ 47 h 3380025"/>
+              <a:gd name="connsiteX5" fmla="*/ 7566497 w 7647931"/>
+              <a:gd name="connsiteY5" fmla="*/ 1450273 h 3380025"/>
+              <a:gd name="connsiteX0" fmla="*/ 0 w 7566497"/>
+              <a:gd name="connsiteY0" fmla="*/ 3380025 h 3380025"/>
+              <a:gd name="connsiteX1" fmla="*/ 609369 w 7566497"/>
+              <a:gd name="connsiteY1" fmla="*/ 2858727 h 3380025"/>
+              <a:gd name="connsiteX2" fmla="*/ 2888260 w 7566497"/>
+              <a:gd name="connsiteY2" fmla="*/ 1784221 h 3380025"/>
+              <a:gd name="connsiteX3" fmla="*/ 4998188 w 7566497"/>
+              <a:gd name="connsiteY3" fmla="*/ 47 h 3380025"/>
+              <a:gd name="connsiteX4" fmla="*/ 7566497 w 7566497"/>
+              <a:gd name="connsiteY4" fmla="*/ 1450273 h 3380025"/>
+              <a:gd name="connsiteX0" fmla="*/ 0 w 6957128"/>
+              <a:gd name="connsiteY0" fmla="*/ 2858727 h 2858727"/>
+              <a:gd name="connsiteX1" fmla="*/ 2278891 w 6957128"/>
+              <a:gd name="connsiteY1" fmla="*/ 1784221 h 2858727"/>
+              <a:gd name="connsiteX2" fmla="*/ 4388819 w 6957128"/>
+              <a:gd name="connsiteY2" fmla="*/ 47 h 2858727"/>
+              <a:gd name="connsiteX3" fmla="*/ 6957128 w 6957128"/>
+              <a:gd name="connsiteY3" fmla="*/ 1450273 h 2858727"/>
+            </a:gdLst>
+            <a:ahLst/>
+            <a:cxnLst>
+              <a:cxn ang="0">
+                <a:pos x="connsiteX0" y="connsiteY0"/>
+              </a:cxn>
+              <a:cxn ang="0">
+                <a:pos x="connsiteX1" y="connsiteY1"/>
+              </a:cxn>
+              <a:cxn ang="0">
+                <a:pos x="connsiteX2" y="connsiteY2"/>
+              </a:cxn>
+              <a:cxn ang="0">
+                <a:pos x="connsiteX3" y="connsiteY3"/>
+              </a:cxn>
+            </a:cxnLst>
+            <a:rect l="l" t="t" r="r" b="b"/>
+            <a:pathLst>
+              <a:path w="6957128" h="2858727">
+                <a:moveTo>
+                  <a:pt x="0" y="2858727"/>
+                </a:moveTo>
+                <a:cubicBezTo>
+                  <a:pt x="789222" y="2766887"/>
+                  <a:pt x="1579339" y="2459536"/>
+                  <a:pt x="2278891" y="1784221"/>
+                </a:cubicBezTo>
+                <a:cubicBezTo>
+                  <a:pt x="2978443" y="1108906"/>
+                  <a:pt x="3472354" y="-8355"/>
+                  <a:pt x="4388819" y="47"/>
+                </a:cubicBezTo>
+                <a:cubicBezTo>
+                  <a:pt x="5305284" y="8449"/>
+                  <a:pt x="5336404" y="1068907"/>
+                  <a:pt x="6957128" y="1450273"/>
+                </a:cubicBezTo>
+              </a:path>
+            </a:pathLst>
+          </a:custGeom>
+          <a:ln w="28575" cmpd="sng">
+            <a:solidFill>
+              <a:schemeClr val="tx1"/>
+            </a:solidFill>
+            <a:prstDash val="dash"/>
+          </a:ln>
+        </p:spPr>
+        <p:style>
+          <a:lnRef idx="1">
+            <a:schemeClr val="accent2"/>
+          </a:lnRef>
+          <a:fillRef idx="0">
+            <a:schemeClr val="accent2"/>
+          </a:fillRef>
+          <a:effectRef idx="0">
+            <a:schemeClr val="accent2"/>
+          </a:effectRef>
+          <a:fontRef idx="minor">
+            <a:schemeClr val="tx1"/>
+          </a:fontRef>
+        </p:style>
+        <p:txBody>
+          <a:bodyPr rtlCol="0" anchor="ctr"/>
+          <a:lstStyle/>
+          <a:p>
+            <a:pPr algn="ctr"/>
+            <a:endParaRPr lang="en-US">
+              <a:solidFill>
+                <a:schemeClr val="tx1"/>
+              </a:solidFill>
+              <a:latin typeface="Times New Roman" panose="02020603050405020304" pitchFamily="18" charset="0"/>
+              <a:cs typeface="Times New Roman" panose="02020603050405020304" pitchFamily="18" charset="0"/>
+            </a:endParaRPr>
+          </a:p>
+        </p:txBody>
+      </p:sp>
+    </p:spTree>
+    <p:extLst>
+      <p:ext uri="{BB962C8B-B14F-4D97-AF65-F5344CB8AC3E}">
+        <p14:creationId xmlns:p14="http://schemas.microsoft.com/office/powerpoint/2010/main" val="2744374251"/>
       </p:ext>
     </p:extLst>
   </p:cSld>
